--- a/4.Decision_and_contol_instructions_9_Feb/Decision_Control.pptx
+++ b/4.Decision_and_contol_instructions_9_Feb/Decision_Control.pptx
@@ -3,23 +3,24 @@
 <p:presentation xmlns:a="http://schemas.openxmlformats.org/drawingml/2006/main" xmlns:p="http://schemas.openxmlformats.org/presentationml/2006/main" xmlns:r="http://schemas.openxmlformats.org/officeDocument/2006/relationships" xmlns:p14="http://schemas.microsoft.com/office/powerpoint/2010/main" xmlns:p15="http://schemas.microsoft.com/office/powerpoint/2012/main" xmlns:mc="http://schemas.openxmlformats.org/markup-compatibility/2006">
   <p:sldMasterIdLst>
     <p:sldMasterId id="2147483648" r:id="rId2"/>
+    <p:sldMasterId id="2147483661" r:id="rId3"/>
   </p:sldMasterIdLst>
   <p:notesMasterIdLst>
-    <p:notesMasterId r:id="rId3"/>
+    <p:notesMasterId r:id="rId4"/>
   </p:notesMasterIdLst>
   <p:sldIdLst>
-    <p:sldId id="256" r:id="rId4"/>
-    <p:sldId id="257" r:id="rId5"/>
-    <p:sldId id="258" r:id="rId6"/>
-    <p:sldId id="259" r:id="rId7"/>
-    <p:sldId id="260" r:id="rId8"/>
-    <p:sldId id="261" r:id="rId9"/>
-    <p:sldId id="262" r:id="rId10"/>
-    <p:sldId id="263" r:id="rId11"/>
-    <p:sldId id="264" r:id="rId12"/>
-    <p:sldId id="265" r:id="rId13"/>
-    <p:sldId id="266" r:id="rId14"/>
-    <p:sldId id="267" r:id="rId15"/>
+    <p:sldId id="256" r:id="rId5"/>
+    <p:sldId id="257" r:id="rId6"/>
+    <p:sldId id="258" r:id="rId7"/>
+    <p:sldId id="259" r:id="rId8"/>
+    <p:sldId id="260" r:id="rId9"/>
+    <p:sldId id="261" r:id="rId10"/>
+    <p:sldId id="262" r:id="rId11"/>
+    <p:sldId id="263" r:id="rId12"/>
+    <p:sldId id="264" r:id="rId13"/>
+    <p:sldId id="265" r:id="rId14"/>
+    <p:sldId id="266" r:id="rId15"/>
+    <p:sldId id="267" r:id="rId16"/>
   </p:sldIdLst>
   <p:sldSz cx="9144000" cy="5143500"/>
   <p:notesSz cx="5143500" cy="9144000"/>
@@ -45,7 +46,7 @@
       </p:grpSpPr>
       <p:sp>
         <p:nvSpPr>
-          <p:cNvPr id="38" name="PlaceHolder 1"/>
+          <p:cNvPr id="76" name="PlaceHolder 1"/>
           <p:cNvSpPr>
             <a:spLocks noGrp="1"/>
           </p:cNvSpPr>
@@ -88,7 +89,7 @@
       </p:sp>
       <p:sp>
         <p:nvSpPr>
-          <p:cNvPr id="39" name="PlaceHolder 2"/>
+          <p:cNvPr id="77" name="PlaceHolder 2"/>
           <p:cNvSpPr>
             <a:spLocks noGrp="1"/>
           </p:cNvSpPr>
@@ -128,7 +129,7 @@
       </p:sp>
       <p:sp>
         <p:nvSpPr>
-          <p:cNvPr id="40" name="PlaceHolder 3"/>
+          <p:cNvPr id="78" name="PlaceHolder 3"/>
           <p:cNvSpPr>
             <a:spLocks noGrp="1"/>
           </p:cNvSpPr>
@@ -168,7 +169,7 @@
       </p:sp>
       <p:sp>
         <p:nvSpPr>
-          <p:cNvPr id="41" name="PlaceHolder 4"/>
+          <p:cNvPr id="79" name="PlaceHolder 4"/>
           <p:cNvSpPr>
             <a:spLocks noGrp="1"/>
           </p:cNvSpPr>
@@ -219,7 +220,7 @@
       </p:sp>
       <p:sp>
         <p:nvSpPr>
-          <p:cNvPr id="42" name="PlaceHolder 5"/>
+          <p:cNvPr id="80" name="PlaceHolder 5"/>
           <p:cNvSpPr>
             <a:spLocks noGrp="1"/>
           </p:cNvSpPr>
@@ -266,7 +267,7 @@
       </p:sp>
       <p:sp>
         <p:nvSpPr>
-          <p:cNvPr id="43" name="PlaceHolder 6"/>
+          <p:cNvPr id="81" name="PlaceHolder 6"/>
           <p:cNvSpPr>
             <a:spLocks noGrp="1"/>
           </p:cNvSpPr>
@@ -303,7 +304,7 @@
             <a:pPr algn="r">
               <a:buNone/>
             </a:pPr>
-            <a:fld id="{4BEAFCC0-DF8B-4869-BF4F-80F47B847372}" type="slidenum">
+            <a:fld id="{0525C221-1B60-48A0-9848-C0A3CDA49500}" type="slidenum">
               <a:rPr b="0" lang="en-IN" sz="1400" spc="-1" strike="noStrike">
                 <a:latin typeface="Times New Roman"/>
               </a:rPr>
@@ -340,7 +341,7 @@
       </p:grpSpPr>
       <p:sp>
         <p:nvSpPr>
-          <p:cNvPr id="385" name="PlaceHolder 1"/>
+          <p:cNvPr id="423" name="PlaceHolder 1"/>
           <p:cNvSpPr>
             <a:spLocks noGrp="1"/>
           </p:cNvSpPr>
@@ -351,19 +352,19 @@
         <p:spPr>
           <a:xfrm>
             <a:off x="685800" y="1143000"/>
-            <a:ext cx="5485680" cy="3085560"/>
-          </a:xfrm>
-          <a:prstGeom prst="rect">
-            <a:avLst/>
-          </a:prstGeom>
-          <a:ln w="0">
-            <a:noFill/>
-          </a:ln>
-        </p:spPr>
-      </p:sp>
-      <p:sp>
-        <p:nvSpPr>
-          <p:cNvPr id="386" name="PlaceHolder 2"/>
+            <a:ext cx="5485320" cy="3085200"/>
+          </a:xfrm>
+          <a:prstGeom prst="rect">
+            <a:avLst/>
+          </a:prstGeom>
+          <a:ln w="0">
+            <a:noFill/>
+          </a:ln>
+        </p:spPr>
+      </p:sp>
+      <p:sp>
+        <p:nvSpPr>
+          <p:cNvPr id="424" name="PlaceHolder 2"/>
           <p:cNvSpPr>
             <a:spLocks noGrp="1"/>
           </p:cNvSpPr>
@@ -374,7 +375,7 @@
         <p:spPr>
           <a:xfrm>
             <a:off x="685800" y="4400640"/>
-            <a:ext cx="5485680" cy="3599640"/>
+            <a:ext cx="5485320" cy="3599280"/>
           </a:xfrm>
           <a:prstGeom prst="rect">
             <a:avLst/>
@@ -397,7 +398,7 @@
       </p:sp>
       <p:sp>
         <p:nvSpPr>
-          <p:cNvPr id="387" name="PlaceHolder 3"/>
+          <p:cNvPr id="425" name="PlaceHolder 3"/>
           <p:cNvSpPr>
             <a:spLocks noGrp="1"/>
           </p:cNvSpPr>
@@ -408,7 +409,7 @@
         <p:spPr>
           <a:xfrm>
             <a:off x="3884760" y="8685360"/>
-            <a:ext cx="2971080" cy="457920"/>
+            <a:ext cx="2970720" cy="457560"/>
           </a:xfrm>
           <a:prstGeom prst="rect">
             <a:avLst/>
@@ -444,7 +445,7 @@
               </a:lnSpc>
               <a:buNone/>
             </a:pPr>
-            <a:fld id="{80C763F5-926A-44B7-88AD-3D396734BB3F}" type="slidenum">
+            <a:fld id="{3B5EFC47-3A5B-4CB7-B43F-93CCB8180BB8}" type="slidenum">
               <a:rPr b="0" lang="en-US" sz="1200" spc="-1" strike="noStrike">
                 <a:solidFill>
                   <a:srgbClr val="000000"/>
@@ -484,7 +485,7 @@
       </p:grpSpPr>
       <p:sp>
         <p:nvSpPr>
-          <p:cNvPr id="412" name="PlaceHolder 1"/>
+          <p:cNvPr id="450" name="PlaceHolder 1"/>
           <p:cNvSpPr>
             <a:spLocks noGrp="1"/>
           </p:cNvSpPr>
@@ -495,19 +496,19 @@
         <p:spPr>
           <a:xfrm>
             <a:off x="685800" y="1143000"/>
-            <a:ext cx="5485680" cy="3085560"/>
-          </a:xfrm>
-          <a:prstGeom prst="rect">
-            <a:avLst/>
-          </a:prstGeom>
-          <a:ln w="0">
-            <a:noFill/>
-          </a:ln>
-        </p:spPr>
-      </p:sp>
-      <p:sp>
-        <p:nvSpPr>
-          <p:cNvPr id="413" name="PlaceHolder 2"/>
+            <a:ext cx="5485320" cy="3085200"/>
+          </a:xfrm>
+          <a:prstGeom prst="rect">
+            <a:avLst/>
+          </a:prstGeom>
+          <a:ln w="0">
+            <a:noFill/>
+          </a:ln>
+        </p:spPr>
+      </p:sp>
+      <p:sp>
+        <p:nvSpPr>
+          <p:cNvPr id="451" name="PlaceHolder 2"/>
           <p:cNvSpPr>
             <a:spLocks noGrp="1"/>
           </p:cNvSpPr>
@@ -518,7 +519,7 @@
         <p:spPr>
           <a:xfrm>
             <a:off x="685800" y="4400640"/>
-            <a:ext cx="5485680" cy="3599640"/>
+            <a:ext cx="5485320" cy="3599280"/>
           </a:xfrm>
           <a:prstGeom prst="rect">
             <a:avLst/>
@@ -541,7 +542,7 @@
       </p:sp>
       <p:sp>
         <p:nvSpPr>
-          <p:cNvPr id="414" name="PlaceHolder 3"/>
+          <p:cNvPr id="452" name="PlaceHolder 3"/>
           <p:cNvSpPr>
             <a:spLocks noGrp="1"/>
           </p:cNvSpPr>
@@ -552,7 +553,7 @@
         <p:spPr>
           <a:xfrm>
             <a:off x="3884760" y="8685360"/>
-            <a:ext cx="2971080" cy="457920"/>
+            <a:ext cx="2970720" cy="457560"/>
           </a:xfrm>
           <a:prstGeom prst="rect">
             <a:avLst/>
@@ -588,7 +589,7 @@
               </a:lnSpc>
               <a:buNone/>
             </a:pPr>
-            <a:fld id="{FF00E597-F617-45CA-9FCF-250D56B25734}" type="slidenum">
+            <a:fld id="{45CEDAAC-6185-42CB-A3B6-EE07F28FD665}" type="slidenum">
               <a:rPr b="0" lang="en-US" sz="1200" spc="-1" strike="noStrike">
                 <a:solidFill>
                   <a:srgbClr val="000000"/>
@@ -628,7 +629,7 @@
       </p:grpSpPr>
       <p:sp>
         <p:nvSpPr>
-          <p:cNvPr id="415" name="PlaceHolder 1"/>
+          <p:cNvPr id="453" name="PlaceHolder 1"/>
           <p:cNvSpPr>
             <a:spLocks noGrp="1"/>
           </p:cNvSpPr>
@@ -639,19 +640,19 @@
         <p:spPr>
           <a:xfrm>
             <a:off x="685800" y="1143000"/>
-            <a:ext cx="5485680" cy="3085560"/>
-          </a:xfrm>
-          <a:prstGeom prst="rect">
-            <a:avLst/>
-          </a:prstGeom>
-          <a:ln w="0">
-            <a:noFill/>
-          </a:ln>
-        </p:spPr>
-      </p:sp>
-      <p:sp>
-        <p:nvSpPr>
-          <p:cNvPr id="416" name="PlaceHolder 2"/>
+            <a:ext cx="5485320" cy="3085200"/>
+          </a:xfrm>
+          <a:prstGeom prst="rect">
+            <a:avLst/>
+          </a:prstGeom>
+          <a:ln w="0">
+            <a:noFill/>
+          </a:ln>
+        </p:spPr>
+      </p:sp>
+      <p:sp>
+        <p:nvSpPr>
+          <p:cNvPr id="454" name="PlaceHolder 2"/>
           <p:cNvSpPr>
             <a:spLocks noGrp="1"/>
           </p:cNvSpPr>
@@ -662,7 +663,7 @@
         <p:spPr>
           <a:xfrm>
             <a:off x="685800" y="4400640"/>
-            <a:ext cx="5485680" cy="3599640"/>
+            <a:ext cx="5485320" cy="3599280"/>
           </a:xfrm>
           <a:prstGeom prst="rect">
             <a:avLst/>
@@ -685,7 +686,7 @@
       </p:sp>
       <p:sp>
         <p:nvSpPr>
-          <p:cNvPr id="417" name="PlaceHolder 3"/>
+          <p:cNvPr id="455" name="PlaceHolder 3"/>
           <p:cNvSpPr>
             <a:spLocks noGrp="1"/>
           </p:cNvSpPr>
@@ -696,7 +697,7 @@
         <p:spPr>
           <a:xfrm>
             <a:off x="3884760" y="8685360"/>
-            <a:ext cx="2971080" cy="457920"/>
+            <a:ext cx="2970720" cy="457560"/>
           </a:xfrm>
           <a:prstGeom prst="rect">
             <a:avLst/>
@@ -732,7 +733,7 @@
               </a:lnSpc>
               <a:buNone/>
             </a:pPr>
-            <a:fld id="{422994BA-2E04-42FB-A0BA-E4F59451296D}" type="slidenum">
+            <a:fld id="{EA24FF3B-0965-4EAC-A3D2-554B5606D4F4}" type="slidenum">
               <a:rPr b="0" lang="en-US" sz="1200" spc="-1" strike="noStrike">
                 <a:solidFill>
                   <a:srgbClr val="000000"/>
@@ -772,7 +773,7 @@
       </p:grpSpPr>
       <p:sp>
         <p:nvSpPr>
-          <p:cNvPr id="418" name="PlaceHolder 1"/>
+          <p:cNvPr id="456" name="PlaceHolder 1"/>
           <p:cNvSpPr>
             <a:spLocks noGrp="1"/>
           </p:cNvSpPr>
@@ -783,19 +784,19 @@
         <p:spPr>
           <a:xfrm>
             <a:off x="685800" y="1143000"/>
-            <a:ext cx="5485680" cy="3085560"/>
-          </a:xfrm>
-          <a:prstGeom prst="rect">
-            <a:avLst/>
-          </a:prstGeom>
-          <a:ln w="0">
-            <a:noFill/>
-          </a:ln>
-        </p:spPr>
-      </p:sp>
-      <p:sp>
-        <p:nvSpPr>
-          <p:cNvPr id="419" name="PlaceHolder 2"/>
+            <a:ext cx="5485320" cy="3085200"/>
+          </a:xfrm>
+          <a:prstGeom prst="rect">
+            <a:avLst/>
+          </a:prstGeom>
+          <a:ln w="0">
+            <a:noFill/>
+          </a:ln>
+        </p:spPr>
+      </p:sp>
+      <p:sp>
+        <p:nvSpPr>
+          <p:cNvPr id="457" name="PlaceHolder 2"/>
           <p:cNvSpPr>
             <a:spLocks noGrp="1"/>
           </p:cNvSpPr>
@@ -806,7 +807,7 @@
         <p:spPr>
           <a:xfrm>
             <a:off x="685800" y="4400640"/>
-            <a:ext cx="5485680" cy="3599640"/>
+            <a:ext cx="5485320" cy="3599280"/>
           </a:xfrm>
           <a:prstGeom prst="rect">
             <a:avLst/>
@@ -829,7 +830,7 @@
       </p:sp>
       <p:sp>
         <p:nvSpPr>
-          <p:cNvPr id="420" name="PlaceHolder 3"/>
+          <p:cNvPr id="458" name="PlaceHolder 3"/>
           <p:cNvSpPr>
             <a:spLocks noGrp="1"/>
           </p:cNvSpPr>
@@ -840,7 +841,7 @@
         <p:spPr>
           <a:xfrm>
             <a:off x="3884760" y="8685360"/>
-            <a:ext cx="2971080" cy="457920"/>
+            <a:ext cx="2970720" cy="457560"/>
           </a:xfrm>
           <a:prstGeom prst="rect">
             <a:avLst/>
@@ -876,7 +877,7 @@
               </a:lnSpc>
               <a:buNone/>
             </a:pPr>
-            <a:fld id="{19E0860C-12C9-47E2-9B26-867DCD6019F8}" type="slidenum">
+            <a:fld id="{464BF56B-321B-4537-AABF-6DFC93EAD095}" type="slidenum">
               <a:rPr b="0" lang="en-US" sz="1200" spc="-1" strike="noStrike">
                 <a:solidFill>
                   <a:srgbClr val="000000"/>
@@ -916,7 +917,7 @@
       </p:grpSpPr>
       <p:sp>
         <p:nvSpPr>
-          <p:cNvPr id="388" name="PlaceHolder 1"/>
+          <p:cNvPr id="426" name="PlaceHolder 1"/>
           <p:cNvSpPr>
             <a:spLocks noGrp="1"/>
           </p:cNvSpPr>
@@ -927,19 +928,19 @@
         <p:spPr>
           <a:xfrm>
             <a:off x="685800" y="1143000"/>
-            <a:ext cx="5485680" cy="3085560"/>
-          </a:xfrm>
-          <a:prstGeom prst="rect">
-            <a:avLst/>
-          </a:prstGeom>
-          <a:ln w="0">
-            <a:noFill/>
-          </a:ln>
-        </p:spPr>
-      </p:sp>
-      <p:sp>
-        <p:nvSpPr>
-          <p:cNvPr id="389" name="PlaceHolder 2"/>
+            <a:ext cx="5485320" cy="3085200"/>
+          </a:xfrm>
+          <a:prstGeom prst="rect">
+            <a:avLst/>
+          </a:prstGeom>
+          <a:ln w="0">
+            <a:noFill/>
+          </a:ln>
+        </p:spPr>
+      </p:sp>
+      <p:sp>
+        <p:nvSpPr>
+          <p:cNvPr id="427" name="PlaceHolder 2"/>
           <p:cNvSpPr>
             <a:spLocks noGrp="1"/>
           </p:cNvSpPr>
@@ -950,7 +951,7 @@
         <p:spPr>
           <a:xfrm>
             <a:off x="685800" y="4400640"/>
-            <a:ext cx="5485680" cy="3599640"/>
+            <a:ext cx="5485320" cy="3599280"/>
           </a:xfrm>
           <a:prstGeom prst="rect">
             <a:avLst/>
@@ -973,7 +974,7 @@
       </p:sp>
       <p:sp>
         <p:nvSpPr>
-          <p:cNvPr id="390" name="PlaceHolder 3"/>
+          <p:cNvPr id="428" name="PlaceHolder 3"/>
           <p:cNvSpPr>
             <a:spLocks noGrp="1"/>
           </p:cNvSpPr>
@@ -984,7 +985,7 @@
         <p:spPr>
           <a:xfrm>
             <a:off x="3884760" y="8685360"/>
-            <a:ext cx="2971080" cy="457920"/>
+            <a:ext cx="2970720" cy="457560"/>
           </a:xfrm>
           <a:prstGeom prst="rect">
             <a:avLst/>
@@ -1020,7 +1021,7 @@
               </a:lnSpc>
               <a:buNone/>
             </a:pPr>
-            <a:fld id="{0CB02ADE-EAF0-4AA3-B07E-DB8CA2B5E6C0}" type="slidenum">
+            <a:fld id="{FBA3BE6D-F5D7-449E-8683-27B0A45AE84A}" type="slidenum">
               <a:rPr b="0" lang="en-US" sz="1200" spc="-1" strike="noStrike">
                 <a:solidFill>
                   <a:srgbClr val="000000"/>
@@ -1060,7 +1061,7 @@
       </p:grpSpPr>
       <p:sp>
         <p:nvSpPr>
-          <p:cNvPr id="391" name="PlaceHolder 1"/>
+          <p:cNvPr id="429" name="PlaceHolder 1"/>
           <p:cNvSpPr>
             <a:spLocks noGrp="1"/>
           </p:cNvSpPr>
@@ -1071,19 +1072,19 @@
         <p:spPr>
           <a:xfrm>
             <a:off x="685800" y="1143000"/>
-            <a:ext cx="5485680" cy="3085560"/>
-          </a:xfrm>
-          <a:prstGeom prst="rect">
-            <a:avLst/>
-          </a:prstGeom>
-          <a:ln w="0">
-            <a:noFill/>
-          </a:ln>
-        </p:spPr>
-      </p:sp>
-      <p:sp>
-        <p:nvSpPr>
-          <p:cNvPr id="392" name="PlaceHolder 2"/>
+            <a:ext cx="5485320" cy="3085200"/>
+          </a:xfrm>
+          <a:prstGeom prst="rect">
+            <a:avLst/>
+          </a:prstGeom>
+          <a:ln w="0">
+            <a:noFill/>
+          </a:ln>
+        </p:spPr>
+      </p:sp>
+      <p:sp>
+        <p:nvSpPr>
+          <p:cNvPr id="430" name="PlaceHolder 2"/>
           <p:cNvSpPr>
             <a:spLocks noGrp="1"/>
           </p:cNvSpPr>
@@ -1094,7 +1095,7 @@
         <p:spPr>
           <a:xfrm>
             <a:off x="685800" y="4400640"/>
-            <a:ext cx="5485680" cy="3599640"/>
+            <a:ext cx="5485320" cy="3599280"/>
           </a:xfrm>
           <a:prstGeom prst="rect">
             <a:avLst/>
@@ -1117,7 +1118,7 @@
       </p:sp>
       <p:sp>
         <p:nvSpPr>
-          <p:cNvPr id="393" name="PlaceHolder 3"/>
+          <p:cNvPr id="431" name="PlaceHolder 3"/>
           <p:cNvSpPr>
             <a:spLocks noGrp="1"/>
           </p:cNvSpPr>
@@ -1128,7 +1129,7 @@
         <p:spPr>
           <a:xfrm>
             <a:off x="3884760" y="8685360"/>
-            <a:ext cx="2971080" cy="457920"/>
+            <a:ext cx="2970720" cy="457560"/>
           </a:xfrm>
           <a:prstGeom prst="rect">
             <a:avLst/>
@@ -1164,7 +1165,7 @@
               </a:lnSpc>
               <a:buNone/>
             </a:pPr>
-            <a:fld id="{A7640CF0-12D8-4888-9A54-E751A5C638EF}" type="slidenum">
+            <a:fld id="{5292B900-88F5-4D2F-AE4B-E70D84FA2A45}" type="slidenum">
               <a:rPr b="0" lang="en-US" sz="1200" spc="-1" strike="noStrike">
                 <a:solidFill>
                   <a:srgbClr val="000000"/>
@@ -1204,7 +1205,7 @@
       </p:grpSpPr>
       <p:sp>
         <p:nvSpPr>
-          <p:cNvPr id="394" name="PlaceHolder 1"/>
+          <p:cNvPr id="432" name="PlaceHolder 1"/>
           <p:cNvSpPr>
             <a:spLocks noGrp="1"/>
           </p:cNvSpPr>
@@ -1215,19 +1216,19 @@
         <p:spPr>
           <a:xfrm>
             <a:off x="685800" y="1143000"/>
-            <a:ext cx="5485680" cy="3085560"/>
-          </a:xfrm>
-          <a:prstGeom prst="rect">
-            <a:avLst/>
-          </a:prstGeom>
-          <a:ln w="0">
-            <a:noFill/>
-          </a:ln>
-        </p:spPr>
-      </p:sp>
-      <p:sp>
-        <p:nvSpPr>
-          <p:cNvPr id="395" name="PlaceHolder 2"/>
+            <a:ext cx="5485320" cy="3085200"/>
+          </a:xfrm>
+          <a:prstGeom prst="rect">
+            <a:avLst/>
+          </a:prstGeom>
+          <a:ln w="0">
+            <a:noFill/>
+          </a:ln>
+        </p:spPr>
+      </p:sp>
+      <p:sp>
+        <p:nvSpPr>
+          <p:cNvPr id="433" name="PlaceHolder 2"/>
           <p:cNvSpPr>
             <a:spLocks noGrp="1"/>
           </p:cNvSpPr>
@@ -1238,7 +1239,7 @@
         <p:spPr>
           <a:xfrm>
             <a:off x="685800" y="4400640"/>
-            <a:ext cx="5485680" cy="3599640"/>
+            <a:ext cx="5485320" cy="3599280"/>
           </a:xfrm>
           <a:prstGeom prst="rect">
             <a:avLst/>
@@ -1261,7 +1262,7 @@
       </p:sp>
       <p:sp>
         <p:nvSpPr>
-          <p:cNvPr id="396" name="PlaceHolder 3"/>
+          <p:cNvPr id="434" name="PlaceHolder 3"/>
           <p:cNvSpPr>
             <a:spLocks noGrp="1"/>
           </p:cNvSpPr>
@@ -1272,7 +1273,7 @@
         <p:spPr>
           <a:xfrm>
             <a:off x="3884760" y="8685360"/>
-            <a:ext cx="2971080" cy="457920"/>
+            <a:ext cx="2970720" cy="457560"/>
           </a:xfrm>
           <a:prstGeom prst="rect">
             <a:avLst/>
@@ -1308,7 +1309,7 @@
               </a:lnSpc>
               <a:buNone/>
             </a:pPr>
-            <a:fld id="{48D03AFD-34C6-420F-BAD8-DF79A7E9B7C0}" type="slidenum">
+            <a:fld id="{E45ED036-2B3F-4D63-B32B-C85D53EEE352}" type="slidenum">
               <a:rPr b="0" lang="en-US" sz="1200" spc="-1" strike="noStrike">
                 <a:solidFill>
                   <a:srgbClr val="000000"/>
@@ -1348,7 +1349,7 @@
       </p:grpSpPr>
       <p:sp>
         <p:nvSpPr>
-          <p:cNvPr id="397" name="PlaceHolder 1"/>
+          <p:cNvPr id="435" name="PlaceHolder 1"/>
           <p:cNvSpPr>
             <a:spLocks noGrp="1"/>
           </p:cNvSpPr>
@@ -1359,19 +1360,19 @@
         <p:spPr>
           <a:xfrm>
             <a:off x="685800" y="1143000"/>
-            <a:ext cx="5485680" cy="3085560"/>
-          </a:xfrm>
-          <a:prstGeom prst="rect">
-            <a:avLst/>
-          </a:prstGeom>
-          <a:ln w="0">
-            <a:noFill/>
-          </a:ln>
-        </p:spPr>
-      </p:sp>
-      <p:sp>
-        <p:nvSpPr>
-          <p:cNvPr id="398" name="PlaceHolder 2"/>
+            <a:ext cx="5485320" cy="3085200"/>
+          </a:xfrm>
+          <a:prstGeom prst="rect">
+            <a:avLst/>
+          </a:prstGeom>
+          <a:ln w="0">
+            <a:noFill/>
+          </a:ln>
+        </p:spPr>
+      </p:sp>
+      <p:sp>
+        <p:nvSpPr>
+          <p:cNvPr id="436" name="PlaceHolder 2"/>
           <p:cNvSpPr>
             <a:spLocks noGrp="1"/>
           </p:cNvSpPr>
@@ -1382,7 +1383,7 @@
         <p:spPr>
           <a:xfrm>
             <a:off x="685800" y="4400640"/>
-            <a:ext cx="5485680" cy="3599640"/>
+            <a:ext cx="5485320" cy="3599280"/>
           </a:xfrm>
           <a:prstGeom prst="rect">
             <a:avLst/>
@@ -1405,7 +1406,7 @@
       </p:sp>
       <p:sp>
         <p:nvSpPr>
-          <p:cNvPr id="399" name="PlaceHolder 3"/>
+          <p:cNvPr id="437" name="PlaceHolder 3"/>
           <p:cNvSpPr>
             <a:spLocks noGrp="1"/>
           </p:cNvSpPr>
@@ -1416,7 +1417,7 @@
         <p:spPr>
           <a:xfrm>
             <a:off x="3884760" y="8685360"/>
-            <a:ext cx="2971080" cy="457920"/>
+            <a:ext cx="2970720" cy="457560"/>
           </a:xfrm>
           <a:prstGeom prst="rect">
             <a:avLst/>
@@ -1452,7 +1453,7 @@
               </a:lnSpc>
               <a:buNone/>
             </a:pPr>
-            <a:fld id="{25858476-EEF7-4B0D-8DB7-5AB2BC8C188A}" type="slidenum">
+            <a:fld id="{B747D5AC-71A1-4277-92C9-923FA2723C6C}" type="slidenum">
               <a:rPr b="0" lang="en-US" sz="1200" spc="-1" strike="noStrike">
                 <a:solidFill>
                   <a:srgbClr val="000000"/>
@@ -1492,7 +1493,7 @@
       </p:grpSpPr>
       <p:sp>
         <p:nvSpPr>
-          <p:cNvPr id="400" name="PlaceHolder 1"/>
+          <p:cNvPr id="438" name="PlaceHolder 1"/>
           <p:cNvSpPr>
             <a:spLocks noGrp="1"/>
           </p:cNvSpPr>
@@ -1503,19 +1504,19 @@
         <p:spPr>
           <a:xfrm>
             <a:off x="685800" y="1143000"/>
-            <a:ext cx="5485680" cy="3085560"/>
-          </a:xfrm>
-          <a:prstGeom prst="rect">
-            <a:avLst/>
-          </a:prstGeom>
-          <a:ln w="0">
-            <a:noFill/>
-          </a:ln>
-        </p:spPr>
-      </p:sp>
-      <p:sp>
-        <p:nvSpPr>
-          <p:cNvPr id="401" name="PlaceHolder 2"/>
+            <a:ext cx="5485320" cy="3085200"/>
+          </a:xfrm>
+          <a:prstGeom prst="rect">
+            <a:avLst/>
+          </a:prstGeom>
+          <a:ln w="0">
+            <a:noFill/>
+          </a:ln>
+        </p:spPr>
+      </p:sp>
+      <p:sp>
+        <p:nvSpPr>
+          <p:cNvPr id="439" name="PlaceHolder 2"/>
           <p:cNvSpPr>
             <a:spLocks noGrp="1"/>
           </p:cNvSpPr>
@@ -1526,7 +1527,7 @@
         <p:spPr>
           <a:xfrm>
             <a:off x="685800" y="4400640"/>
-            <a:ext cx="5485680" cy="3599640"/>
+            <a:ext cx="5485320" cy="3599280"/>
           </a:xfrm>
           <a:prstGeom prst="rect">
             <a:avLst/>
@@ -1549,7 +1550,7 @@
       </p:sp>
       <p:sp>
         <p:nvSpPr>
-          <p:cNvPr id="402" name="PlaceHolder 3"/>
+          <p:cNvPr id="440" name="PlaceHolder 3"/>
           <p:cNvSpPr>
             <a:spLocks noGrp="1"/>
           </p:cNvSpPr>
@@ -1560,7 +1561,7 @@
         <p:spPr>
           <a:xfrm>
             <a:off x="3884760" y="8685360"/>
-            <a:ext cx="2971080" cy="457920"/>
+            <a:ext cx="2970720" cy="457560"/>
           </a:xfrm>
           <a:prstGeom prst="rect">
             <a:avLst/>
@@ -1596,7 +1597,7 @@
               </a:lnSpc>
               <a:buNone/>
             </a:pPr>
-            <a:fld id="{1685B4CD-81CC-4992-9B6D-96EB5A5871C5}" type="slidenum">
+            <a:fld id="{6DF6ACFB-03D1-4640-82D4-F5BB77656EA2}" type="slidenum">
               <a:rPr b="0" lang="en-US" sz="1200" spc="-1" strike="noStrike">
                 <a:solidFill>
                   <a:srgbClr val="000000"/>
@@ -1636,7 +1637,7 @@
       </p:grpSpPr>
       <p:sp>
         <p:nvSpPr>
-          <p:cNvPr id="403" name="PlaceHolder 1"/>
+          <p:cNvPr id="441" name="PlaceHolder 1"/>
           <p:cNvSpPr>
             <a:spLocks noGrp="1"/>
           </p:cNvSpPr>
@@ -1647,19 +1648,19 @@
         <p:spPr>
           <a:xfrm>
             <a:off x="685800" y="1143000"/>
-            <a:ext cx="5485680" cy="3085560"/>
-          </a:xfrm>
-          <a:prstGeom prst="rect">
-            <a:avLst/>
-          </a:prstGeom>
-          <a:ln w="0">
-            <a:noFill/>
-          </a:ln>
-        </p:spPr>
-      </p:sp>
-      <p:sp>
-        <p:nvSpPr>
-          <p:cNvPr id="404" name="PlaceHolder 2"/>
+            <a:ext cx="5485320" cy="3085200"/>
+          </a:xfrm>
+          <a:prstGeom prst="rect">
+            <a:avLst/>
+          </a:prstGeom>
+          <a:ln w="0">
+            <a:noFill/>
+          </a:ln>
+        </p:spPr>
+      </p:sp>
+      <p:sp>
+        <p:nvSpPr>
+          <p:cNvPr id="442" name="PlaceHolder 2"/>
           <p:cNvSpPr>
             <a:spLocks noGrp="1"/>
           </p:cNvSpPr>
@@ -1670,7 +1671,7 @@
         <p:spPr>
           <a:xfrm>
             <a:off x="685800" y="4400640"/>
-            <a:ext cx="5485680" cy="3599640"/>
+            <a:ext cx="5485320" cy="3599280"/>
           </a:xfrm>
           <a:prstGeom prst="rect">
             <a:avLst/>
@@ -1693,7 +1694,7 @@
       </p:sp>
       <p:sp>
         <p:nvSpPr>
-          <p:cNvPr id="405" name="PlaceHolder 3"/>
+          <p:cNvPr id="443" name="PlaceHolder 3"/>
           <p:cNvSpPr>
             <a:spLocks noGrp="1"/>
           </p:cNvSpPr>
@@ -1704,7 +1705,7 @@
         <p:spPr>
           <a:xfrm>
             <a:off x="3884760" y="8685360"/>
-            <a:ext cx="2971080" cy="457920"/>
+            <a:ext cx="2970720" cy="457560"/>
           </a:xfrm>
           <a:prstGeom prst="rect">
             <a:avLst/>
@@ -1740,7 +1741,7 @@
               </a:lnSpc>
               <a:buNone/>
             </a:pPr>
-            <a:fld id="{55A2C46C-C878-4796-A56E-8417D49F2305}" type="slidenum">
+            <a:fld id="{6B4BB7E2-E940-40F6-B9BB-A2536FA33660}" type="slidenum">
               <a:rPr b="0" lang="en-US" sz="1200" spc="-1" strike="noStrike">
                 <a:solidFill>
                   <a:srgbClr val="000000"/>
@@ -1780,7 +1781,7 @@
       </p:grpSpPr>
       <p:sp>
         <p:nvSpPr>
-          <p:cNvPr id="406" name="PlaceHolder 1"/>
+          <p:cNvPr id="444" name="PlaceHolder 1"/>
           <p:cNvSpPr>
             <a:spLocks noGrp="1"/>
           </p:cNvSpPr>
@@ -1791,19 +1792,19 @@
         <p:spPr>
           <a:xfrm>
             <a:off x="685800" y="1143000"/>
-            <a:ext cx="5485680" cy="3085560"/>
-          </a:xfrm>
-          <a:prstGeom prst="rect">
-            <a:avLst/>
-          </a:prstGeom>
-          <a:ln w="0">
-            <a:noFill/>
-          </a:ln>
-        </p:spPr>
-      </p:sp>
-      <p:sp>
-        <p:nvSpPr>
-          <p:cNvPr id="407" name="PlaceHolder 2"/>
+            <a:ext cx="5485320" cy="3085200"/>
+          </a:xfrm>
+          <a:prstGeom prst="rect">
+            <a:avLst/>
+          </a:prstGeom>
+          <a:ln w="0">
+            <a:noFill/>
+          </a:ln>
+        </p:spPr>
+      </p:sp>
+      <p:sp>
+        <p:nvSpPr>
+          <p:cNvPr id="445" name="PlaceHolder 2"/>
           <p:cNvSpPr>
             <a:spLocks noGrp="1"/>
           </p:cNvSpPr>
@@ -1814,7 +1815,7 @@
         <p:spPr>
           <a:xfrm>
             <a:off x="685800" y="4400640"/>
-            <a:ext cx="5485680" cy="3599640"/>
+            <a:ext cx="5485320" cy="3599280"/>
           </a:xfrm>
           <a:prstGeom prst="rect">
             <a:avLst/>
@@ -1837,7 +1838,7 @@
       </p:sp>
       <p:sp>
         <p:nvSpPr>
-          <p:cNvPr id="408" name="PlaceHolder 3"/>
+          <p:cNvPr id="446" name="PlaceHolder 3"/>
           <p:cNvSpPr>
             <a:spLocks noGrp="1"/>
           </p:cNvSpPr>
@@ -1848,7 +1849,7 @@
         <p:spPr>
           <a:xfrm>
             <a:off x="3884760" y="8685360"/>
-            <a:ext cx="2971080" cy="457920"/>
+            <a:ext cx="2970720" cy="457560"/>
           </a:xfrm>
           <a:prstGeom prst="rect">
             <a:avLst/>
@@ -1884,7 +1885,7 @@
               </a:lnSpc>
               <a:buNone/>
             </a:pPr>
-            <a:fld id="{48863E71-D8B5-4A3D-B0BE-52921193178D}" type="slidenum">
+            <a:fld id="{06D63E0A-B2AA-4250-ACE9-9E39230143EE}" type="slidenum">
               <a:rPr b="0" lang="en-US" sz="1200" spc="-1" strike="noStrike">
                 <a:solidFill>
                   <a:srgbClr val="000000"/>
@@ -1924,7 +1925,7 @@
       </p:grpSpPr>
       <p:sp>
         <p:nvSpPr>
-          <p:cNvPr id="409" name="PlaceHolder 1"/>
+          <p:cNvPr id="447" name="PlaceHolder 1"/>
           <p:cNvSpPr>
             <a:spLocks noGrp="1"/>
           </p:cNvSpPr>
@@ -1935,19 +1936,19 @@
         <p:spPr>
           <a:xfrm>
             <a:off x="685800" y="1143000"/>
-            <a:ext cx="5485680" cy="3085560"/>
-          </a:xfrm>
-          <a:prstGeom prst="rect">
-            <a:avLst/>
-          </a:prstGeom>
-          <a:ln w="0">
-            <a:noFill/>
-          </a:ln>
-        </p:spPr>
-      </p:sp>
-      <p:sp>
-        <p:nvSpPr>
-          <p:cNvPr id="410" name="PlaceHolder 2"/>
+            <a:ext cx="5485320" cy="3085200"/>
+          </a:xfrm>
+          <a:prstGeom prst="rect">
+            <a:avLst/>
+          </a:prstGeom>
+          <a:ln w="0">
+            <a:noFill/>
+          </a:ln>
+        </p:spPr>
+      </p:sp>
+      <p:sp>
+        <p:nvSpPr>
+          <p:cNvPr id="448" name="PlaceHolder 2"/>
           <p:cNvSpPr>
             <a:spLocks noGrp="1"/>
           </p:cNvSpPr>
@@ -1958,7 +1959,7 @@
         <p:spPr>
           <a:xfrm>
             <a:off x="685800" y="4400640"/>
-            <a:ext cx="5485680" cy="3599640"/>
+            <a:ext cx="5485320" cy="3599280"/>
           </a:xfrm>
           <a:prstGeom prst="rect">
             <a:avLst/>
@@ -1981,7 +1982,7 @@
       </p:sp>
       <p:sp>
         <p:nvSpPr>
-          <p:cNvPr id="411" name="PlaceHolder 3"/>
+          <p:cNvPr id="449" name="PlaceHolder 3"/>
           <p:cNvSpPr>
             <a:spLocks noGrp="1"/>
           </p:cNvSpPr>
@@ -1992,7 +1993,7 @@
         <p:spPr>
           <a:xfrm>
             <a:off x="3884760" y="8685360"/>
-            <a:ext cx="2971080" cy="457920"/>
+            <a:ext cx="2970720" cy="457560"/>
           </a:xfrm>
           <a:prstGeom prst="rect">
             <a:avLst/>
@@ -2028,7 +2029,7 @@
               </a:lnSpc>
               <a:buNone/>
             </a:pPr>
-            <a:fld id="{832BCF43-3D02-4BD2-8C31-9C2187C8A976}" type="slidenum">
+            <a:fld id="{DF4E1FFC-927B-459D-B00A-12A91F13EF26}" type="slidenum">
               <a:rPr b="0" lang="en-US" sz="1200" spc="-1" strike="noStrike">
                 <a:solidFill>
                   <a:srgbClr val="000000"/>
@@ -2656,6 +2657,623 @@
 </p:sldLayout>
 </file>
 
+<file path=ppt/slideLayouts/slideLayout13.xml><?xml version="1.0" encoding="utf-8"?>
+<p:sldLayout xmlns:a="http://schemas.openxmlformats.org/drawingml/2006/main" xmlns:p="http://schemas.openxmlformats.org/presentationml/2006/main" xmlns:r="http://schemas.openxmlformats.org/officeDocument/2006/relationships" xmlns:p14="http://schemas.microsoft.com/office/powerpoint/2010/main" xmlns:p15="http://schemas.microsoft.com/office/powerpoint/2012/main" xmlns:mc="http://schemas.openxmlformats.org/markup-compatibility/2006" type="blank" preserve="1">
+  <p:cSld name="Blank Slide">
+    <p:spTree>
+      <p:nvGrpSpPr>
+        <p:cNvPr id="1" name=""/>
+        <p:cNvGrpSpPr/>
+        <p:nvPr/>
+      </p:nvGrpSpPr>
+      <p:grpSpPr>
+        <a:xfrm>
+          <a:off x="0" y="0"/>
+          <a:ext cx="0" cy="0"/>
+          <a:chOff x="0" y="0"/>
+          <a:chExt cx="0" cy="0"/>
+        </a:xfrm>
+      </p:grpSpPr>
+    </p:spTree>
+  </p:cSld>
+</p:sldLayout>
+</file>
+
+<file path=ppt/slideLayouts/slideLayout14.xml><?xml version="1.0" encoding="utf-8"?>
+<p:sldLayout xmlns:a="http://schemas.openxmlformats.org/drawingml/2006/main" xmlns:p="http://schemas.openxmlformats.org/presentationml/2006/main" xmlns:r="http://schemas.openxmlformats.org/officeDocument/2006/relationships" xmlns:p14="http://schemas.microsoft.com/office/powerpoint/2010/main" xmlns:p15="http://schemas.microsoft.com/office/powerpoint/2012/main" xmlns:mc="http://schemas.openxmlformats.org/markup-compatibility/2006" type="tx" preserve="1">
+  <p:cSld name="Title Slide">
+    <p:spTree>
+      <p:nvGrpSpPr>
+        <p:cNvPr id="1" name=""/>
+        <p:cNvGrpSpPr/>
+        <p:nvPr/>
+      </p:nvGrpSpPr>
+      <p:grpSpPr>
+        <a:xfrm>
+          <a:off x="0" y="0"/>
+          <a:ext cx="0" cy="0"/>
+          <a:chOff x="0" y="0"/>
+          <a:chExt cx="0" cy="0"/>
+        </a:xfrm>
+      </p:grpSpPr>
+      <p:sp>
+        <p:nvSpPr>
+          <p:cNvPr id="40" name="PlaceHolder 1"/>
+          <p:cNvSpPr>
+            <a:spLocks noGrp="1"/>
+          </p:cNvSpPr>
+          <p:nvPr>
+            <p:ph type="title"/>
+          </p:nvPr>
+        </p:nvSpPr>
+        <p:spPr>
+          <a:xfrm>
+            <a:off x="457200" y="205200"/>
+            <a:ext cx="8229240" cy="858600"/>
+          </a:xfrm>
+          <a:prstGeom prst="rect">
+            <a:avLst/>
+          </a:prstGeom>
+          <a:noFill/>
+          <a:ln w="0">
+            <a:noFill/>
+          </a:ln>
+        </p:spPr>
+        <p:txBody>
+          <a:bodyPr lIns="0" rIns="0" tIns="0" bIns="0" anchor="ctr">
+            <a:noAutofit/>
+          </a:bodyPr>
+          <a:p>
+            <a:pPr algn="ctr">
+              <a:buNone/>
+            </a:pPr>
+            <a:endParaRPr b="0" lang="en-IN" sz="4400" spc="-1" strike="noStrike">
+              <a:latin typeface="Arial"/>
+            </a:endParaRPr>
+          </a:p>
+        </p:txBody>
+      </p:sp>
+      <p:sp>
+        <p:nvSpPr>
+          <p:cNvPr id="41" name="PlaceHolder 2"/>
+          <p:cNvSpPr>
+            <a:spLocks noGrp="1"/>
+          </p:cNvSpPr>
+          <p:nvPr>
+            <p:ph type="subTitle"/>
+          </p:nvPr>
+        </p:nvSpPr>
+        <p:spPr>
+          <a:xfrm>
+            <a:off x="457200" y="1203480"/>
+            <a:ext cx="8229240" cy="2982960"/>
+          </a:xfrm>
+          <a:prstGeom prst="rect">
+            <a:avLst/>
+          </a:prstGeom>
+          <a:noFill/>
+          <a:ln w="0">
+            <a:noFill/>
+          </a:ln>
+        </p:spPr>
+        <p:txBody>
+          <a:bodyPr lIns="0" rIns="0" tIns="0" bIns="0" anchor="ctr">
+            <a:noAutofit/>
+          </a:bodyPr>
+          <a:p>
+            <a:pPr algn="ctr">
+              <a:buNone/>
+            </a:pPr>
+            <a:endParaRPr b="0" lang="en-IN" sz="3200" spc="-1" strike="noStrike">
+              <a:latin typeface="Arial"/>
+            </a:endParaRPr>
+          </a:p>
+        </p:txBody>
+      </p:sp>
+    </p:spTree>
+  </p:cSld>
+</p:sldLayout>
+</file>
+
+<file path=ppt/slideLayouts/slideLayout15.xml><?xml version="1.0" encoding="utf-8"?>
+<p:sldLayout xmlns:a="http://schemas.openxmlformats.org/drawingml/2006/main" xmlns:p="http://schemas.openxmlformats.org/presentationml/2006/main" xmlns:r="http://schemas.openxmlformats.org/officeDocument/2006/relationships" xmlns:p14="http://schemas.microsoft.com/office/powerpoint/2010/main" xmlns:p15="http://schemas.microsoft.com/office/powerpoint/2012/main" xmlns:mc="http://schemas.openxmlformats.org/markup-compatibility/2006" type="obj" preserve="1">
+  <p:cSld name="Title, Content">
+    <p:spTree>
+      <p:nvGrpSpPr>
+        <p:cNvPr id="1" name=""/>
+        <p:cNvGrpSpPr/>
+        <p:nvPr/>
+      </p:nvGrpSpPr>
+      <p:grpSpPr>
+        <a:xfrm>
+          <a:off x="0" y="0"/>
+          <a:ext cx="0" cy="0"/>
+          <a:chOff x="0" y="0"/>
+          <a:chExt cx="0" cy="0"/>
+        </a:xfrm>
+      </p:grpSpPr>
+      <p:sp>
+        <p:nvSpPr>
+          <p:cNvPr id="42" name="PlaceHolder 1"/>
+          <p:cNvSpPr>
+            <a:spLocks noGrp="1"/>
+          </p:cNvSpPr>
+          <p:nvPr>
+            <p:ph type="title"/>
+          </p:nvPr>
+        </p:nvSpPr>
+        <p:spPr>
+          <a:xfrm>
+            <a:off x="457200" y="205200"/>
+            <a:ext cx="8229240" cy="858600"/>
+          </a:xfrm>
+          <a:prstGeom prst="rect">
+            <a:avLst/>
+          </a:prstGeom>
+          <a:noFill/>
+          <a:ln w="0">
+            <a:noFill/>
+          </a:ln>
+        </p:spPr>
+        <p:txBody>
+          <a:bodyPr lIns="0" rIns="0" tIns="0" bIns="0" anchor="ctr">
+            <a:noAutofit/>
+          </a:bodyPr>
+          <a:p>
+            <a:pPr algn="ctr">
+              <a:buNone/>
+            </a:pPr>
+            <a:endParaRPr b="0" lang="en-IN" sz="4400" spc="-1" strike="noStrike">
+              <a:latin typeface="Arial"/>
+            </a:endParaRPr>
+          </a:p>
+        </p:txBody>
+      </p:sp>
+      <p:sp>
+        <p:nvSpPr>
+          <p:cNvPr id="43" name="PlaceHolder 2"/>
+          <p:cNvSpPr>
+            <a:spLocks noGrp="1"/>
+          </p:cNvSpPr>
+          <p:nvPr>
+            <p:ph/>
+          </p:nvPr>
+        </p:nvSpPr>
+        <p:spPr>
+          <a:xfrm>
+            <a:off x="457200" y="1203480"/>
+            <a:ext cx="8229240" cy="2982960"/>
+          </a:xfrm>
+          <a:prstGeom prst="rect">
+            <a:avLst/>
+          </a:prstGeom>
+          <a:noFill/>
+          <a:ln w="0">
+            <a:noFill/>
+          </a:ln>
+        </p:spPr>
+        <p:txBody>
+          <a:bodyPr lIns="0" rIns="0" tIns="0" bIns="0" anchor="t">
+            <a:normAutofit/>
+          </a:bodyPr>
+          <a:p>
+            <a:endParaRPr b="0" lang="en-IN" sz="3200" spc="-1" strike="noStrike">
+              <a:latin typeface="Arial"/>
+            </a:endParaRPr>
+          </a:p>
+        </p:txBody>
+      </p:sp>
+    </p:spTree>
+  </p:cSld>
+</p:sldLayout>
+</file>
+
+<file path=ppt/slideLayouts/slideLayout16.xml><?xml version="1.0" encoding="utf-8"?>
+<p:sldLayout xmlns:a="http://schemas.openxmlformats.org/drawingml/2006/main" xmlns:p="http://schemas.openxmlformats.org/presentationml/2006/main" xmlns:r="http://schemas.openxmlformats.org/officeDocument/2006/relationships" xmlns:p14="http://schemas.microsoft.com/office/powerpoint/2010/main" xmlns:p15="http://schemas.microsoft.com/office/powerpoint/2012/main" xmlns:mc="http://schemas.openxmlformats.org/markup-compatibility/2006" type="twoObj" preserve="1">
+  <p:cSld name="Title, 2 Content">
+    <p:spTree>
+      <p:nvGrpSpPr>
+        <p:cNvPr id="1" name=""/>
+        <p:cNvGrpSpPr/>
+        <p:nvPr/>
+      </p:nvGrpSpPr>
+      <p:grpSpPr>
+        <a:xfrm>
+          <a:off x="0" y="0"/>
+          <a:ext cx="0" cy="0"/>
+          <a:chOff x="0" y="0"/>
+          <a:chExt cx="0" cy="0"/>
+        </a:xfrm>
+      </p:grpSpPr>
+      <p:sp>
+        <p:nvSpPr>
+          <p:cNvPr id="44" name="PlaceHolder 1"/>
+          <p:cNvSpPr>
+            <a:spLocks noGrp="1"/>
+          </p:cNvSpPr>
+          <p:nvPr>
+            <p:ph type="title"/>
+          </p:nvPr>
+        </p:nvSpPr>
+        <p:spPr>
+          <a:xfrm>
+            <a:off x="457200" y="205200"/>
+            <a:ext cx="8229240" cy="858600"/>
+          </a:xfrm>
+          <a:prstGeom prst="rect">
+            <a:avLst/>
+          </a:prstGeom>
+          <a:noFill/>
+          <a:ln w="0">
+            <a:noFill/>
+          </a:ln>
+        </p:spPr>
+        <p:txBody>
+          <a:bodyPr lIns="0" rIns="0" tIns="0" bIns="0" anchor="ctr">
+            <a:noAutofit/>
+          </a:bodyPr>
+          <a:p>
+            <a:pPr algn="ctr">
+              <a:buNone/>
+            </a:pPr>
+            <a:endParaRPr b="0" lang="en-IN" sz="4400" spc="-1" strike="noStrike">
+              <a:latin typeface="Arial"/>
+            </a:endParaRPr>
+          </a:p>
+        </p:txBody>
+      </p:sp>
+      <p:sp>
+        <p:nvSpPr>
+          <p:cNvPr id="45" name="PlaceHolder 2"/>
+          <p:cNvSpPr>
+            <a:spLocks noGrp="1"/>
+          </p:cNvSpPr>
+          <p:nvPr>
+            <p:ph/>
+          </p:nvPr>
+        </p:nvSpPr>
+        <p:spPr>
+          <a:xfrm>
+            <a:off x="457200" y="1203480"/>
+            <a:ext cx="4015800" cy="2982960"/>
+          </a:xfrm>
+          <a:prstGeom prst="rect">
+            <a:avLst/>
+          </a:prstGeom>
+          <a:noFill/>
+          <a:ln w="0">
+            <a:noFill/>
+          </a:ln>
+        </p:spPr>
+        <p:txBody>
+          <a:bodyPr lIns="0" rIns="0" tIns="0" bIns="0" anchor="t">
+            <a:normAutofit/>
+          </a:bodyPr>
+          <a:p>
+            <a:endParaRPr b="0" lang="en-IN" sz="3200" spc="-1" strike="noStrike">
+              <a:latin typeface="Arial"/>
+            </a:endParaRPr>
+          </a:p>
+        </p:txBody>
+      </p:sp>
+      <p:sp>
+        <p:nvSpPr>
+          <p:cNvPr id="46" name="PlaceHolder 3"/>
+          <p:cNvSpPr>
+            <a:spLocks noGrp="1"/>
+          </p:cNvSpPr>
+          <p:nvPr>
+            <p:ph/>
+          </p:nvPr>
+        </p:nvSpPr>
+        <p:spPr>
+          <a:xfrm>
+            <a:off x="4674240" y="1203480"/>
+            <a:ext cx="4015800" cy="2982960"/>
+          </a:xfrm>
+          <a:prstGeom prst="rect">
+            <a:avLst/>
+          </a:prstGeom>
+          <a:noFill/>
+          <a:ln w="0">
+            <a:noFill/>
+          </a:ln>
+        </p:spPr>
+        <p:txBody>
+          <a:bodyPr lIns="0" rIns="0" tIns="0" bIns="0" anchor="t">
+            <a:normAutofit/>
+          </a:bodyPr>
+          <a:p>
+            <a:endParaRPr b="0" lang="en-IN" sz="3200" spc="-1" strike="noStrike">
+              <a:latin typeface="Arial"/>
+            </a:endParaRPr>
+          </a:p>
+        </p:txBody>
+      </p:sp>
+    </p:spTree>
+  </p:cSld>
+</p:sldLayout>
+</file>
+
+<file path=ppt/slideLayouts/slideLayout17.xml><?xml version="1.0" encoding="utf-8"?>
+<p:sldLayout xmlns:a="http://schemas.openxmlformats.org/drawingml/2006/main" xmlns:p="http://schemas.openxmlformats.org/presentationml/2006/main" xmlns:r="http://schemas.openxmlformats.org/officeDocument/2006/relationships" xmlns:p14="http://schemas.microsoft.com/office/powerpoint/2010/main" xmlns:p15="http://schemas.microsoft.com/office/powerpoint/2012/main" xmlns:mc="http://schemas.openxmlformats.org/markup-compatibility/2006" type="titleOnly" preserve="1">
+  <p:cSld name="Title Only">
+    <p:spTree>
+      <p:nvGrpSpPr>
+        <p:cNvPr id="1" name=""/>
+        <p:cNvGrpSpPr/>
+        <p:nvPr/>
+      </p:nvGrpSpPr>
+      <p:grpSpPr>
+        <a:xfrm>
+          <a:off x="0" y="0"/>
+          <a:ext cx="0" cy="0"/>
+          <a:chOff x="0" y="0"/>
+          <a:chExt cx="0" cy="0"/>
+        </a:xfrm>
+      </p:grpSpPr>
+      <p:sp>
+        <p:nvSpPr>
+          <p:cNvPr id="47" name="PlaceHolder 1"/>
+          <p:cNvSpPr>
+            <a:spLocks noGrp="1"/>
+          </p:cNvSpPr>
+          <p:nvPr>
+            <p:ph type="title"/>
+          </p:nvPr>
+        </p:nvSpPr>
+        <p:spPr>
+          <a:xfrm>
+            <a:off x="457200" y="205200"/>
+            <a:ext cx="8229240" cy="858600"/>
+          </a:xfrm>
+          <a:prstGeom prst="rect">
+            <a:avLst/>
+          </a:prstGeom>
+          <a:noFill/>
+          <a:ln w="0">
+            <a:noFill/>
+          </a:ln>
+        </p:spPr>
+        <p:txBody>
+          <a:bodyPr lIns="0" rIns="0" tIns="0" bIns="0" anchor="ctr">
+            <a:noAutofit/>
+          </a:bodyPr>
+          <a:p>
+            <a:pPr algn="ctr">
+              <a:buNone/>
+            </a:pPr>
+            <a:endParaRPr b="0" lang="en-IN" sz="4400" spc="-1" strike="noStrike">
+              <a:latin typeface="Arial"/>
+            </a:endParaRPr>
+          </a:p>
+        </p:txBody>
+      </p:sp>
+    </p:spTree>
+  </p:cSld>
+</p:sldLayout>
+</file>
+
+<file path=ppt/slideLayouts/slideLayout18.xml><?xml version="1.0" encoding="utf-8"?>
+<p:sldLayout xmlns:a="http://schemas.openxmlformats.org/drawingml/2006/main" xmlns:p="http://schemas.openxmlformats.org/presentationml/2006/main" xmlns:r="http://schemas.openxmlformats.org/officeDocument/2006/relationships" xmlns:p14="http://schemas.microsoft.com/office/powerpoint/2010/main" xmlns:p15="http://schemas.microsoft.com/office/powerpoint/2012/main" xmlns:mc="http://schemas.openxmlformats.org/markup-compatibility/2006" type="objOnly" preserve="1">
+  <p:cSld name="Centered Text">
+    <p:spTree>
+      <p:nvGrpSpPr>
+        <p:cNvPr id="1" name=""/>
+        <p:cNvGrpSpPr/>
+        <p:nvPr/>
+      </p:nvGrpSpPr>
+      <p:grpSpPr>
+        <a:xfrm>
+          <a:off x="0" y="0"/>
+          <a:ext cx="0" cy="0"/>
+          <a:chOff x="0" y="0"/>
+          <a:chExt cx="0" cy="0"/>
+        </a:xfrm>
+      </p:grpSpPr>
+      <p:sp>
+        <p:nvSpPr>
+          <p:cNvPr id="48" name="PlaceHolder 1"/>
+          <p:cNvSpPr>
+            <a:spLocks noGrp="1"/>
+          </p:cNvSpPr>
+          <p:nvPr>
+            <p:ph type="subTitle"/>
+          </p:nvPr>
+        </p:nvSpPr>
+        <p:spPr>
+          <a:xfrm>
+            <a:off x="457200" y="205200"/>
+            <a:ext cx="8229240" cy="3981240"/>
+          </a:xfrm>
+          <a:prstGeom prst="rect">
+            <a:avLst/>
+          </a:prstGeom>
+          <a:noFill/>
+          <a:ln w="0">
+            <a:noFill/>
+          </a:ln>
+        </p:spPr>
+        <p:txBody>
+          <a:bodyPr lIns="0" rIns="0" tIns="0" bIns="0" anchor="ctr">
+            <a:noAutofit/>
+          </a:bodyPr>
+          <a:p>
+            <a:pPr algn="ctr">
+              <a:buNone/>
+            </a:pPr>
+            <a:endParaRPr b="0" lang="en-IN" sz="3200" spc="-1" strike="noStrike">
+              <a:latin typeface="Arial"/>
+            </a:endParaRPr>
+          </a:p>
+        </p:txBody>
+      </p:sp>
+    </p:spTree>
+  </p:cSld>
+</p:sldLayout>
+</file>
+
+<file path=ppt/slideLayouts/slideLayout19.xml><?xml version="1.0" encoding="utf-8"?>
+<p:sldLayout xmlns:a="http://schemas.openxmlformats.org/drawingml/2006/main" xmlns:p="http://schemas.openxmlformats.org/presentationml/2006/main" xmlns:r="http://schemas.openxmlformats.org/officeDocument/2006/relationships" xmlns:p14="http://schemas.microsoft.com/office/powerpoint/2010/main" xmlns:p15="http://schemas.microsoft.com/office/powerpoint/2012/main" xmlns:mc="http://schemas.openxmlformats.org/markup-compatibility/2006" type="twoObjAndObj" preserve="1">
+  <p:cSld name="Title, 2 Content and Content">
+    <p:spTree>
+      <p:nvGrpSpPr>
+        <p:cNvPr id="1" name=""/>
+        <p:cNvGrpSpPr/>
+        <p:nvPr/>
+      </p:nvGrpSpPr>
+      <p:grpSpPr>
+        <a:xfrm>
+          <a:off x="0" y="0"/>
+          <a:ext cx="0" cy="0"/>
+          <a:chOff x="0" y="0"/>
+          <a:chExt cx="0" cy="0"/>
+        </a:xfrm>
+      </p:grpSpPr>
+      <p:sp>
+        <p:nvSpPr>
+          <p:cNvPr id="49" name="PlaceHolder 1"/>
+          <p:cNvSpPr>
+            <a:spLocks noGrp="1"/>
+          </p:cNvSpPr>
+          <p:nvPr>
+            <p:ph type="title"/>
+          </p:nvPr>
+        </p:nvSpPr>
+        <p:spPr>
+          <a:xfrm>
+            <a:off x="457200" y="205200"/>
+            <a:ext cx="8229240" cy="858600"/>
+          </a:xfrm>
+          <a:prstGeom prst="rect">
+            <a:avLst/>
+          </a:prstGeom>
+          <a:noFill/>
+          <a:ln w="0">
+            <a:noFill/>
+          </a:ln>
+        </p:spPr>
+        <p:txBody>
+          <a:bodyPr lIns="0" rIns="0" tIns="0" bIns="0" anchor="ctr">
+            <a:noAutofit/>
+          </a:bodyPr>
+          <a:p>
+            <a:pPr algn="ctr">
+              <a:buNone/>
+            </a:pPr>
+            <a:endParaRPr b="0" lang="en-IN" sz="4400" spc="-1" strike="noStrike">
+              <a:latin typeface="Arial"/>
+            </a:endParaRPr>
+          </a:p>
+        </p:txBody>
+      </p:sp>
+      <p:sp>
+        <p:nvSpPr>
+          <p:cNvPr id="50" name="PlaceHolder 2"/>
+          <p:cNvSpPr>
+            <a:spLocks noGrp="1"/>
+          </p:cNvSpPr>
+          <p:nvPr>
+            <p:ph/>
+          </p:nvPr>
+        </p:nvSpPr>
+        <p:spPr>
+          <a:xfrm>
+            <a:off x="457200" y="1203480"/>
+            <a:ext cx="4015800" cy="1422720"/>
+          </a:xfrm>
+          <a:prstGeom prst="rect">
+            <a:avLst/>
+          </a:prstGeom>
+          <a:noFill/>
+          <a:ln w="0">
+            <a:noFill/>
+          </a:ln>
+        </p:spPr>
+        <p:txBody>
+          <a:bodyPr lIns="0" rIns="0" tIns="0" bIns="0" anchor="t">
+            <a:normAutofit/>
+          </a:bodyPr>
+          <a:p>
+            <a:endParaRPr b="0" lang="en-IN" sz="3200" spc="-1" strike="noStrike">
+              <a:latin typeface="Arial"/>
+            </a:endParaRPr>
+          </a:p>
+        </p:txBody>
+      </p:sp>
+      <p:sp>
+        <p:nvSpPr>
+          <p:cNvPr id="51" name="PlaceHolder 3"/>
+          <p:cNvSpPr>
+            <a:spLocks noGrp="1"/>
+          </p:cNvSpPr>
+          <p:nvPr>
+            <p:ph/>
+          </p:nvPr>
+        </p:nvSpPr>
+        <p:spPr>
+          <a:xfrm>
+            <a:off x="4674240" y="1203480"/>
+            <a:ext cx="4015800" cy="2982960"/>
+          </a:xfrm>
+          <a:prstGeom prst="rect">
+            <a:avLst/>
+          </a:prstGeom>
+          <a:noFill/>
+          <a:ln w="0">
+            <a:noFill/>
+          </a:ln>
+        </p:spPr>
+        <p:txBody>
+          <a:bodyPr lIns="0" rIns="0" tIns="0" bIns="0" anchor="t">
+            <a:normAutofit/>
+          </a:bodyPr>
+          <a:p>
+            <a:endParaRPr b="0" lang="en-IN" sz="3200" spc="-1" strike="noStrike">
+              <a:latin typeface="Arial"/>
+            </a:endParaRPr>
+          </a:p>
+        </p:txBody>
+      </p:sp>
+      <p:sp>
+        <p:nvSpPr>
+          <p:cNvPr id="52" name="PlaceHolder 4"/>
+          <p:cNvSpPr>
+            <a:spLocks noGrp="1"/>
+          </p:cNvSpPr>
+          <p:nvPr>
+            <p:ph/>
+          </p:nvPr>
+        </p:nvSpPr>
+        <p:spPr>
+          <a:xfrm>
+            <a:off x="457200" y="2761920"/>
+            <a:ext cx="4015800" cy="1422720"/>
+          </a:xfrm>
+          <a:prstGeom prst="rect">
+            <a:avLst/>
+          </a:prstGeom>
+          <a:noFill/>
+          <a:ln w="0">
+            <a:noFill/>
+          </a:ln>
+        </p:spPr>
+        <p:txBody>
+          <a:bodyPr lIns="0" rIns="0" tIns="0" bIns="0" anchor="t">
+            <a:normAutofit/>
+          </a:bodyPr>
+          <a:p>
+            <a:endParaRPr b="0" lang="en-IN" sz="3200" spc="-1" strike="noStrike">
+              <a:latin typeface="Arial"/>
+            </a:endParaRPr>
+          </a:p>
+        </p:txBody>
+      </p:sp>
+    </p:spTree>
+  </p:cSld>
+</p:sldLayout>
+</file>
+
 <file path=ppt/slideLayouts/slideLayout2.xml><?xml version="1.0" encoding="utf-8"?>
 <p:sldLayout xmlns:a="http://schemas.openxmlformats.org/drawingml/2006/main" xmlns:p="http://schemas.openxmlformats.org/presentationml/2006/main" xmlns:r="http://schemas.openxmlformats.org/officeDocument/2006/relationships" xmlns:p14="http://schemas.microsoft.com/office/powerpoint/2010/main" xmlns:p15="http://schemas.microsoft.com/office/powerpoint/2012/main" xmlns:mc="http://schemas.openxmlformats.org/markup-compatibility/2006" type="tx" preserve="1">
   <p:cSld name="Title Slide">
@@ -2741,6 +3359,913 @@
             <a:pPr algn="ctr">
               <a:buNone/>
             </a:pPr>
+            <a:endParaRPr b="0" lang="en-IN" sz="3200" spc="-1" strike="noStrike">
+              <a:latin typeface="Arial"/>
+            </a:endParaRPr>
+          </a:p>
+        </p:txBody>
+      </p:sp>
+    </p:spTree>
+  </p:cSld>
+</p:sldLayout>
+</file>
+
+<file path=ppt/slideLayouts/slideLayout20.xml><?xml version="1.0" encoding="utf-8"?>
+<p:sldLayout xmlns:a="http://schemas.openxmlformats.org/drawingml/2006/main" xmlns:p="http://schemas.openxmlformats.org/presentationml/2006/main" xmlns:r="http://schemas.openxmlformats.org/officeDocument/2006/relationships" xmlns:p14="http://schemas.microsoft.com/office/powerpoint/2010/main" xmlns:p15="http://schemas.microsoft.com/office/powerpoint/2012/main" xmlns:mc="http://schemas.openxmlformats.org/markup-compatibility/2006" type="objAndTwoObj" preserve="1">
+  <p:cSld name="Title Content and 2 Content">
+    <p:spTree>
+      <p:nvGrpSpPr>
+        <p:cNvPr id="1" name=""/>
+        <p:cNvGrpSpPr/>
+        <p:nvPr/>
+      </p:nvGrpSpPr>
+      <p:grpSpPr>
+        <a:xfrm>
+          <a:off x="0" y="0"/>
+          <a:ext cx="0" cy="0"/>
+          <a:chOff x="0" y="0"/>
+          <a:chExt cx="0" cy="0"/>
+        </a:xfrm>
+      </p:grpSpPr>
+      <p:sp>
+        <p:nvSpPr>
+          <p:cNvPr id="53" name="PlaceHolder 1"/>
+          <p:cNvSpPr>
+            <a:spLocks noGrp="1"/>
+          </p:cNvSpPr>
+          <p:nvPr>
+            <p:ph type="title"/>
+          </p:nvPr>
+        </p:nvSpPr>
+        <p:spPr>
+          <a:xfrm>
+            <a:off x="457200" y="205200"/>
+            <a:ext cx="8229240" cy="858600"/>
+          </a:xfrm>
+          <a:prstGeom prst="rect">
+            <a:avLst/>
+          </a:prstGeom>
+          <a:noFill/>
+          <a:ln w="0">
+            <a:noFill/>
+          </a:ln>
+        </p:spPr>
+        <p:txBody>
+          <a:bodyPr lIns="0" rIns="0" tIns="0" bIns="0" anchor="ctr">
+            <a:noAutofit/>
+          </a:bodyPr>
+          <a:p>
+            <a:pPr algn="ctr">
+              <a:buNone/>
+            </a:pPr>
+            <a:endParaRPr b="0" lang="en-IN" sz="4400" spc="-1" strike="noStrike">
+              <a:latin typeface="Arial"/>
+            </a:endParaRPr>
+          </a:p>
+        </p:txBody>
+      </p:sp>
+      <p:sp>
+        <p:nvSpPr>
+          <p:cNvPr id="54" name="PlaceHolder 2"/>
+          <p:cNvSpPr>
+            <a:spLocks noGrp="1"/>
+          </p:cNvSpPr>
+          <p:nvPr>
+            <p:ph/>
+          </p:nvPr>
+        </p:nvSpPr>
+        <p:spPr>
+          <a:xfrm>
+            <a:off x="457200" y="1203480"/>
+            <a:ext cx="4015800" cy="2982960"/>
+          </a:xfrm>
+          <a:prstGeom prst="rect">
+            <a:avLst/>
+          </a:prstGeom>
+          <a:noFill/>
+          <a:ln w="0">
+            <a:noFill/>
+          </a:ln>
+        </p:spPr>
+        <p:txBody>
+          <a:bodyPr lIns="0" rIns="0" tIns="0" bIns="0" anchor="t">
+            <a:normAutofit/>
+          </a:bodyPr>
+          <a:p>
+            <a:endParaRPr b="0" lang="en-IN" sz="3200" spc="-1" strike="noStrike">
+              <a:latin typeface="Arial"/>
+            </a:endParaRPr>
+          </a:p>
+        </p:txBody>
+      </p:sp>
+      <p:sp>
+        <p:nvSpPr>
+          <p:cNvPr id="55" name="PlaceHolder 3"/>
+          <p:cNvSpPr>
+            <a:spLocks noGrp="1"/>
+          </p:cNvSpPr>
+          <p:nvPr>
+            <p:ph/>
+          </p:nvPr>
+        </p:nvSpPr>
+        <p:spPr>
+          <a:xfrm>
+            <a:off x="4674240" y="1203480"/>
+            <a:ext cx="4015800" cy="1422720"/>
+          </a:xfrm>
+          <a:prstGeom prst="rect">
+            <a:avLst/>
+          </a:prstGeom>
+          <a:noFill/>
+          <a:ln w="0">
+            <a:noFill/>
+          </a:ln>
+        </p:spPr>
+        <p:txBody>
+          <a:bodyPr lIns="0" rIns="0" tIns="0" bIns="0" anchor="t">
+            <a:normAutofit/>
+          </a:bodyPr>
+          <a:p>
+            <a:endParaRPr b="0" lang="en-IN" sz="3200" spc="-1" strike="noStrike">
+              <a:latin typeface="Arial"/>
+            </a:endParaRPr>
+          </a:p>
+        </p:txBody>
+      </p:sp>
+      <p:sp>
+        <p:nvSpPr>
+          <p:cNvPr id="56" name="PlaceHolder 4"/>
+          <p:cNvSpPr>
+            <a:spLocks noGrp="1"/>
+          </p:cNvSpPr>
+          <p:nvPr>
+            <p:ph/>
+          </p:nvPr>
+        </p:nvSpPr>
+        <p:spPr>
+          <a:xfrm>
+            <a:off x="4674240" y="2761920"/>
+            <a:ext cx="4015800" cy="1422720"/>
+          </a:xfrm>
+          <a:prstGeom prst="rect">
+            <a:avLst/>
+          </a:prstGeom>
+          <a:noFill/>
+          <a:ln w="0">
+            <a:noFill/>
+          </a:ln>
+        </p:spPr>
+        <p:txBody>
+          <a:bodyPr lIns="0" rIns="0" tIns="0" bIns="0" anchor="t">
+            <a:normAutofit/>
+          </a:bodyPr>
+          <a:p>
+            <a:endParaRPr b="0" lang="en-IN" sz="3200" spc="-1" strike="noStrike">
+              <a:latin typeface="Arial"/>
+            </a:endParaRPr>
+          </a:p>
+        </p:txBody>
+      </p:sp>
+    </p:spTree>
+  </p:cSld>
+</p:sldLayout>
+</file>
+
+<file path=ppt/slideLayouts/slideLayout21.xml><?xml version="1.0" encoding="utf-8"?>
+<p:sldLayout xmlns:a="http://schemas.openxmlformats.org/drawingml/2006/main" xmlns:p="http://schemas.openxmlformats.org/presentationml/2006/main" xmlns:r="http://schemas.openxmlformats.org/officeDocument/2006/relationships" xmlns:p14="http://schemas.microsoft.com/office/powerpoint/2010/main" xmlns:p15="http://schemas.microsoft.com/office/powerpoint/2012/main" xmlns:mc="http://schemas.openxmlformats.org/markup-compatibility/2006" type="twoObjOverTx" preserve="1">
+  <p:cSld name="Title, 2 Content over Content">
+    <p:spTree>
+      <p:nvGrpSpPr>
+        <p:cNvPr id="1" name=""/>
+        <p:cNvGrpSpPr/>
+        <p:nvPr/>
+      </p:nvGrpSpPr>
+      <p:grpSpPr>
+        <a:xfrm>
+          <a:off x="0" y="0"/>
+          <a:ext cx="0" cy="0"/>
+          <a:chOff x="0" y="0"/>
+          <a:chExt cx="0" cy="0"/>
+        </a:xfrm>
+      </p:grpSpPr>
+      <p:sp>
+        <p:nvSpPr>
+          <p:cNvPr id="57" name="PlaceHolder 1"/>
+          <p:cNvSpPr>
+            <a:spLocks noGrp="1"/>
+          </p:cNvSpPr>
+          <p:nvPr>
+            <p:ph type="title"/>
+          </p:nvPr>
+        </p:nvSpPr>
+        <p:spPr>
+          <a:xfrm>
+            <a:off x="457200" y="205200"/>
+            <a:ext cx="8229240" cy="858600"/>
+          </a:xfrm>
+          <a:prstGeom prst="rect">
+            <a:avLst/>
+          </a:prstGeom>
+          <a:noFill/>
+          <a:ln w="0">
+            <a:noFill/>
+          </a:ln>
+        </p:spPr>
+        <p:txBody>
+          <a:bodyPr lIns="0" rIns="0" tIns="0" bIns="0" anchor="ctr">
+            <a:noAutofit/>
+          </a:bodyPr>
+          <a:p>
+            <a:pPr algn="ctr">
+              <a:buNone/>
+            </a:pPr>
+            <a:endParaRPr b="0" lang="en-IN" sz="4400" spc="-1" strike="noStrike">
+              <a:latin typeface="Arial"/>
+            </a:endParaRPr>
+          </a:p>
+        </p:txBody>
+      </p:sp>
+      <p:sp>
+        <p:nvSpPr>
+          <p:cNvPr id="58" name="PlaceHolder 2"/>
+          <p:cNvSpPr>
+            <a:spLocks noGrp="1"/>
+          </p:cNvSpPr>
+          <p:nvPr>
+            <p:ph/>
+          </p:nvPr>
+        </p:nvSpPr>
+        <p:spPr>
+          <a:xfrm>
+            <a:off x="457200" y="1203480"/>
+            <a:ext cx="4015800" cy="1422720"/>
+          </a:xfrm>
+          <a:prstGeom prst="rect">
+            <a:avLst/>
+          </a:prstGeom>
+          <a:noFill/>
+          <a:ln w="0">
+            <a:noFill/>
+          </a:ln>
+        </p:spPr>
+        <p:txBody>
+          <a:bodyPr lIns="0" rIns="0" tIns="0" bIns="0" anchor="t">
+            <a:normAutofit/>
+          </a:bodyPr>
+          <a:p>
+            <a:endParaRPr b="0" lang="en-IN" sz="3200" spc="-1" strike="noStrike">
+              <a:latin typeface="Arial"/>
+            </a:endParaRPr>
+          </a:p>
+        </p:txBody>
+      </p:sp>
+      <p:sp>
+        <p:nvSpPr>
+          <p:cNvPr id="59" name="PlaceHolder 3"/>
+          <p:cNvSpPr>
+            <a:spLocks noGrp="1"/>
+          </p:cNvSpPr>
+          <p:nvPr>
+            <p:ph/>
+          </p:nvPr>
+        </p:nvSpPr>
+        <p:spPr>
+          <a:xfrm>
+            <a:off x="4674240" y="1203480"/>
+            <a:ext cx="4015800" cy="1422720"/>
+          </a:xfrm>
+          <a:prstGeom prst="rect">
+            <a:avLst/>
+          </a:prstGeom>
+          <a:noFill/>
+          <a:ln w="0">
+            <a:noFill/>
+          </a:ln>
+        </p:spPr>
+        <p:txBody>
+          <a:bodyPr lIns="0" rIns="0" tIns="0" bIns="0" anchor="t">
+            <a:normAutofit/>
+          </a:bodyPr>
+          <a:p>
+            <a:endParaRPr b="0" lang="en-IN" sz="3200" spc="-1" strike="noStrike">
+              <a:latin typeface="Arial"/>
+            </a:endParaRPr>
+          </a:p>
+        </p:txBody>
+      </p:sp>
+      <p:sp>
+        <p:nvSpPr>
+          <p:cNvPr id="60" name="PlaceHolder 4"/>
+          <p:cNvSpPr>
+            <a:spLocks noGrp="1"/>
+          </p:cNvSpPr>
+          <p:nvPr>
+            <p:ph/>
+          </p:nvPr>
+        </p:nvSpPr>
+        <p:spPr>
+          <a:xfrm>
+            <a:off x="457200" y="2761920"/>
+            <a:ext cx="8229240" cy="1422720"/>
+          </a:xfrm>
+          <a:prstGeom prst="rect">
+            <a:avLst/>
+          </a:prstGeom>
+          <a:noFill/>
+          <a:ln w="0">
+            <a:noFill/>
+          </a:ln>
+        </p:spPr>
+        <p:txBody>
+          <a:bodyPr lIns="0" rIns="0" tIns="0" bIns="0" anchor="t">
+            <a:normAutofit/>
+          </a:bodyPr>
+          <a:p>
+            <a:endParaRPr b="0" lang="en-IN" sz="3200" spc="-1" strike="noStrike">
+              <a:latin typeface="Arial"/>
+            </a:endParaRPr>
+          </a:p>
+        </p:txBody>
+      </p:sp>
+    </p:spTree>
+  </p:cSld>
+</p:sldLayout>
+</file>
+
+<file path=ppt/slideLayouts/slideLayout22.xml><?xml version="1.0" encoding="utf-8"?>
+<p:sldLayout xmlns:a="http://schemas.openxmlformats.org/drawingml/2006/main" xmlns:p="http://schemas.openxmlformats.org/presentationml/2006/main" xmlns:r="http://schemas.openxmlformats.org/officeDocument/2006/relationships" xmlns:p14="http://schemas.microsoft.com/office/powerpoint/2010/main" xmlns:p15="http://schemas.microsoft.com/office/powerpoint/2012/main" xmlns:mc="http://schemas.openxmlformats.org/markup-compatibility/2006" type="objOverTx" preserve="1">
+  <p:cSld name="Title, Content over Content">
+    <p:spTree>
+      <p:nvGrpSpPr>
+        <p:cNvPr id="1" name=""/>
+        <p:cNvGrpSpPr/>
+        <p:nvPr/>
+      </p:nvGrpSpPr>
+      <p:grpSpPr>
+        <a:xfrm>
+          <a:off x="0" y="0"/>
+          <a:ext cx="0" cy="0"/>
+          <a:chOff x="0" y="0"/>
+          <a:chExt cx="0" cy="0"/>
+        </a:xfrm>
+      </p:grpSpPr>
+      <p:sp>
+        <p:nvSpPr>
+          <p:cNvPr id="61" name="PlaceHolder 1"/>
+          <p:cNvSpPr>
+            <a:spLocks noGrp="1"/>
+          </p:cNvSpPr>
+          <p:nvPr>
+            <p:ph type="title"/>
+          </p:nvPr>
+        </p:nvSpPr>
+        <p:spPr>
+          <a:xfrm>
+            <a:off x="457200" y="205200"/>
+            <a:ext cx="8229240" cy="858600"/>
+          </a:xfrm>
+          <a:prstGeom prst="rect">
+            <a:avLst/>
+          </a:prstGeom>
+          <a:noFill/>
+          <a:ln w="0">
+            <a:noFill/>
+          </a:ln>
+        </p:spPr>
+        <p:txBody>
+          <a:bodyPr lIns="0" rIns="0" tIns="0" bIns="0" anchor="ctr">
+            <a:noAutofit/>
+          </a:bodyPr>
+          <a:p>
+            <a:pPr algn="ctr">
+              <a:buNone/>
+            </a:pPr>
+            <a:endParaRPr b="0" lang="en-IN" sz="4400" spc="-1" strike="noStrike">
+              <a:latin typeface="Arial"/>
+            </a:endParaRPr>
+          </a:p>
+        </p:txBody>
+      </p:sp>
+      <p:sp>
+        <p:nvSpPr>
+          <p:cNvPr id="62" name="PlaceHolder 2"/>
+          <p:cNvSpPr>
+            <a:spLocks noGrp="1"/>
+          </p:cNvSpPr>
+          <p:nvPr>
+            <p:ph/>
+          </p:nvPr>
+        </p:nvSpPr>
+        <p:spPr>
+          <a:xfrm>
+            <a:off x="457200" y="1203480"/>
+            <a:ext cx="8229240" cy="1422720"/>
+          </a:xfrm>
+          <a:prstGeom prst="rect">
+            <a:avLst/>
+          </a:prstGeom>
+          <a:noFill/>
+          <a:ln w="0">
+            <a:noFill/>
+          </a:ln>
+        </p:spPr>
+        <p:txBody>
+          <a:bodyPr lIns="0" rIns="0" tIns="0" bIns="0" anchor="t">
+            <a:normAutofit/>
+          </a:bodyPr>
+          <a:p>
+            <a:endParaRPr b="0" lang="en-IN" sz="3200" spc="-1" strike="noStrike">
+              <a:latin typeface="Arial"/>
+            </a:endParaRPr>
+          </a:p>
+        </p:txBody>
+      </p:sp>
+      <p:sp>
+        <p:nvSpPr>
+          <p:cNvPr id="63" name="PlaceHolder 3"/>
+          <p:cNvSpPr>
+            <a:spLocks noGrp="1"/>
+          </p:cNvSpPr>
+          <p:nvPr>
+            <p:ph/>
+          </p:nvPr>
+        </p:nvSpPr>
+        <p:spPr>
+          <a:xfrm>
+            <a:off x="457200" y="2761920"/>
+            <a:ext cx="8229240" cy="1422720"/>
+          </a:xfrm>
+          <a:prstGeom prst="rect">
+            <a:avLst/>
+          </a:prstGeom>
+          <a:noFill/>
+          <a:ln w="0">
+            <a:noFill/>
+          </a:ln>
+        </p:spPr>
+        <p:txBody>
+          <a:bodyPr lIns="0" rIns="0" tIns="0" bIns="0" anchor="t">
+            <a:normAutofit/>
+          </a:bodyPr>
+          <a:p>
+            <a:endParaRPr b="0" lang="en-IN" sz="3200" spc="-1" strike="noStrike">
+              <a:latin typeface="Arial"/>
+            </a:endParaRPr>
+          </a:p>
+        </p:txBody>
+      </p:sp>
+    </p:spTree>
+  </p:cSld>
+</p:sldLayout>
+</file>
+
+<file path=ppt/slideLayouts/slideLayout23.xml><?xml version="1.0" encoding="utf-8"?>
+<p:sldLayout xmlns:a="http://schemas.openxmlformats.org/drawingml/2006/main" xmlns:p="http://schemas.openxmlformats.org/presentationml/2006/main" xmlns:r="http://schemas.openxmlformats.org/officeDocument/2006/relationships" xmlns:p14="http://schemas.microsoft.com/office/powerpoint/2010/main" xmlns:p15="http://schemas.microsoft.com/office/powerpoint/2012/main" xmlns:mc="http://schemas.openxmlformats.org/markup-compatibility/2006" type="fourObj" preserve="1">
+  <p:cSld name="Title, 4 Content">
+    <p:spTree>
+      <p:nvGrpSpPr>
+        <p:cNvPr id="1" name=""/>
+        <p:cNvGrpSpPr/>
+        <p:nvPr/>
+      </p:nvGrpSpPr>
+      <p:grpSpPr>
+        <a:xfrm>
+          <a:off x="0" y="0"/>
+          <a:ext cx="0" cy="0"/>
+          <a:chOff x="0" y="0"/>
+          <a:chExt cx="0" cy="0"/>
+        </a:xfrm>
+      </p:grpSpPr>
+      <p:sp>
+        <p:nvSpPr>
+          <p:cNvPr id="64" name="PlaceHolder 1"/>
+          <p:cNvSpPr>
+            <a:spLocks noGrp="1"/>
+          </p:cNvSpPr>
+          <p:nvPr>
+            <p:ph type="title"/>
+          </p:nvPr>
+        </p:nvSpPr>
+        <p:spPr>
+          <a:xfrm>
+            <a:off x="457200" y="205200"/>
+            <a:ext cx="8229240" cy="858600"/>
+          </a:xfrm>
+          <a:prstGeom prst="rect">
+            <a:avLst/>
+          </a:prstGeom>
+          <a:noFill/>
+          <a:ln w="0">
+            <a:noFill/>
+          </a:ln>
+        </p:spPr>
+        <p:txBody>
+          <a:bodyPr lIns="0" rIns="0" tIns="0" bIns="0" anchor="ctr">
+            <a:noAutofit/>
+          </a:bodyPr>
+          <a:p>
+            <a:pPr algn="ctr">
+              <a:buNone/>
+            </a:pPr>
+            <a:endParaRPr b="0" lang="en-IN" sz="4400" spc="-1" strike="noStrike">
+              <a:latin typeface="Arial"/>
+            </a:endParaRPr>
+          </a:p>
+        </p:txBody>
+      </p:sp>
+      <p:sp>
+        <p:nvSpPr>
+          <p:cNvPr id="65" name="PlaceHolder 2"/>
+          <p:cNvSpPr>
+            <a:spLocks noGrp="1"/>
+          </p:cNvSpPr>
+          <p:nvPr>
+            <p:ph/>
+          </p:nvPr>
+        </p:nvSpPr>
+        <p:spPr>
+          <a:xfrm>
+            <a:off x="457200" y="1203480"/>
+            <a:ext cx="4015800" cy="1422720"/>
+          </a:xfrm>
+          <a:prstGeom prst="rect">
+            <a:avLst/>
+          </a:prstGeom>
+          <a:noFill/>
+          <a:ln w="0">
+            <a:noFill/>
+          </a:ln>
+        </p:spPr>
+        <p:txBody>
+          <a:bodyPr lIns="0" rIns="0" tIns="0" bIns="0" anchor="t">
+            <a:normAutofit/>
+          </a:bodyPr>
+          <a:p>
+            <a:endParaRPr b="0" lang="en-IN" sz="3200" spc="-1" strike="noStrike">
+              <a:latin typeface="Arial"/>
+            </a:endParaRPr>
+          </a:p>
+        </p:txBody>
+      </p:sp>
+      <p:sp>
+        <p:nvSpPr>
+          <p:cNvPr id="66" name="PlaceHolder 3"/>
+          <p:cNvSpPr>
+            <a:spLocks noGrp="1"/>
+          </p:cNvSpPr>
+          <p:nvPr>
+            <p:ph/>
+          </p:nvPr>
+        </p:nvSpPr>
+        <p:spPr>
+          <a:xfrm>
+            <a:off x="4674240" y="1203480"/>
+            <a:ext cx="4015800" cy="1422720"/>
+          </a:xfrm>
+          <a:prstGeom prst="rect">
+            <a:avLst/>
+          </a:prstGeom>
+          <a:noFill/>
+          <a:ln w="0">
+            <a:noFill/>
+          </a:ln>
+        </p:spPr>
+        <p:txBody>
+          <a:bodyPr lIns="0" rIns="0" tIns="0" bIns="0" anchor="t">
+            <a:normAutofit/>
+          </a:bodyPr>
+          <a:p>
+            <a:endParaRPr b="0" lang="en-IN" sz="3200" spc="-1" strike="noStrike">
+              <a:latin typeface="Arial"/>
+            </a:endParaRPr>
+          </a:p>
+        </p:txBody>
+      </p:sp>
+      <p:sp>
+        <p:nvSpPr>
+          <p:cNvPr id="67" name="PlaceHolder 4"/>
+          <p:cNvSpPr>
+            <a:spLocks noGrp="1"/>
+          </p:cNvSpPr>
+          <p:nvPr>
+            <p:ph/>
+          </p:nvPr>
+        </p:nvSpPr>
+        <p:spPr>
+          <a:xfrm>
+            <a:off x="457200" y="2761920"/>
+            <a:ext cx="4015800" cy="1422720"/>
+          </a:xfrm>
+          <a:prstGeom prst="rect">
+            <a:avLst/>
+          </a:prstGeom>
+          <a:noFill/>
+          <a:ln w="0">
+            <a:noFill/>
+          </a:ln>
+        </p:spPr>
+        <p:txBody>
+          <a:bodyPr lIns="0" rIns="0" tIns="0" bIns="0" anchor="t">
+            <a:normAutofit/>
+          </a:bodyPr>
+          <a:p>
+            <a:endParaRPr b="0" lang="en-IN" sz="3200" spc="-1" strike="noStrike">
+              <a:latin typeface="Arial"/>
+            </a:endParaRPr>
+          </a:p>
+        </p:txBody>
+      </p:sp>
+      <p:sp>
+        <p:nvSpPr>
+          <p:cNvPr id="68" name="PlaceHolder 5"/>
+          <p:cNvSpPr>
+            <a:spLocks noGrp="1"/>
+          </p:cNvSpPr>
+          <p:nvPr>
+            <p:ph/>
+          </p:nvPr>
+        </p:nvSpPr>
+        <p:spPr>
+          <a:xfrm>
+            <a:off x="4674240" y="2761920"/>
+            <a:ext cx="4015800" cy="1422720"/>
+          </a:xfrm>
+          <a:prstGeom prst="rect">
+            <a:avLst/>
+          </a:prstGeom>
+          <a:noFill/>
+          <a:ln w="0">
+            <a:noFill/>
+          </a:ln>
+        </p:spPr>
+        <p:txBody>
+          <a:bodyPr lIns="0" rIns="0" tIns="0" bIns="0" anchor="t">
+            <a:normAutofit/>
+          </a:bodyPr>
+          <a:p>
+            <a:endParaRPr b="0" lang="en-IN" sz="3200" spc="-1" strike="noStrike">
+              <a:latin typeface="Arial"/>
+            </a:endParaRPr>
+          </a:p>
+        </p:txBody>
+      </p:sp>
+    </p:spTree>
+  </p:cSld>
+</p:sldLayout>
+</file>
+
+<file path=ppt/slideLayouts/slideLayout24.xml><?xml version="1.0" encoding="utf-8"?>
+<p:sldLayout xmlns:a="http://schemas.openxmlformats.org/drawingml/2006/main" xmlns:p="http://schemas.openxmlformats.org/presentationml/2006/main" xmlns:r="http://schemas.openxmlformats.org/officeDocument/2006/relationships" xmlns:p14="http://schemas.microsoft.com/office/powerpoint/2010/main" xmlns:p15="http://schemas.microsoft.com/office/powerpoint/2012/main" xmlns:mc="http://schemas.openxmlformats.org/markup-compatibility/2006" type="blank" preserve="1">
+  <p:cSld name="Title, 6 Content">
+    <p:spTree>
+      <p:nvGrpSpPr>
+        <p:cNvPr id="1" name=""/>
+        <p:cNvGrpSpPr/>
+        <p:nvPr/>
+      </p:nvGrpSpPr>
+      <p:grpSpPr>
+        <a:xfrm>
+          <a:off x="0" y="0"/>
+          <a:ext cx="0" cy="0"/>
+          <a:chOff x="0" y="0"/>
+          <a:chExt cx="0" cy="0"/>
+        </a:xfrm>
+      </p:grpSpPr>
+      <p:sp>
+        <p:nvSpPr>
+          <p:cNvPr id="69" name="PlaceHolder 1"/>
+          <p:cNvSpPr>
+            <a:spLocks noGrp="1"/>
+          </p:cNvSpPr>
+          <p:nvPr>
+            <p:ph type="title"/>
+          </p:nvPr>
+        </p:nvSpPr>
+        <p:spPr>
+          <a:xfrm>
+            <a:off x="457200" y="205200"/>
+            <a:ext cx="8229240" cy="858600"/>
+          </a:xfrm>
+          <a:prstGeom prst="rect">
+            <a:avLst/>
+          </a:prstGeom>
+          <a:noFill/>
+          <a:ln w="0">
+            <a:noFill/>
+          </a:ln>
+        </p:spPr>
+        <p:txBody>
+          <a:bodyPr lIns="0" rIns="0" tIns="0" bIns="0" anchor="ctr">
+            <a:noAutofit/>
+          </a:bodyPr>
+          <a:p>
+            <a:pPr algn="ctr">
+              <a:buNone/>
+            </a:pPr>
+            <a:endParaRPr b="0" lang="en-IN" sz="4400" spc="-1" strike="noStrike">
+              <a:latin typeface="Arial"/>
+            </a:endParaRPr>
+          </a:p>
+        </p:txBody>
+      </p:sp>
+      <p:sp>
+        <p:nvSpPr>
+          <p:cNvPr id="70" name="PlaceHolder 2"/>
+          <p:cNvSpPr>
+            <a:spLocks noGrp="1"/>
+          </p:cNvSpPr>
+          <p:nvPr>
+            <p:ph/>
+          </p:nvPr>
+        </p:nvSpPr>
+        <p:spPr>
+          <a:xfrm>
+            <a:off x="457200" y="1203480"/>
+            <a:ext cx="2649600" cy="1422720"/>
+          </a:xfrm>
+          <a:prstGeom prst="rect">
+            <a:avLst/>
+          </a:prstGeom>
+          <a:noFill/>
+          <a:ln w="0">
+            <a:noFill/>
+          </a:ln>
+        </p:spPr>
+        <p:txBody>
+          <a:bodyPr lIns="0" rIns="0" tIns="0" bIns="0" anchor="t">
+            <a:normAutofit/>
+          </a:bodyPr>
+          <a:p>
+            <a:endParaRPr b="0" lang="en-IN" sz="3200" spc="-1" strike="noStrike">
+              <a:latin typeface="Arial"/>
+            </a:endParaRPr>
+          </a:p>
+        </p:txBody>
+      </p:sp>
+      <p:sp>
+        <p:nvSpPr>
+          <p:cNvPr id="71" name="PlaceHolder 3"/>
+          <p:cNvSpPr>
+            <a:spLocks noGrp="1"/>
+          </p:cNvSpPr>
+          <p:nvPr>
+            <p:ph/>
+          </p:nvPr>
+        </p:nvSpPr>
+        <p:spPr>
+          <a:xfrm>
+            <a:off x="3239640" y="1203480"/>
+            <a:ext cx="2649600" cy="1422720"/>
+          </a:xfrm>
+          <a:prstGeom prst="rect">
+            <a:avLst/>
+          </a:prstGeom>
+          <a:noFill/>
+          <a:ln w="0">
+            <a:noFill/>
+          </a:ln>
+        </p:spPr>
+        <p:txBody>
+          <a:bodyPr lIns="0" rIns="0" tIns="0" bIns="0" anchor="t">
+            <a:normAutofit/>
+          </a:bodyPr>
+          <a:p>
+            <a:endParaRPr b="0" lang="en-IN" sz="3200" spc="-1" strike="noStrike">
+              <a:latin typeface="Arial"/>
+            </a:endParaRPr>
+          </a:p>
+        </p:txBody>
+      </p:sp>
+      <p:sp>
+        <p:nvSpPr>
+          <p:cNvPr id="72" name="PlaceHolder 4"/>
+          <p:cNvSpPr>
+            <a:spLocks noGrp="1"/>
+          </p:cNvSpPr>
+          <p:nvPr>
+            <p:ph/>
+          </p:nvPr>
+        </p:nvSpPr>
+        <p:spPr>
+          <a:xfrm>
+            <a:off x="6022080" y="1203480"/>
+            <a:ext cx="2649600" cy="1422720"/>
+          </a:xfrm>
+          <a:prstGeom prst="rect">
+            <a:avLst/>
+          </a:prstGeom>
+          <a:noFill/>
+          <a:ln w="0">
+            <a:noFill/>
+          </a:ln>
+        </p:spPr>
+        <p:txBody>
+          <a:bodyPr lIns="0" rIns="0" tIns="0" bIns="0" anchor="t">
+            <a:normAutofit/>
+          </a:bodyPr>
+          <a:p>
+            <a:endParaRPr b="0" lang="en-IN" sz="3200" spc="-1" strike="noStrike">
+              <a:latin typeface="Arial"/>
+            </a:endParaRPr>
+          </a:p>
+        </p:txBody>
+      </p:sp>
+      <p:sp>
+        <p:nvSpPr>
+          <p:cNvPr id="73" name="PlaceHolder 5"/>
+          <p:cNvSpPr>
+            <a:spLocks noGrp="1"/>
+          </p:cNvSpPr>
+          <p:nvPr>
+            <p:ph/>
+          </p:nvPr>
+        </p:nvSpPr>
+        <p:spPr>
+          <a:xfrm>
+            <a:off x="457200" y="2761920"/>
+            <a:ext cx="2649600" cy="1422720"/>
+          </a:xfrm>
+          <a:prstGeom prst="rect">
+            <a:avLst/>
+          </a:prstGeom>
+          <a:noFill/>
+          <a:ln w="0">
+            <a:noFill/>
+          </a:ln>
+        </p:spPr>
+        <p:txBody>
+          <a:bodyPr lIns="0" rIns="0" tIns="0" bIns="0" anchor="t">
+            <a:normAutofit/>
+          </a:bodyPr>
+          <a:p>
+            <a:endParaRPr b="0" lang="en-IN" sz="3200" spc="-1" strike="noStrike">
+              <a:latin typeface="Arial"/>
+            </a:endParaRPr>
+          </a:p>
+        </p:txBody>
+      </p:sp>
+      <p:sp>
+        <p:nvSpPr>
+          <p:cNvPr id="74" name="PlaceHolder 6"/>
+          <p:cNvSpPr>
+            <a:spLocks noGrp="1"/>
+          </p:cNvSpPr>
+          <p:nvPr>
+            <p:ph/>
+          </p:nvPr>
+        </p:nvSpPr>
+        <p:spPr>
+          <a:xfrm>
+            <a:off x="3239640" y="2761920"/>
+            <a:ext cx="2649600" cy="1422720"/>
+          </a:xfrm>
+          <a:prstGeom prst="rect">
+            <a:avLst/>
+          </a:prstGeom>
+          <a:noFill/>
+          <a:ln w="0">
+            <a:noFill/>
+          </a:ln>
+        </p:spPr>
+        <p:txBody>
+          <a:bodyPr lIns="0" rIns="0" tIns="0" bIns="0" anchor="t">
+            <a:normAutofit/>
+          </a:bodyPr>
+          <a:p>
+            <a:endParaRPr b="0" lang="en-IN" sz="3200" spc="-1" strike="noStrike">
+              <a:latin typeface="Arial"/>
+            </a:endParaRPr>
+          </a:p>
+        </p:txBody>
+      </p:sp>
+      <p:sp>
+        <p:nvSpPr>
+          <p:cNvPr id="75" name="PlaceHolder 7"/>
+          <p:cNvSpPr>
+            <a:spLocks noGrp="1"/>
+          </p:cNvSpPr>
+          <p:nvPr>
+            <p:ph/>
+          </p:nvPr>
+        </p:nvSpPr>
+        <p:spPr>
+          <a:xfrm>
+            <a:off x="6022080" y="2761920"/>
+            <a:ext cx="2649600" cy="1422720"/>
+          </a:xfrm>
+          <a:prstGeom prst="rect">
+            <a:avLst/>
+          </a:prstGeom>
+          <a:noFill/>
+          <a:ln w="0">
+            <a:noFill/>
+          </a:ln>
+        </p:spPr>
+        <p:txBody>
+          <a:bodyPr lIns="0" rIns="0" tIns="0" bIns="0" anchor="t">
+            <a:normAutofit/>
+          </a:bodyPr>
+          <a:p>
             <a:endParaRPr b="0" lang="en-IN" sz="3200" spc="-1" strike="noStrike">
               <a:latin typeface="Arial"/>
             </a:endParaRPr>
@@ -3610,7 +5135,7 @@
         <p:spPr>
           <a:xfrm>
             <a:off x="457200" y="205200"/>
-            <a:ext cx="8229240" cy="858600"/>
+            <a:ext cx="8228880" cy="858240"/>
           </a:xfrm>
           <a:prstGeom prst="rect">
             <a:avLst/>
@@ -3625,16 +5150,13 @@
             <a:noAutofit/>
           </a:bodyPr>
           <a:p>
-            <a:pPr algn="ctr">
-              <a:buNone/>
-            </a:pPr>
-            <a:r>
-              <a:rPr b="0" lang="en-IN" sz="4400" spc="-1" strike="noStrike">
+            <a:r>
+              <a:rPr b="0" lang="en-IN" sz="1800" spc="-1" strike="noStrike">
                 <a:latin typeface="Arial"/>
               </a:rPr>
               <a:t>Click to edit the title text format</a:t>
             </a:r>
-            <a:endParaRPr b="0" lang="en-IN" sz="4400" spc="-1" strike="noStrike">
+            <a:endParaRPr b="0" lang="en-IN" sz="1800" spc="-1" strike="noStrike">
               <a:latin typeface="Arial"/>
             </a:endParaRPr>
           </a:p>
@@ -3839,6 +5361,276 @@
     <p:sldLayoutId id="2147483658" r:id="rId11"/>
     <p:sldLayoutId id="2147483659" r:id="rId12"/>
     <p:sldLayoutId id="2147483660" r:id="rId13"/>
+  </p:sldLayoutIdLst>
+</p:sldMaster>
+</file>
+
+<file path=ppt/slideMasters/slideMaster2.xml><?xml version="1.0" encoding="utf-8"?>
+<p:sldMaster xmlns:a="http://schemas.openxmlformats.org/drawingml/2006/main" xmlns:p="http://schemas.openxmlformats.org/presentationml/2006/main" xmlns:r="http://schemas.openxmlformats.org/officeDocument/2006/relationships" xmlns:p14="http://schemas.microsoft.com/office/powerpoint/2010/main" xmlns:p15="http://schemas.microsoft.com/office/powerpoint/2012/main" xmlns:mc="http://schemas.openxmlformats.org/markup-compatibility/2006">
+  <p:cSld>
+    <p:bg>
+      <p:bgPr>
+        <a:solidFill>
+          <a:srgbClr val="ffffff"/>
+        </a:solidFill>
+      </p:bgPr>
+    </p:bg>
+    <p:spTree>
+      <p:nvGrpSpPr>
+        <p:cNvPr id="1" name=""/>
+        <p:cNvGrpSpPr/>
+        <p:nvPr/>
+      </p:nvGrpSpPr>
+      <p:grpSpPr>
+        <a:xfrm>
+          <a:off x="0" y="0"/>
+          <a:ext cx="0" cy="0"/>
+          <a:chOff x="0" y="0"/>
+          <a:chExt cx="0" cy="0"/>
+        </a:xfrm>
+      </p:grpSpPr>
+      <p:sp>
+        <p:nvSpPr>
+          <p:cNvPr id="38" name="PlaceHolder 1"/>
+          <p:cNvSpPr>
+            <a:spLocks noGrp="1"/>
+          </p:cNvSpPr>
+          <p:nvPr>
+            <p:ph type="title"/>
+          </p:nvPr>
+        </p:nvSpPr>
+        <p:spPr>
+          <a:xfrm>
+            <a:off x="457200" y="205200"/>
+            <a:ext cx="8229240" cy="858600"/>
+          </a:xfrm>
+          <a:prstGeom prst="rect">
+            <a:avLst/>
+          </a:prstGeom>
+          <a:noFill/>
+          <a:ln w="0">
+            <a:noFill/>
+          </a:ln>
+        </p:spPr>
+        <p:txBody>
+          <a:bodyPr lIns="0" rIns="0" tIns="0" bIns="0" anchor="ctr">
+            <a:noAutofit/>
+          </a:bodyPr>
+          <a:p>
+            <a:pPr algn="ctr">
+              <a:buNone/>
+            </a:pPr>
+            <a:r>
+              <a:rPr b="0" lang="en-IN" sz="4400" spc="-1" strike="noStrike">
+                <a:latin typeface="Arial"/>
+              </a:rPr>
+              <a:t>Click to edit the title text format</a:t>
+            </a:r>
+            <a:endParaRPr b="0" lang="en-IN" sz="4400" spc="-1" strike="noStrike">
+              <a:latin typeface="Arial"/>
+            </a:endParaRPr>
+          </a:p>
+        </p:txBody>
+      </p:sp>
+      <p:sp>
+        <p:nvSpPr>
+          <p:cNvPr id="39" name="PlaceHolder 2"/>
+          <p:cNvSpPr>
+            <a:spLocks noGrp="1"/>
+          </p:cNvSpPr>
+          <p:nvPr>
+            <p:ph type="body"/>
+          </p:nvPr>
+        </p:nvSpPr>
+        <p:spPr>
+          <a:xfrm>
+            <a:off x="457200" y="1203480"/>
+            <a:ext cx="8229240" cy="2982960"/>
+          </a:xfrm>
+          <a:prstGeom prst="rect">
+            <a:avLst/>
+          </a:prstGeom>
+          <a:noFill/>
+          <a:ln w="0">
+            <a:noFill/>
+          </a:ln>
+        </p:spPr>
+        <p:txBody>
+          <a:bodyPr lIns="0" rIns="0" tIns="0" bIns="0" anchor="t">
+            <a:normAutofit/>
+          </a:bodyPr>
+          <a:p>
+            <a:pPr marL="432000" indent="-324000">
+              <a:spcBef>
+                <a:spcPts val="1417"/>
+              </a:spcBef>
+              <a:buClr>
+                <a:srgbClr val="000000"/>
+              </a:buClr>
+              <a:buSzPct val="45000"/>
+              <a:buFont typeface="Wingdings" charset="2"/>
+              <a:buChar char=""/>
+            </a:pPr>
+            <a:r>
+              <a:rPr b="0" lang="en-IN" sz="3200" spc="-1" strike="noStrike">
+                <a:latin typeface="Arial"/>
+              </a:rPr>
+              <a:t>Click to edit the outline text format</a:t>
+            </a:r>
+            <a:endParaRPr b="0" lang="en-IN" sz="3200" spc="-1" strike="noStrike">
+              <a:latin typeface="Arial"/>
+            </a:endParaRPr>
+          </a:p>
+          <a:p>
+            <a:pPr lvl="1" marL="864000" indent="-324000">
+              <a:spcBef>
+                <a:spcPts val="1134"/>
+              </a:spcBef>
+              <a:buClr>
+                <a:srgbClr val="000000"/>
+              </a:buClr>
+              <a:buSzPct val="75000"/>
+              <a:buFont typeface="Symbol" charset="2"/>
+              <a:buChar char=""/>
+            </a:pPr>
+            <a:r>
+              <a:rPr b="0" lang="en-IN" sz="2800" spc="-1" strike="noStrike">
+                <a:latin typeface="Arial"/>
+              </a:rPr>
+              <a:t>Second Outline Level</a:t>
+            </a:r>
+            <a:endParaRPr b="0" lang="en-IN" sz="2800" spc="-1" strike="noStrike">
+              <a:latin typeface="Arial"/>
+            </a:endParaRPr>
+          </a:p>
+          <a:p>
+            <a:pPr lvl="2" marL="1296000" indent="-288000">
+              <a:spcBef>
+                <a:spcPts val="850"/>
+              </a:spcBef>
+              <a:buClr>
+                <a:srgbClr val="000000"/>
+              </a:buClr>
+              <a:buSzPct val="45000"/>
+              <a:buFont typeface="Wingdings" charset="2"/>
+              <a:buChar char=""/>
+            </a:pPr>
+            <a:r>
+              <a:rPr b="0" lang="en-IN" sz="2400" spc="-1" strike="noStrike">
+                <a:latin typeface="Arial"/>
+              </a:rPr>
+              <a:t>Third Outline Level</a:t>
+            </a:r>
+            <a:endParaRPr b="0" lang="en-IN" sz="2400" spc="-1" strike="noStrike">
+              <a:latin typeface="Arial"/>
+            </a:endParaRPr>
+          </a:p>
+          <a:p>
+            <a:pPr lvl="3" marL="1728000" indent="-216000">
+              <a:spcBef>
+                <a:spcPts val="567"/>
+              </a:spcBef>
+              <a:buClr>
+                <a:srgbClr val="000000"/>
+              </a:buClr>
+              <a:buSzPct val="75000"/>
+              <a:buFont typeface="Symbol" charset="2"/>
+              <a:buChar char=""/>
+            </a:pPr>
+            <a:r>
+              <a:rPr b="0" lang="en-IN" sz="2000" spc="-1" strike="noStrike">
+                <a:latin typeface="Arial"/>
+              </a:rPr>
+              <a:t>Fourth Outline Level</a:t>
+            </a:r>
+            <a:endParaRPr b="0" lang="en-IN" sz="2000" spc="-1" strike="noStrike">
+              <a:latin typeface="Arial"/>
+            </a:endParaRPr>
+          </a:p>
+          <a:p>
+            <a:pPr lvl="4" marL="2160000" indent="-216000">
+              <a:spcBef>
+                <a:spcPts val="283"/>
+              </a:spcBef>
+              <a:buClr>
+                <a:srgbClr val="000000"/>
+              </a:buClr>
+              <a:buSzPct val="45000"/>
+              <a:buFont typeface="Wingdings" charset="2"/>
+              <a:buChar char=""/>
+            </a:pPr>
+            <a:r>
+              <a:rPr b="0" lang="en-IN" sz="2000" spc="-1" strike="noStrike">
+                <a:latin typeface="Arial"/>
+              </a:rPr>
+              <a:t>Fifth Outline Level</a:t>
+            </a:r>
+            <a:endParaRPr b="0" lang="en-IN" sz="2000" spc="-1" strike="noStrike">
+              <a:latin typeface="Arial"/>
+            </a:endParaRPr>
+          </a:p>
+          <a:p>
+            <a:pPr lvl="5" marL="2592000" indent="-216000">
+              <a:spcBef>
+                <a:spcPts val="283"/>
+              </a:spcBef>
+              <a:buClr>
+                <a:srgbClr val="000000"/>
+              </a:buClr>
+              <a:buSzPct val="45000"/>
+              <a:buFont typeface="Wingdings" charset="2"/>
+              <a:buChar char=""/>
+            </a:pPr>
+            <a:r>
+              <a:rPr b="0" lang="en-IN" sz="2000" spc="-1" strike="noStrike">
+                <a:latin typeface="Arial"/>
+              </a:rPr>
+              <a:t>Sixth Outline Level</a:t>
+            </a:r>
+            <a:endParaRPr b="0" lang="en-IN" sz="2000" spc="-1" strike="noStrike">
+              <a:latin typeface="Arial"/>
+            </a:endParaRPr>
+          </a:p>
+          <a:p>
+            <a:pPr lvl="6" marL="3024000" indent="-216000">
+              <a:spcBef>
+                <a:spcPts val="283"/>
+              </a:spcBef>
+              <a:buClr>
+                <a:srgbClr val="000000"/>
+              </a:buClr>
+              <a:buSzPct val="45000"/>
+              <a:buFont typeface="Wingdings" charset="2"/>
+              <a:buChar char=""/>
+            </a:pPr>
+            <a:r>
+              <a:rPr b="0" lang="en-IN" sz="2000" spc="-1" strike="noStrike">
+                <a:latin typeface="Arial"/>
+              </a:rPr>
+              <a:t>Seventh Outline Level</a:t>
+            </a:r>
+            <a:endParaRPr b="0" lang="en-IN" sz="2000" spc="-1" strike="noStrike">
+              <a:latin typeface="Arial"/>
+            </a:endParaRPr>
+          </a:p>
+        </p:txBody>
+      </p:sp>
+    </p:spTree>
+  </p:cSld>
+  <p:clrMap bg1="lt1" bg2="lt2" tx1="dk1" tx2="dk2" accent1="accent1" accent2="accent2" accent3="accent3" accent4="accent4" accent5="accent5" accent6="accent6" hlink="hlink" folHlink="folHlink"/>
+  <p:sldLayoutIdLst>
+    <p:sldLayoutId id="2147483662" r:id="rId2"/>
+    <p:sldLayoutId id="2147483663" r:id="rId3"/>
+    <p:sldLayoutId id="2147483664" r:id="rId4"/>
+    <p:sldLayoutId id="2147483665" r:id="rId5"/>
+    <p:sldLayoutId id="2147483666" r:id="rId6"/>
+    <p:sldLayoutId id="2147483667" r:id="rId7"/>
+    <p:sldLayoutId id="2147483668" r:id="rId8"/>
+    <p:sldLayoutId id="2147483669" r:id="rId9"/>
+    <p:sldLayoutId id="2147483670" r:id="rId10"/>
+    <p:sldLayoutId id="2147483671" r:id="rId11"/>
+    <p:sldLayoutId id="2147483672" r:id="rId12"/>
+    <p:sldLayoutId id="2147483673" r:id="rId13"/>
   </p:sldLayoutIdLst>
 </p:sldMaster>
 </file>
@@ -3869,14 +5661,14 @@
       </p:grpSpPr>
       <p:sp>
         <p:nvSpPr>
-          <p:cNvPr id="44" name="Text 0"/>
+          <p:cNvPr id="82" name="Text 0"/>
           <p:cNvSpPr/>
           <p:nvPr/>
         </p:nvSpPr>
         <p:spPr>
           <a:xfrm>
             <a:off x="457200" y="1645920"/>
-            <a:ext cx="8228880" cy="913680"/>
+            <a:ext cx="8228520" cy="913320"/>
           </a:xfrm>
           <a:prstGeom prst="rect">
             <a:avLst/>
@@ -3948,14 +5740,14 @@
       </p:sp>
       <p:sp>
         <p:nvSpPr>
-          <p:cNvPr id="45" name="Text 1"/>
+          <p:cNvPr id="83" name="Text 1"/>
           <p:cNvSpPr/>
           <p:nvPr/>
         </p:nvSpPr>
         <p:spPr>
           <a:xfrm>
             <a:off x="457200" y="2743200"/>
-            <a:ext cx="8228880" cy="456480"/>
+            <a:ext cx="8228520" cy="456120"/>
           </a:xfrm>
           <a:prstGeom prst="rect">
             <a:avLst/>
@@ -4003,14 +5795,14 @@
       </p:sp>
       <p:sp>
         <p:nvSpPr>
-          <p:cNvPr id="46" name="Text 2"/>
+          <p:cNvPr id="84" name="Text 2"/>
           <p:cNvSpPr/>
           <p:nvPr/>
         </p:nvSpPr>
         <p:spPr>
           <a:xfrm>
             <a:off x="457200" y="3657600"/>
-            <a:ext cx="8228880" cy="365040"/>
+            <a:ext cx="8228520" cy="364680"/>
           </a:xfrm>
           <a:prstGeom prst="rect">
             <a:avLst/>
@@ -4095,14 +5887,14 @@
       </p:grpSpPr>
       <p:sp>
         <p:nvSpPr>
-          <p:cNvPr id="295" name="Text 0"/>
+          <p:cNvPr id="333" name="Text 0"/>
           <p:cNvSpPr/>
           <p:nvPr/>
         </p:nvSpPr>
         <p:spPr>
           <a:xfrm>
             <a:off x="457200" y="274320"/>
-            <a:ext cx="8228880" cy="456480"/>
+            <a:ext cx="8228520" cy="456120"/>
           </a:xfrm>
           <a:prstGeom prst="rect">
             <a:avLst/>
@@ -4150,14 +5942,14 @@
       </p:sp>
       <p:sp>
         <p:nvSpPr>
-          <p:cNvPr id="296" name="Shape 1"/>
+          <p:cNvPr id="334" name="Shape 1"/>
           <p:cNvSpPr/>
           <p:nvPr/>
         </p:nvSpPr>
         <p:spPr>
           <a:xfrm>
             <a:off x="914400" y="914400"/>
-            <a:ext cx="7314480" cy="456480"/>
+            <a:ext cx="7314120" cy="456120"/>
           </a:xfrm>
           <a:prstGeom prst="rect">
             <a:avLst/>
@@ -4178,14 +5970,14 @@
       </p:sp>
       <p:sp>
         <p:nvSpPr>
-          <p:cNvPr id="297" name="Text 2"/>
+          <p:cNvPr id="335" name="Text 2"/>
           <p:cNvSpPr/>
           <p:nvPr/>
         </p:nvSpPr>
         <p:spPr>
           <a:xfrm>
             <a:off x="914400" y="960120"/>
-            <a:ext cx="7314480" cy="365040"/>
+            <a:ext cx="7314120" cy="364680"/>
           </a:xfrm>
           <a:prstGeom prst="rect">
             <a:avLst/>
@@ -4233,14 +6025,14 @@
       </p:sp>
       <p:sp>
         <p:nvSpPr>
-          <p:cNvPr id="298" name="Text 3"/>
+          <p:cNvPr id="336" name="Text 3"/>
           <p:cNvSpPr/>
           <p:nvPr/>
         </p:nvSpPr>
         <p:spPr>
           <a:xfrm>
             <a:off x="914400" y="1508760"/>
-            <a:ext cx="3199680" cy="227880"/>
+            <a:ext cx="3199320" cy="227520"/>
           </a:xfrm>
           <a:prstGeom prst="rect">
             <a:avLst/>
@@ -4288,14 +6080,14 @@
       </p:sp>
       <p:sp>
         <p:nvSpPr>
-          <p:cNvPr id="299" name="Shape 4"/>
+          <p:cNvPr id="337" name="Shape 4"/>
           <p:cNvSpPr/>
           <p:nvPr/>
         </p:nvSpPr>
         <p:spPr>
           <a:xfrm>
             <a:off x="1097280" y="1783080"/>
-            <a:ext cx="1188000" cy="822240"/>
+            <a:ext cx="1187640" cy="821880"/>
           </a:xfrm>
           <a:prstGeom prst="ellipse">
             <a:avLst/>
@@ -4319,14 +6111,14 @@
       </p:sp>
       <p:sp>
         <p:nvSpPr>
-          <p:cNvPr id="300" name="Text 5"/>
+          <p:cNvPr id="338" name="Text 5"/>
           <p:cNvSpPr/>
           <p:nvPr/>
         </p:nvSpPr>
         <p:spPr>
           <a:xfrm>
             <a:off x="1188720" y="2011680"/>
-            <a:ext cx="1005120" cy="365040"/>
+            <a:ext cx="1004760" cy="364680"/>
           </a:xfrm>
           <a:prstGeom prst="rect">
             <a:avLst/>
@@ -4398,14 +6190,14 @@
       </p:sp>
       <p:sp>
         <p:nvSpPr>
-          <p:cNvPr id="301" name="Shape 6"/>
+          <p:cNvPr id="339" name="Shape 6"/>
           <p:cNvSpPr/>
           <p:nvPr/>
         </p:nvSpPr>
         <p:spPr>
           <a:xfrm>
             <a:off x="2011680" y="1783080"/>
-            <a:ext cx="1188000" cy="822240"/>
+            <a:ext cx="1187640" cy="821880"/>
           </a:xfrm>
           <a:prstGeom prst="ellipse">
             <a:avLst/>
@@ -4429,14 +6221,14 @@
       </p:sp>
       <p:sp>
         <p:nvSpPr>
-          <p:cNvPr id="302" name="Text 7"/>
+          <p:cNvPr id="340" name="Text 7"/>
           <p:cNvSpPr/>
           <p:nvPr/>
         </p:nvSpPr>
         <p:spPr>
           <a:xfrm>
             <a:off x="2103120" y="2011680"/>
-            <a:ext cx="1005120" cy="365040"/>
+            <a:ext cx="1004760" cy="364680"/>
           </a:xfrm>
           <a:prstGeom prst="rect">
             <a:avLst/>
@@ -4508,14 +6300,14 @@
       </p:sp>
       <p:sp>
         <p:nvSpPr>
-          <p:cNvPr id="303" name="Text 8"/>
+          <p:cNvPr id="341" name="Text 8"/>
           <p:cNvSpPr/>
           <p:nvPr/>
         </p:nvSpPr>
         <p:spPr>
           <a:xfrm>
             <a:off x="1097280" y="2697480"/>
-            <a:ext cx="2102400" cy="227880"/>
+            <a:ext cx="2102040" cy="227520"/>
           </a:xfrm>
           <a:prstGeom prst="rect">
             <a:avLst/>
@@ -4563,14 +6355,14 @@
       </p:sp>
       <p:sp>
         <p:nvSpPr>
-          <p:cNvPr id="304" name="Text 9"/>
+          <p:cNvPr id="342" name="Text 9"/>
           <p:cNvSpPr/>
           <p:nvPr/>
         </p:nvSpPr>
         <p:spPr>
           <a:xfrm>
             <a:off x="4389120" y="1508760"/>
-            <a:ext cx="4022640" cy="227880"/>
+            <a:ext cx="4022280" cy="227520"/>
           </a:xfrm>
           <a:prstGeom prst="rect">
             <a:avLst/>
@@ -4618,14 +6410,14 @@
       </p:sp>
       <p:sp>
         <p:nvSpPr>
-          <p:cNvPr id="305" name="Shape 10"/>
+          <p:cNvPr id="343" name="Shape 10"/>
           <p:cNvSpPr/>
           <p:nvPr/>
         </p:nvSpPr>
         <p:spPr>
           <a:xfrm>
             <a:off x="4754880" y="1828800"/>
-            <a:ext cx="822240" cy="365040"/>
+            <a:ext cx="821880" cy="364680"/>
           </a:xfrm>
           <a:prstGeom prst="rect">
             <a:avLst/>
@@ -4646,14 +6438,14 @@
       </p:sp>
       <p:sp>
         <p:nvSpPr>
-          <p:cNvPr id="306" name="Text 11"/>
+          <p:cNvPr id="344" name="Text 11"/>
           <p:cNvSpPr/>
           <p:nvPr/>
         </p:nvSpPr>
         <p:spPr>
           <a:xfrm>
             <a:off x="4754880" y="1874520"/>
-            <a:ext cx="822240" cy="273600"/>
+            <a:ext cx="821880" cy="273240"/>
           </a:xfrm>
           <a:prstGeom prst="rect">
             <a:avLst/>
@@ -4701,14 +6493,14 @@
       </p:sp>
       <p:sp>
         <p:nvSpPr>
-          <p:cNvPr id="307" name="Text 12"/>
+          <p:cNvPr id="345" name="Text 12"/>
           <p:cNvSpPr/>
           <p:nvPr/>
         </p:nvSpPr>
         <p:spPr>
           <a:xfrm>
             <a:off x="5669280" y="1874520"/>
-            <a:ext cx="456480" cy="273600"/>
+            <a:ext cx="456120" cy="273240"/>
           </a:xfrm>
           <a:prstGeom prst="rect">
             <a:avLst/>
@@ -4756,14 +6548,14 @@
       </p:sp>
       <p:sp>
         <p:nvSpPr>
-          <p:cNvPr id="308" name="Shape 13"/>
+          <p:cNvPr id="346" name="Shape 13"/>
           <p:cNvSpPr/>
           <p:nvPr/>
         </p:nvSpPr>
         <p:spPr>
           <a:xfrm>
             <a:off x="6217920" y="1828800"/>
-            <a:ext cx="822240" cy="365040"/>
+            <a:ext cx="821880" cy="364680"/>
           </a:xfrm>
           <a:prstGeom prst="rect">
             <a:avLst/>
@@ -4784,14 +6576,14 @@
       </p:sp>
       <p:sp>
         <p:nvSpPr>
-          <p:cNvPr id="309" name="Text 14"/>
+          <p:cNvPr id="347" name="Text 14"/>
           <p:cNvSpPr/>
           <p:nvPr/>
         </p:nvSpPr>
         <p:spPr>
           <a:xfrm>
             <a:off x="6217920" y="1874520"/>
-            <a:ext cx="822240" cy="273600"/>
+            <a:ext cx="821880" cy="273240"/>
           </a:xfrm>
           <a:prstGeom prst="rect">
             <a:avLst/>
@@ -4839,14 +6631,14 @@
       </p:sp>
       <p:sp>
         <p:nvSpPr>
-          <p:cNvPr id="310" name="Text 15"/>
+          <p:cNvPr id="348" name="Text 15"/>
           <p:cNvSpPr/>
           <p:nvPr/>
         </p:nvSpPr>
         <p:spPr>
           <a:xfrm>
             <a:off x="7132320" y="1874520"/>
-            <a:ext cx="273600" cy="273600"/>
+            <a:ext cx="273240" cy="273240"/>
           </a:xfrm>
           <a:prstGeom prst="rect">
             <a:avLst/>
@@ -4894,14 +6686,14 @@
       </p:sp>
       <p:sp>
         <p:nvSpPr>
-          <p:cNvPr id="311" name="Shape 16"/>
+          <p:cNvPr id="349" name="Shape 16"/>
           <p:cNvSpPr/>
           <p:nvPr/>
         </p:nvSpPr>
         <p:spPr>
           <a:xfrm>
             <a:off x="7498080" y="1828800"/>
-            <a:ext cx="822240" cy="365040"/>
+            <a:ext cx="821880" cy="364680"/>
           </a:xfrm>
           <a:prstGeom prst="rect">
             <a:avLst/>
@@ -4925,14 +6717,14 @@
       </p:sp>
       <p:sp>
         <p:nvSpPr>
-          <p:cNvPr id="312" name="Text 17"/>
+          <p:cNvPr id="350" name="Text 17"/>
           <p:cNvSpPr/>
           <p:nvPr/>
         </p:nvSpPr>
         <p:spPr>
           <a:xfrm>
             <a:off x="7498080" y="1874520"/>
-            <a:ext cx="822240" cy="273600"/>
+            <a:ext cx="821880" cy="273240"/>
           </a:xfrm>
           <a:prstGeom prst="rect">
             <a:avLst/>
@@ -4980,14 +6772,14 @@
       </p:sp>
       <p:sp>
         <p:nvSpPr>
-          <p:cNvPr id="313" name="Shape 18"/>
+          <p:cNvPr id="351" name="Shape 18"/>
           <p:cNvSpPr/>
           <p:nvPr/>
         </p:nvSpPr>
         <p:spPr>
           <a:xfrm>
             <a:off x="4754880" y="2258640"/>
-            <a:ext cx="822240" cy="365040"/>
+            <a:ext cx="821880" cy="364680"/>
           </a:xfrm>
           <a:prstGeom prst="rect">
             <a:avLst/>
@@ -5008,14 +6800,14 @@
       </p:sp>
       <p:sp>
         <p:nvSpPr>
-          <p:cNvPr id="314" name="Text 19"/>
+          <p:cNvPr id="352" name="Text 19"/>
           <p:cNvSpPr/>
           <p:nvPr/>
         </p:nvSpPr>
         <p:spPr>
           <a:xfrm>
             <a:off x="4754880" y="2304360"/>
-            <a:ext cx="822240" cy="273600"/>
+            <a:ext cx="821880" cy="273240"/>
           </a:xfrm>
           <a:prstGeom prst="rect">
             <a:avLst/>
@@ -5063,14 +6855,14 @@
       </p:sp>
       <p:sp>
         <p:nvSpPr>
-          <p:cNvPr id="315" name="Text 20"/>
+          <p:cNvPr id="353" name="Text 20"/>
           <p:cNvSpPr/>
           <p:nvPr/>
         </p:nvSpPr>
         <p:spPr>
           <a:xfrm>
             <a:off x="5669280" y="2304360"/>
-            <a:ext cx="456480" cy="273600"/>
+            <a:ext cx="456120" cy="273240"/>
           </a:xfrm>
           <a:prstGeom prst="rect">
             <a:avLst/>
@@ -5118,14 +6910,14 @@
       </p:sp>
       <p:sp>
         <p:nvSpPr>
-          <p:cNvPr id="316" name="Shape 21"/>
+          <p:cNvPr id="354" name="Shape 21"/>
           <p:cNvSpPr/>
           <p:nvPr/>
         </p:nvSpPr>
         <p:spPr>
           <a:xfrm>
             <a:off x="6217920" y="2258640"/>
-            <a:ext cx="822240" cy="365040"/>
+            <a:ext cx="821880" cy="364680"/>
           </a:xfrm>
           <a:prstGeom prst="rect">
             <a:avLst/>
@@ -5146,14 +6938,14 @@
       </p:sp>
       <p:sp>
         <p:nvSpPr>
-          <p:cNvPr id="317" name="Text 22"/>
+          <p:cNvPr id="355" name="Text 22"/>
           <p:cNvSpPr/>
           <p:nvPr/>
         </p:nvSpPr>
         <p:spPr>
           <a:xfrm>
             <a:off x="6217920" y="2304360"/>
-            <a:ext cx="822240" cy="273600"/>
+            <a:ext cx="821880" cy="273240"/>
           </a:xfrm>
           <a:prstGeom prst="rect">
             <a:avLst/>
@@ -5201,14 +6993,14 @@
       </p:sp>
       <p:sp>
         <p:nvSpPr>
-          <p:cNvPr id="318" name="Text 23"/>
+          <p:cNvPr id="356" name="Text 23"/>
           <p:cNvSpPr/>
           <p:nvPr/>
         </p:nvSpPr>
         <p:spPr>
           <a:xfrm>
             <a:off x="7132320" y="2304360"/>
-            <a:ext cx="273600" cy="273600"/>
+            <a:ext cx="273240" cy="273240"/>
           </a:xfrm>
           <a:prstGeom prst="rect">
             <a:avLst/>
@@ -5256,14 +7048,14 @@
       </p:sp>
       <p:sp>
         <p:nvSpPr>
-          <p:cNvPr id="319" name="Shape 24"/>
+          <p:cNvPr id="357" name="Shape 24"/>
           <p:cNvSpPr/>
           <p:nvPr/>
         </p:nvSpPr>
         <p:spPr>
           <a:xfrm>
             <a:off x="7498080" y="2258640"/>
-            <a:ext cx="822240" cy="365040"/>
+            <a:ext cx="821880" cy="364680"/>
           </a:xfrm>
           <a:prstGeom prst="rect">
             <a:avLst/>
@@ -5287,14 +7079,14 @@
       </p:sp>
       <p:sp>
         <p:nvSpPr>
-          <p:cNvPr id="320" name="Text 25"/>
+          <p:cNvPr id="358" name="Text 25"/>
           <p:cNvSpPr/>
           <p:nvPr/>
         </p:nvSpPr>
         <p:spPr>
           <a:xfrm>
             <a:off x="7498080" y="2304360"/>
-            <a:ext cx="822240" cy="273600"/>
+            <a:ext cx="821880" cy="273240"/>
           </a:xfrm>
           <a:prstGeom prst="rect">
             <a:avLst/>
@@ -5342,14 +7134,14 @@
       </p:sp>
       <p:sp>
         <p:nvSpPr>
-          <p:cNvPr id="321" name="Shape 26"/>
+          <p:cNvPr id="359" name="Shape 26"/>
           <p:cNvSpPr/>
           <p:nvPr/>
         </p:nvSpPr>
         <p:spPr>
           <a:xfrm>
             <a:off x="4754880" y="2688480"/>
-            <a:ext cx="822240" cy="365040"/>
+            <a:ext cx="821880" cy="364680"/>
           </a:xfrm>
           <a:prstGeom prst="rect">
             <a:avLst/>
@@ -5370,14 +7162,14 @@
       </p:sp>
       <p:sp>
         <p:nvSpPr>
-          <p:cNvPr id="322" name="Text 27"/>
+          <p:cNvPr id="360" name="Text 27"/>
           <p:cNvSpPr/>
           <p:nvPr/>
         </p:nvSpPr>
         <p:spPr>
           <a:xfrm>
             <a:off x="4754880" y="2734200"/>
-            <a:ext cx="822240" cy="273600"/>
+            <a:ext cx="821880" cy="273240"/>
           </a:xfrm>
           <a:prstGeom prst="rect">
             <a:avLst/>
@@ -5425,14 +7217,14 @@
       </p:sp>
       <p:sp>
         <p:nvSpPr>
-          <p:cNvPr id="323" name="Text 28"/>
+          <p:cNvPr id="361" name="Text 28"/>
           <p:cNvSpPr/>
           <p:nvPr/>
         </p:nvSpPr>
         <p:spPr>
           <a:xfrm>
             <a:off x="5669280" y="2734200"/>
-            <a:ext cx="456480" cy="273600"/>
+            <a:ext cx="456120" cy="273240"/>
           </a:xfrm>
           <a:prstGeom prst="rect">
             <a:avLst/>
@@ -5480,14 +7272,14 @@
       </p:sp>
       <p:sp>
         <p:nvSpPr>
-          <p:cNvPr id="324" name="Shape 29"/>
+          <p:cNvPr id="362" name="Shape 29"/>
           <p:cNvSpPr/>
           <p:nvPr/>
         </p:nvSpPr>
         <p:spPr>
           <a:xfrm>
             <a:off x="6217920" y="2688480"/>
-            <a:ext cx="822240" cy="365040"/>
+            <a:ext cx="821880" cy="364680"/>
           </a:xfrm>
           <a:prstGeom prst="rect">
             <a:avLst/>
@@ -5508,14 +7300,14 @@
       </p:sp>
       <p:sp>
         <p:nvSpPr>
-          <p:cNvPr id="325" name="Text 30"/>
+          <p:cNvPr id="363" name="Text 30"/>
           <p:cNvSpPr/>
           <p:nvPr/>
         </p:nvSpPr>
         <p:spPr>
           <a:xfrm>
             <a:off x="6217920" y="2734200"/>
-            <a:ext cx="822240" cy="273600"/>
+            <a:ext cx="821880" cy="273240"/>
           </a:xfrm>
           <a:prstGeom prst="rect">
             <a:avLst/>
@@ -5563,14 +7355,14 @@
       </p:sp>
       <p:sp>
         <p:nvSpPr>
-          <p:cNvPr id="326" name="Text 31"/>
+          <p:cNvPr id="364" name="Text 31"/>
           <p:cNvSpPr/>
           <p:nvPr/>
         </p:nvSpPr>
         <p:spPr>
           <a:xfrm>
             <a:off x="7132320" y="2734200"/>
-            <a:ext cx="273600" cy="273600"/>
+            <a:ext cx="273240" cy="273240"/>
           </a:xfrm>
           <a:prstGeom prst="rect">
             <a:avLst/>
@@ -5618,14 +7410,14 @@
       </p:sp>
       <p:sp>
         <p:nvSpPr>
-          <p:cNvPr id="327" name="Shape 32"/>
+          <p:cNvPr id="365" name="Shape 32"/>
           <p:cNvSpPr/>
           <p:nvPr/>
         </p:nvSpPr>
         <p:spPr>
           <a:xfrm>
             <a:off x="7498080" y="2688480"/>
-            <a:ext cx="822240" cy="365040"/>
+            <a:ext cx="821880" cy="364680"/>
           </a:xfrm>
           <a:prstGeom prst="rect">
             <a:avLst/>
@@ -5649,14 +7441,14 @@
       </p:sp>
       <p:sp>
         <p:nvSpPr>
-          <p:cNvPr id="328" name="Text 33"/>
+          <p:cNvPr id="366" name="Text 33"/>
           <p:cNvSpPr/>
           <p:nvPr/>
         </p:nvSpPr>
         <p:spPr>
           <a:xfrm>
             <a:off x="7498080" y="2734200"/>
-            <a:ext cx="822240" cy="273600"/>
+            <a:ext cx="821880" cy="273240"/>
           </a:xfrm>
           <a:prstGeom prst="rect">
             <a:avLst/>
@@ -5704,14 +7496,14 @@
       </p:sp>
       <p:sp>
         <p:nvSpPr>
-          <p:cNvPr id="329" name="Shape 34"/>
+          <p:cNvPr id="367" name="Shape 34"/>
           <p:cNvSpPr/>
           <p:nvPr/>
         </p:nvSpPr>
         <p:spPr>
           <a:xfrm>
             <a:off x="4754880" y="3117960"/>
-            <a:ext cx="822240" cy="365040"/>
+            <a:ext cx="821880" cy="364680"/>
           </a:xfrm>
           <a:prstGeom prst="rect">
             <a:avLst/>
@@ -5732,14 +7524,14 @@
       </p:sp>
       <p:sp>
         <p:nvSpPr>
-          <p:cNvPr id="330" name="Text 35"/>
+          <p:cNvPr id="368" name="Text 35"/>
           <p:cNvSpPr/>
           <p:nvPr/>
         </p:nvSpPr>
         <p:spPr>
           <a:xfrm>
             <a:off x="4754880" y="3163680"/>
-            <a:ext cx="822240" cy="273600"/>
+            <a:ext cx="821880" cy="273240"/>
           </a:xfrm>
           <a:prstGeom prst="rect">
             <a:avLst/>
@@ -5787,14 +7579,14 @@
       </p:sp>
       <p:sp>
         <p:nvSpPr>
-          <p:cNvPr id="331" name="Text 36"/>
+          <p:cNvPr id="369" name="Text 36"/>
           <p:cNvSpPr/>
           <p:nvPr/>
         </p:nvSpPr>
         <p:spPr>
           <a:xfrm>
             <a:off x="5669280" y="3163680"/>
-            <a:ext cx="456480" cy="273600"/>
+            <a:ext cx="456120" cy="273240"/>
           </a:xfrm>
           <a:prstGeom prst="rect">
             <a:avLst/>
@@ -5842,14 +7634,14 @@
       </p:sp>
       <p:sp>
         <p:nvSpPr>
-          <p:cNvPr id="332" name="Shape 37"/>
+          <p:cNvPr id="370" name="Shape 37"/>
           <p:cNvSpPr/>
           <p:nvPr/>
         </p:nvSpPr>
         <p:spPr>
           <a:xfrm>
             <a:off x="6217920" y="3117960"/>
-            <a:ext cx="822240" cy="365040"/>
+            <a:ext cx="821880" cy="364680"/>
           </a:xfrm>
           <a:prstGeom prst="rect">
             <a:avLst/>
@@ -5870,14 +7662,14 @@
       </p:sp>
       <p:sp>
         <p:nvSpPr>
-          <p:cNvPr id="333" name="Text 38"/>
+          <p:cNvPr id="371" name="Text 38"/>
           <p:cNvSpPr/>
           <p:nvPr/>
         </p:nvSpPr>
         <p:spPr>
           <a:xfrm>
             <a:off x="6217920" y="3163680"/>
-            <a:ext cx="822240" cy="273600"/>
+            <a:ext cx="821880" cy="273240"/>
           </a:xfrm>
           <a:prstGeom prst="rect">
             <a:avLst/>
@@ -5925,14 +7717,14 @@
       </p:sp>
       <p:sp>
         <p:nvSpPr>
-          <p:cNvPr id="334" name="Text 39"/>
+          <p:cNvPr id="372" name="Text 39"/>
           <p:cNvSpPr/>
           <p:nvPr/>
         </p:nvSpPr>
         <p:spPr>
           <a:xfrm>
             <a:off x="7132320" y="3163680"/>
-            <a:ext cx="273600" cy="273600"/>
+            <a:ext cx="273240" cy="273240"/>
           </a:xfrm>
           <a:prstGeom prst="rect">
             <a:avLst/>
@@ -5980,14 +7772,14 @@
       </p:sp>
       <p:sp>
         <p:nvSpPr>
-          <p:cNvPr id="335" name="Shape 40"/>
+          <p:cNvPr id="373" name="Shape 40"/>
           <p:cNvSpPr/>
           <p:nvPr/>
         </p:nvSpPr>
         <p:spPr>
           <a:xfrm>
             <a:off x="7498080" y="3117960"/>
-            <a:ext cx="822240" cy="365040"/>
+            <a:ext cx="821880" cy="364680"/>
           </a:xfrm>
           <a:prstGeom prst="rect">
             <a:avLst/>
@@ -6011,14 +7803,14 @@
       </p:sp>
       <p:sp>
         <p:nvSpPr>
-          <p:cNvPr id="336" name="Text 41"/>
+          <p:cNvPr id="374" name="Text 41"/>
           <p:cNvSpPr/>
           <p:nvPr/>
         </p:nvSpPr>
         <p:spPr>
           <a:xfrm>
             <a:off x="7498080" y="3163680"/>
-            <a:ext cx="822240" cy="273600"/>
+            <a:ext cx="821880" cy="273240"/>
           </a:xfrm>
           <a:prstGeom prst="rect">
             <a:avLst/>
@@ -6066,14 +7858,14 @@
       </p:sp>
       <p:sp>
         <p:nvSpPr>
-          <p:cNvPr id="337" name="Shape 42"/>
+          <p:cNvPr id="375" name="Shape 42"/>
           <p:cNvSpPr/>
           <p:nvPr/>
         </p:nvSpPr>
         <p:spPr>
           <a:xfrm>
             <a:off x="900000" y="3780000"/>
-            <a:ext cx="7314480" cy="456480"/>
+            <a:ext cx="7314120" cy="456120"/>
           </a:xfrm>
           <a:prstGeom prst="rect">
             <a:avLst/>
@@ -6094,14 +7886,14 @@
       </p:sp>
       <p:sp>
         <p:nvSpPr>
-          <p:cNvPr id="338" name="Text 43"/>
+          <p:cNvPr id="376" name="Text 43"/>
           <p:cNvSpPr/>
           <p:nvPr/>
         </p:nvSpPr>
         <p:spPr>
           <a:xfrm>
             <a:off x="1980000" y="3949200"/>
-            <a:ext cx="5220000" cy="190800"/>
+            <a:ext cx="5219640" cy="190440"/>
           </a:xfrm>
           <a:prstGeom prst="rect">
             <a:avLst/>
@@ -6149,14 +7941,14 @@
       </p:sp>
       <p:sp>
         <p:nvSpPr>
-          <p:cNvPr id="339" name="Shape 44"/>
+          <p:cNvPr id="377" name="Shape 44"/>
           <p:cNvSpPr/>
           <p:nvPr/>
         </p:nvSpPr>
         <p:spPr>
           <a:xfrm>
             <a:off x="2340000" y="4449240"/>
-            <a:ext cx="1279440" cy="410760"/>
+            <a:ext cx="1279080" cy="410400"/>
           </a:xfrm>
           <a:prstGeom prst="rect">
             <a:avLst/>
@@ -6180,14 +7972,14 @@
       </p:sp>
       <p:sp>
         <p:nvSpPr>
-          <p:cNvPr id="340" name="Text 45"/>
+          <p:cNvPr id="378" name="Text 45"/>
           <p:cNvSpPr/>
           <p:nvPr/>
         </p:nvSpPr>
         <p:spPr>
           <a:xfrm>
             <a:off x="2340000" y="4494960"/>
-            <a:ext cx="1279440" cy="319320"/>
+            <a:ext cx="1279080" cy="318960"/>
           </a:xfrm>
           <a:prstGeom prst="rect">
             <a:avLst/>
@@ -6235,14 +8027,14 @@
       </p:sp>
       <p:sp>
         <p:nvSpPr>
-          <p:cNvPr id="341" name="Text 46"/>
+          <p:cNvPr id="379" name="Text 46"/>
           <p:cNvSpPr/>
           <p:nvPr/>
         </p:nvSpPr>
         <p:spPr>
           <a:xfrm>
             <a:off x="3711600" y="4494960"/>
-            <a:ext cx="547920" cy="319320"/>
+            <a:ext cx="547560" cy="318960"/>
           </a:xfrm>
           <a:prstGeom prst="rect">
             <a:avLst/>
@@ -6290,14 +8082,14 @@
       </p:sp>
       <p:sp>
         <p:nvSpPr>
-          <p:cNvPr id="342" name="Shape 47"/>
+          <p:cNvPr id="380" name="Shape 47"/>
           <p:cNvSpPr/>
           <p:nvPr/>
         </p:nvSpPr>
         <p:spPr>
           <a:xfrm>
             <a:off x="4351680" y="4604760"/>
-            <a:ext cx="365040" cy="136440"/>
+            <a:ext cx="364680" cy="136080"/>
           </a:xfrm>
           <a:prstGeom prst="rightArrow">
             <a:avLst>
@@ -6321,14 +8113,14 @@
       </p:sp>
       <p:sp>
         <p:nvSpPr>
-          <p:cNvPr id="343" name="Shape 48"/>
+          <p:cNvPr id="381" name="Shape 48"/>
           <p:cNvSpPr/>
           <p:nvPr/>
         </p:nvSpPr>
         <p:spPr>
           <a:xfrm>
             <a:off x="4808880" y="4449240"/>
-            <a:ext cx="1279440" cy="410760"/>
+            <a:ext cx="1279080" cy="410400"/>
           </a:xfrm>
           <a:prstGeom prst="rect">
             <a:avLst/>
@@ -6352,14 +8144,14 @@
       </p:sp>
       <p:sp>
         <p:nvSpPr>
-          <p:cNvPr id="344" name="Text 49"/>
+          <p:cNvPr id="382" name="Text 49"/>
           <p:cNvSpPr/>
           <p:nvPr/>
         </p:nvSpPr>
         <p:spPr>
           <a:xfrm>
             <a:off x="4808880" y="4494960"/>
-            <a:ext cx="1279440" cy="319320"/>
+            <a:ext cx="1279080" cy="318960"/>
           </a:xfrm>
           <a:prstGeom prst="rect">
             <a:avLst/>
@@ -6444,14 +8236,14 @@
       </p:grpSpPr>
       <p:sp>
         <p:nvSpPr>
-          <p:cNvPr id="345" name="Text 0"/>
+          <p:cNvPr id="383" name="Text 0"/>
           <p:cNvSpPr/>
           <p:nvPr/>
         </p:nvSpPr>
         <p:spPr>
           <a:xfrm>
             <a:off x="457200" y="274320"/>
-            <a:ext cx="8228880" cy="456480"/>
+            <a:ext cx="8228520" cy="456120"/>
           </a:xfrm>
           <a:prstGeom prst="rect">
             <a:avLst/>
@@ -6499,14 +8291,14 @@
       </p:sp>
       <p:sp>
         <p:nvSpPr>
-          <p:cNvPr id="346" name="Shape 1"/>
+          <p:cNvPr id="384" name="Shape 1"/>
           <p:cNvSpPr/>
           <p:nvPr/>
         </p:nvSpPr>
         <p:spPr>
           <a:xfrm>
             <a:off x="914400" y="868680"/>
-            <a:ext cx="7314480" cy="639360"/>
+            <a:ext cx="7314120" cy="639000"/>
           </a:xfrm>
           <a:prstGeom prst="rect">
             <a:avLst/>
@@ -6530,14 +8322,14 @@
       </p:sp>
       <p:sp>
         <p:nvSpPr>
-          <p:cNvPr id="347" name="Text 2"/>
+          <p:cNvPr id="385" name="Text 2"/>
           <p:cNvSpPr/>
           <p:nvPr/>
         </p:nvSpPr>
         <p:spPr>
           <a:xfrm>
             <a:off x="1097280" y="960120"/>
-            <a:ext cx="6948720" cy="456480"/>
+            <a:ext cx="6948360" cy="456120"/>
           </a:xfrm>
           <a:prstGeom prst="rect">
             <a:avLst/>
@@ -6609,14 +8401,14 @@
       </p:sp>
       <p:sp>
         <p:nvSpPr>
-          <p:cNvPr id="348" name="Shape 3"/>
+          <p:cNvPr id="386" name="Shape 3"/>
           <p:cNvSpPr/>
           <p:nvPr/>
         </p:nvSpPr>
         <p:spPr>
           <a:xfrm>
             <a:off x="914400" y="1691640"/>
-            <a:ext cx="3656880" cy="456480"/>
+            <a:ext cx="3656520" cy="456120"/>
           </a:xfrm>
           <a:prstGeom prst="rect">
             <a:avLst/>
@@ -6637,14 +8429,14 @@
       </p:sp>
       <p:sp>
         <p:nvSpPr>
-          <p:cNvPr id="349" name="Text 4"/>
+          <p:cNvPr id="387" name="Text 4"/>
           <p:cNvSpPr/>
           <p:nvPr/>
         </p:nvSpPr>
         <p:spPr>
           <a:xfrm>
             <a:off x="914400" y="1737360"/>
-            <a:ext cx="3656880" cy="365040"/>
+            <a:ext cx="3656520" cy="364680"/>
           </a:xfrm>
           <a:prstGeom prst="rect">
             <a:avLst/>
@@ -6702,14 +8494,14 @@
       </p:sp>
       <p:sp>
         <p:nvSpPr>
-          <p:cNvPr id="350" name="Shape 5"/>
+          <p:cNvPr id="388" name="Shape 5"/>
           <p:cNvSpPr/>
           <p:nvPr/>
         </p:nvSpPr>
         <p:spPr>
           <a:xfrm>
             <a:off x="914400" y="2240280"/>
-            <a:ext cx="3656880" cy="1828080"/>
+            <a:ext cx="3656520" cy="1827720"/>
           </a:xfrm>
           <a:prstGeom prst="rect">
             <a:avLst/>
@@ -6730,14 +8522,14 @@
       </p:sp>
       <p:sp>
         <p:nvSpPr>
-          <p:cNvPr id="351" name="Text 6"/>
+          <p:cNvPr id="389" name="Text 6"/>
           <p:cNvSpPr/>
           <p:nvPr/>
         </p:nvSpPr>
         <p:spPr>
           <a:xfrm>
             <a:off x="1097280" y="2377440"/>
-            <a:ext cx="3291120" cy="1553760"/>
+            <a:ext cx="3290760" cy="1553400"/>
           </a:xfrm>
           <a:prstGeom prst="rect">
             <a:avLst/>
@@ -6929,14 +8721,14 @@
       </p:sp>
       <p:sp>
         <p:nvSpPr>
-          <p:cNvPr id="352" name="Text 7"/>
+          <p:cNvPr id="390" name="Text 7"/>
           <p:cNvSpPr/>
           <p:nvPr/>
         </p:nvSpPr>
         <p:spPr>
           <a:xfrm>
             <a:off x="1097280" y="4160520"/>
-            <a:ext cx="3291120" cy="273600"/>
+            <a:ext cx="3290760" cy="273240"/>
           </a:xfrm>
           <a:prstGeom prst="rect">
             <a:avLst/>
@@ -6994,14 +8786,14 @@
       </p:sp>
       <p:sp>
         <p:nvSpPr>
-          <p:cNvPr id="353" name="Shape 8"/>
+          <p:cNvPr id="391" name="Shape 8"/>
           <p:cNvSpPr/>
           <p:nvPr/>
         </p:nvSpPr>
         <p:spPr>
           <a:xfrm>
             <a:off x="4572000" y="1691640"/>
-            <a:ext cx="3656880" cy="456480"/>
+            <a:ext cx="3656520" cy="456120"/>
           </a:xfrm>
           <a:prstGeom prst="rect">
             <a:avLst/>
@@ -7022,14 +8814,14 @@
       </p:sp>
       <p:sp>
         <p:nvSpPr>
-          <p:cNvPr id="354" name="Text 9"/>
+          <p:cNvPr id="392" name="Text 9"/>
           <p:cNvSpPr/>
           <p:nvPr/>
         </p:nvSpPr>
         <p:spPr>
           <a:xfrm>
             <a:off x="4572000" y="1737360"/>
-            <a:ext cx="3656880" cy="365040"/>
+            <a:ext cx="3656520" cy="364680"/>
           </a:xfrm>
           <a:prstGeom prst="rect">
             <a:avLst/>
@@ -7087,14 +8879,14 @@
       </p:sp>
       <p:sp>
         <p:nvSpPr>
-          <p:cNvPr id="355" name="Shape 10"/>
+          <p:cNvPr id="393" name="Shape 10"/>
           <p:cNvSpPr/>
           <p:nvPr/>
         </p:nvSpPr>
         <p:spPr>
           <a:xfrm>
             <a:off x="4572000" y="2240280"/>
-            <a:ext cx="3656880" cy="1828080"/>
+            <a:ext cx="3656520" cy="1827720"/>
           </a:xfrm>
           <a:prstGeom prst="rect">
             <a:avLst/>
@@ -7115,14 +8907,14 @@
       </p:sp>
       <p:sp>
         <p:nvSpPr>
-          <p:cNvPr id="356" name="Text 11"/>
+          <p:cNvPr id="394" name="Text 11"/>
           <p:cNvSpPr/>
           <p:nvPr/>
         </p:nvSpPr>
         <p:spPr>
           <a:xfrm>
             <a:off x="4754880" y="2377440"/>
-            <a:ext cx="3291120" cy="1553760"/>
+            <a:ext cx="3290760" cy="1553400"/>
           </a:xfrm>
           <a:prstGeom prst="rect">
             <a:avLst/>
@@ -7304,14 +9096,14 @@
       </p:sp>
       <p:sp>
         <p:nvSpPr>
-          <p:cNvPr id="357" name="Shape 12"/>
+          <p:cNvPr id="395" name="Shape 12"/>
           <p:cNvSpPr/>
           <p:nvPr/>
         </p:nvSpPr>
         <p:spPr>
           <a:xfrm>
             <a:off x="5029200" y="4160520"/>
-            <a:ext cx="2742480" cy="273600"/>
+            <a:ext cx="2742120" cy="273240"/>
           </a:xfrm>
           <a:prstGeom prst="rect">
             <a:avLst/>
@@ -7332,14 +9124,14 @@
       </p:sp>
       <p:sp>
         <p:nvSpPr>
-          <p:cNvPr id="358" name="Text 13"/>
+          <p:cNvPr id="396" name="Text 13"/>
           <p:cNvSpPr/>
           <p:nvPr/>
         </p:nvSpPr>
         <p:spPr>
           <a:xfrm>
             <a:off x="5029200" y="4187880"/>
-            <a:ext cx="2742480" cy="227880"/>
+            <a:ext cx="2742120" cy="227520"/>
           </a:xfrm>
           <a:prstGeom prst="rect">
             <a:avLst/>
@@ -7424,14 +9216,14 @@
       </p:grpSpPr>
       <p:sp>
         <p:nvSpPr>
-          <p:cNvPr id="359" name="Text 0"/>
+          <p:cNvPr id="397" name="Text 0"/>
           <p:cNvSpPr/>
           <p:nvPr/>
         </p:nvSpPr>
         <p:spPr>
           <a:xfrm>
             <a:off x="457200" y="457200"/>
-            <a:ext cx="8228880" cy="547920"/>
+            <a:ext cx="8228520" cy="547560"/>
           </a:xfrm>
           <a:prstGeom prst="rect">
             <a:avLst/>
@@ -7479,14 +9271,14 @@
       </p:sp>
       <p:sp>
         <p:nvSpPr>
-          <p:cNvPr id="360" name="Shape 1"/>
+          <p:cNvPr id="398" name="Shape 1"/>
           <p:cNvSpPr/>
           <p:nvPr/>
         </p:nvSpPr>
         <p:spPr>
           <a:xfrm>
             <a:off x="1097280" y="1252800"/>
-            <a:ext cx="319320" cy="319320"/>
+            <a:ext cx="318960" cy="318960"/>
           </a:xfrm>
           <a:prstGeom prst="ellipse">
             <a:avLst/>
@@ -7507,14 +9299,14 @@
       </p:sp>
       <p:sp>
         <p:nvSpPr>
-          <p:cNvPr id="361" name="Text 2"/>
+          <p:cNvPr id="399" name="Text 2"/>
           <p:cNvSpPr/>
           <p:nvPr/>
         </p:nvSpPr>
         <p:spPr>
           <a:xfrm>
             <a:off x="1097280" y="1252800"/>
-            <a:ext cx="319320" cy="319320"/>
+            <a:ext cx="318960" cy="318960"/>
           </a:xfrm>
           <a:prstGeom prst="rect">
             <a:avLst/>
@@ -7562,14 +9354,14 @@
       </p:sp>
       <p:sp>
         <p:nvSpPr>
-          <p:cNvPr id="362" name="Text 3"/>
+          <p:cNvPr id="400" name="Text 3"/>
           <p:cNvSpPr/>
           <p:nvPr/>
         </p:nvSpPr>
         <p:spPr>
           <a:xfrm>
             <a:off x="1554480" y="1280160"/>
-            <a:ext cx="6217200" cy="273600"/>
+            <a:ext cx="6216840" cy="273240"/>
           </a:xfrm>
           <a:prstGeom prst="rect">
             <a:avLst/>
@@ -7617,14 +9409,14 @@
       </p:sp>
       <p:sp>
         <p:nvSpPr>
-          <p:cNvPr id="363" name="Shape 4"/>
+          <p:cNvPr id="401" name="Shape 4"/>
           <p:cNvSpPr/>
           <p:nvPr/>
         </p:nvSpPr>
         <p:spPr>
           <a:xfrm>
             <a:off x="1097280" y="1618560"/>
-            <a:ext cx="319320" cy="319320"/>
+            <a:ext cx="318960" cy="318960"/>
           </a:xfrm>
           <a:prstGeom prst="ellipse">
             <a:avLst/>
@@ -7645,14 +9437,14 @@
       </p:sp>
       <p:sp>
         <p:nvSpPr>
-          <p:cNvPr id="364" name="Text 5"/>
+          <p:cNvPr id="402" name="Text 5"/>
           <p:cNvSpPr/>
           <p:nvPr/>
         </p:nvSpPr>
         <p:spPr>
           <a:xfrm>
             <a:off x="1097280" y="1618560"/>
-            <a:ext cx="319320" cy="319320"/>
+            <a:ext cx="318960" cy="318960"/>
           </a:xfrm>
           <a:prstGeom prst="rect">
             <a:avLst/>
@@ -7700,14 +9492,14 @@
       </p:sp>
       <p:sp>
         <p:nvSpPr>
-          <p:cNvPr id="365" name="Text 6"/>
+          <p:cNvPr id="403" name="Text 6"/>
           <p:cNvSpPr/>
           <p:nvPr/>
         </p:nvSpPr>
         <p:spPr>
           <a:xfrm>
             <a:off x="1554480" y="1645920"/>
-            <a:ext cx="6217200" cy="273600"/>
+            <a:ext cx="6216840" cy="273240"/>
           </a:xfrm>
           <a:prstGeom prst="rect">
             <a:avLst/>
@@ -7755,14 +9547,14 @@
       </p:sp>
       <p:sp>
         <p:nvSpPr>
-          <p:cNvPr id="366" name="Shape 7"/>
+          <p:cNvPr id="404" name="Shape 7"/>
           <p:cNvSpPr/>
           <p:nvPr/>
         </p:nvSpPr>
         <p:spPr>
           <a:xfrm>
             <a:off x="1097280" y="1984320"/>
-            <a:ext cx="319320" cy="319320"/>
+            <a:ext cx="318960" cy="318960"/>
           </a:xfrm>
           <a:prstGeom prst="ellipse">
             <a:avLst/>
@@ -7783,14 +9575,14 @@
       </p:sp>
       <p:sp>
         <p:nvSpPr>
-          <p:cNvPr id="367" name="Text 8"/>
+          <p:cNvPr id="405" name="Text 8"/>
           <p:cNvSpPr/>
           <p:nvPr/>
         </p:nvSpPr>
         <p:spPr>
           <a:xfrm>
             <a:off x="1097280" y="1984320"/>
-            <a:ext cx="319320" cy="319320"/>
+            <a:ext cx="318960" cy="318960"/>
           </a:xfrm>
           <a:prstGeom prst="rect">
             <a:avLst/>
@@ -7838,14 +9630,14 @@
       </p:sp>
       <p:sp>
         <p:nvSpPr>
-          <p:cNvPr id="368" name="Text 9"/>
+          <p:cNvPr id="406" name="Text 9"/>
           <p:cNvSpPr/>
           <p:nvPr/>
         </p:nvSpPr>
         <p:spPr>
           <a:xfrm>
             <a:off x="1554480" y="2011680"/>
-            <a:ext cx="6217200" cy="273600"/>
+            <a:ext cx="6216840" cy="273240"/>
           </a:xfrm>
           <a:prstGeom prst="rect">
             <a:avLst/>
@@ -7893,14 +9685,14 @@
       </p:sp>
       <p:sp>
         <p:nvSpPr>
-          <p:cNvPr id="369" name="Shape 10"/>
+          <p:cNvPr id="407" name="Shape 10"/>
           <p:cNvSpPr/>
           <p:nvPr/>
         </p:nvSpPr>
         <p:spPr>
           <a:xfrm>
             <a:off x="1097280" y="2350080"/>
-            <a:ext cx="319320" cy="319320"/>
+            <a:ext cx="318960" cy="318960"/>
           </a:xfrm>
           <a:prstGeom prst="ellipse">
             <a:avLst/>
@@ -7921,14 +9713,14 @@
       </p:sp>
       <p:sp>
         <p:nvSpPr>
-          <p:cNvPr id="370" name="Text 11"/>
+          <p:cNvPr id="408" name="Text 11"/>
           <p:cNvSpPr/>
           <p:nvPr/>
         </p:nvSpPr>
         <p:spPr>
           <a:xfrm>
             <a:off x="1097280" y="2350080"/>
-            <a:ext cx="319320" cy="319320"/>
+            <a:ext cx="318960" cy="318960"/>
           </a:xfrm>
           <a:prstGeom prst="rect">
             <a:avLst/>
@@ -7976,14 +9768,14 @@
       </p:sp>
       <p:sp>
         <p:nvSpPr>
-          <p:cNvPr id="371" name="Text 12"/>
+          <p:cNvPr id="409" name="Text 12"/>
           <p:cNvSpPr/>
           <p:nvPr/>
         </p:nvSpPr>
         <p:spPr>
           <a:xfrm>
             <a:off x="1554480" y="2377440"/>
-            <a:ext cx="6217200" cy="273600"/>
+            <a:ext cx="6216840" cy="273240"/>
           </a:xfrm>
           <a:prstGeom prst="rect">
             <a:avLst/>
@@ -8031,14 +9823,14 @@
       </p:sp>
       <p:sp>
         <p:nvSpPr>
-          <p:cNvPr id="372" name="Shape 13"/>
+          <p:cNvPr id="410" name="Shape 13"/>
           <p:cNvSpPr/>
           <p:nvPr/>
         </p:nvSpPr>
         <p:spPr>
           <a:xfrm>
             <a:off x="1097280" y="2715840"/>
-            <a:ext cx="319320" cy="319320"/>
+            <a:ext cx="318960" cy="318960"/>
           </a:xfrm>
           <a:prstGeom prst="ellipse">
             <a:avLst/>
@@ -8059,14 +9851,14 @@
       </p:sp>
       <p:sp>
         <p:nvSpPr>
-          <p:cNvPr id="373" name="Text 14"/>
+          <p:cNvPr id="411" name="Text 14"/>
           <p:cNvSpPr/>
           <p:nvPr/>
         </p:nvSpPr>
         <p:spPr>
           <a:xfrm>
             <a:off x="1097280" y="2715840"/>
-            <a:ext cx="319320" cy="319320"/>
+            <a:ext cx="318960" cy="318960"/>
           </a:xfrm>
           <a:prstGeom prst="rect">
             <a:avLst/>
@@ -8114,14 +9906,14 @@
       </p:sp>
       <p:sp>
         <p:nvSpPr>
-          <p:cNvPr id="374" name="Text 15"/>
+          <p:cNvPr id="412" name="Text 15"/>
           <p:cNvSpPr/>
           <p:nvPr/>
         </p:nvSpPr>
         <p:spPr>
           <a:xfrm>
             <a:off x="1554480" y="2743200"/>
-            <a:ext cx="6217200" cy="273600"/>
+            <a:ext cx="6216840" cy="273240"/>
           </a:xfrm>
           <a:prstGeom prst="rect">
             <a:avLst/>
@@ -8169,14 +9961,14 @@
       </p:sp>
       <p:sp>
         <p:nvSpPr>
-          <p:cNvPr id="375" name="Shape 16"/>
+          <p:cNvPr id="413" name="Shape 16"/>
           <p:cNvSpPr/>
           <p:nvPr/>
         </p:nvSpPr>
         <p:spPr>
           <a:xfrm>
             <a:off x="1097280" y="3081600"/>
-            <a:ext cx="319320" cy="319320"/>
+            <a:ext cx="318960" cy="318960"/>
           </a:xfrm>
           <a:prstGeom prst="ellipse">
             <a:avLst/>
@@ -8197,14 +9989,14 @@
       </p:sp>
       <p:sp>
         <p:nvSpPr>
-          <p:cNvPr id="376" name="Text 17"/>
+          <p:cNvPr id="414" name="Text 17"/>
           <p:cNvSpPr/>
           <p:nvPr/>
         </p:nvSpPr>
         <p:spPr>
           <a:xfrm>
             <a:off x="1097280" y="3081600"/>
-            <a:ext cx="319320" cy="319320"/>
+            <a:ext cx="318960" cy="318960"/>
           </a:xfrm>
           <a:prstGeom prst="rect">
             <a:avLst/>
@@ -8252,14 +10044,14 @@
       </p:sp>
       <p:sp>
         <p:nvSpPr>
-          <p:cNvPr id="377" name="Text 18"/>
+          <p:cNvPr id="415" name="Text 18"/>
           <p:cNvSpPr/>
           <p:nvPr/>
         </p:nvSpPr>
         <p:spPr>
           <a:xfrm>
             <a:off x="1554480" y="3108960"/>
-            <a:ext cx="6217200" cy="273600"/>
+            <a:ext cx="6216840" cy="273240"/>
           </a:xfrm>
           <a:prstGeom prst="rect">
             <a:avLst/>
@@ -8307,14 +10099,14 @@
       </p:sp>
       <p:sp>
         <p:nvSpPr>
-          <p:cNvPr id="378" name="Shape 19"/>
+          <p:cNvPr id="416" name="Shape 19"/>
           <p:cNvSpPr/>
           <p:nvPr/>
         </p:nvSpPr>
         <p:spPr>
           <a:xfrm>
             <a:off x="1097280" y="3447360"/>
-            <a:ext cx="319320" cy="319320"/>
+            <a:ext cx="318960" cy="318960"/>
           </a:xfrm>
           <a:prstGeom prst="ellipse">
             <a:avLst/>
@@ -8335,14 +10127,14 @@
       </p:sp>
       <p:sp>
         <p:nvSpPr>
-          <p:cNvPr id="379" name="Text 20"/>
+          <p:cNvPr id="417" name="Text 20"/>
           <p:cNvSpPr/>
           <p:nvPr/>
         </p:nvSpPr>
         <p:spPr>
           <a:xfrm>
             <a:off x="1097280" y="3447360"/>
-            <a:ext cx="319320" cy="319320"/>
+            <a:ext cx="318960" cy="318960"/>
           </a:xfrm>
           <a:prstGeom prst="rect">
             <a:avLst/>
@@ -8390,14 +10182,14 @@
       </p:sp>
       <p:sp>
         <p:nvSpPr>
-          <p:cNvPr id="380" name="Text 21"/>
+          <p:cNvPr id="418" name="Text 21"/>
           <p:cNvSpPr/>
           <p:nvPr/>
         </p:nvSpPr>
         <p:spPr>
           <a:xfrm>
             <a:off x="1554480" y="3474720"/>
-            <a:ext cx="6217200" cy="273600"/>
+            <a:ext cx="6216840" cy="273240"/>
           </a:xfrm>
           <a:prstGeom prst="rect">
             <a:avLst/>
@@ -8445,14 +10237,14 @@
       </p:sp>
       <p:sp>
         <p:nvSpPr>
-          <p:cNvPr id="381" name="Shape 22"/>
+          <p:cNvPr id="419" name="Shape 22"/>
           <p:cNvSpPr/>
           <p:nvPr/>
         </p:nvSpPr>
         <p:spPr>
           <a:xfrm>
             <a:off x="1097280" y="3813120"/>
-            <a:ext cx="319320" cy="319320"/>
+            <a:ext cx="318960" cy="318960"/>
           </a:xfrm>
           <a:prstGeom prst="ellipse">
             <a:avLst/>
@@ -8473,14 +10265,14 @@
       </p:sp>
       <p:sp>
         <p:nvSpPr>
-          <p:cNvPr id="382" name="Text 23"/>
+          <p:cNvPr id="420" name="Text 23"/>
           <p:cNvSpPr/>
           <p:nvPr/>
         </p:nvSpPr>
         <p:spPr>
           <a:xfrm>
             <a:off x="1097280" y="3813120"/>
-            <a:ext cx="319320" cy="319320"/>
+            <a:ext cx="318960" cy="318960"/>
           </a:xfrm>
           <a:prstGeom prst="rect">
             <a:avLst/>
@@ -8528,14 +10320,14 @@
       </p:sp>
       <p:sp>
         <p:nvSpPr>
-          <p:cNvPr id="383" name="Text 24"/>
+          <p:cNvPr id="421" name="Text 24"/>
           <p:cNvSpPr/>
           <p:nvPr/>
         </p:nvSpPr>
         <p:spPr>
           <a:xfrm>
             <a:off x="1554480" y="3840480"/>
-            <a:ext cx="6217200" cy="273600"/>
+            <a:ext cx="6216840" cy="273240"/>
           </a:xfrm>
           <a:prstGeom prst="rect">
             <a:avLst/>
@@ -8583,14 +10375,14 @@
       </p:sp>
       <p:sp>
         <p:nvSpPr>
-          <p:cNvPr id="384" name="Text 25"/>
+          <p:cNvPr id="422" name="Text 25"/>
           <p:cNvSpPr/>
           <p:nvPr/>
         </p:nvSpPr>
         <p:spPr>
           <a:xfrm>
             <a:off x="457200" y="4114800"/>
-            <a:ext cx="8228880" cy="365040"/>
+            <a:ext cx="8228520" cy="364680"/>
           </a:xfrm>
           <a:prstGeom prst="rect">
             <a:avLst/>
@@ -8675,14 +10467,14 @@
       </p:grpSpPr>
       <p:sp>
         <p:nvSpPr>
-          <p:cNvPr id="47" name="Text 0"/>
+          <p:cNvPr id="85" name="Text 0"/>
           <p:cNvSpPr/>
           <p:nvPr/>
         </p:nvSpPr>
         <p:spPr>
           <a:xfrm>
             <a:off x="457200" y="274320"/>
-            <a:ext cx="8228880" cy="456480"/>
+            <a:ext cx="8228520" cy="456120"/>
           </a:xfrm>
           <a:prstGeom prst="rect">
             <a:avLst/>
@@ -8730,14 +10522,14 @@
       </p:sp>
       <p:sp>
         <p:nvSpPr>
-          <p:cNvPr id="48" name="Shape 1"/>
+          <p:cNvPr id="86" name="Shape 1"/>
           <p:cNvSpPr/>
           <p:nvPr/>
         </p:nvSpPr>
         <p:spPr>
           <a:xfrm>
             <a:off x="914400" y="914400"/>
-            <a:ext cx="7314480" cy="730800"/>
+            <a:ext cx="7314120" cy="730440"/>
           </a:xfrm>
           <a:prstGeom prst="rect">
             <a:avLst/>
@@ -8761,14 +10553,14 @@
       </p:sp>
       <p:sp>
         <p:nvSpPr>
-          <p:cNvPr id="49" name="Text 2"/>
+          <p:cNvPr id="87" name="Text 2"/>
           <p:cNvSpPr/>
           <p:nvPr/>
         </p:nvSpPr>
         <p:spPr>
           <a:xfrm>
             <a:off x="1097280" y="1051560"/>
-            <a:ext cx="6948720" cy="456480"/>
+            <a:ext cx="6948360" cy="456120"/>
           </a:xfrm>
           <a:prstGeom prst="rect">
             <a:avLst/>
@@ -8840,14 +10632,14 @@
       </p:sp>
       <p:sp>
         <p:nvSpPr>
-          <p:cNvPr id="50" name="Shape 3"/>
+          <p:cNvPr id="88" name="Shape 3"/>
           <p:cNvSpPr/>
           <p:nvPr/>
         </p:nvSpPr>
         <p:spPr>
           <a:xfrm>
             <a:off x="731520" y="1920240"/>
-            <a:ext cx="3839760" cy="456480"/>
+            <a:ext cx="3839400" cy="456120"/>
           </a:xfrm>
           <a:prstGeom prst="rect">
             <a:avLst/>
@@ -8868,14 +10660,14 @@
       </p:sp>
       <p:sp>
         <p:nvSpPr>
-          <p:cNvPr id="51" name="Text 4"/>
+          <p:cNvPr id="89" name="Text 4"/>
           <p:cNvSpPr/>
           <p:nvPr/>
         </p:nvSpPr>
         <p:spPr>
           <a:xfrm>
             <a:off x="731520" y="1965960"/>
-            <a:ext cx="3839760" cy="365040"/>
+            <a:ext cx="3839400" cy="364680"/>
           </a:xfrm>
           <a:prstGeom prst="rect">
             <a:avLst/>
@@ -8923,14 +10715,14 @@
       </p:sp>
       <p:sp>
         <p:nvSpPr>
-          <p:cNvPr id="52" name="Shape 5"/>
+          <p:cNvPr id="90" name="Shape 5"/>
           <p:cNvSpPr/>
           <p:nvPr/>
         </p:nvSpPr>
         <p:spPr>
           <a:xfrm>
             <a:off x="1371600" y="2468880"/>
-            <a:ext cx="2559600" cy="456480"/>
+            <a:ext cx="2559240" cy="456120"/>
           </a:xfrm>
           <a:prstGeom prst="rect">
             <a:avLst/>
@@ -8954,14 +10746,14 @@
       </p:sp>
       <p:sp>
         <p:nvSpPr>
-          <p:cNvPr id="53" name="Text 6"/>
+          <p:cNvPr id="91" name="Text 6"/>
           <p:cNvSpPr/>
           <p:nvPr/>
         </p:nvSpPr>
         <p:spPr>
           <a:xfrm>
             <a:off x="1371600" y="2514600"/>
-            <a:ext cx="2559600" cy="365040"/>
+            <a:ext cx="2559240" cy="364680"/>
           </a:xfrm>
           <a:prstGeom prst="rect">
             <a:avLst/>
@@ -9009,14 +10801,14 @@
       </p:sp>
       <p:sp>
         <p:nvSpPr>
-          <p:cNvPr id="54" name="Shape 7"/>
+          <p:cNvPr id="92" name="Shape 7"/>
           <p:cNvSpPr/>
           <p:nvPr/>
         </p:nvSpPr>
         <p:spPr>
           <a:xfrm>
             <a:off x="2560320" y="2944440"/>
-            <a:ext cx="273600" cy="319320"/>
+            <a:ext cx="273240" cy="318960"/>
           </a:xfrm>
           <a:prstGeom prst="downArrow">
             <a:avLst>
@@ -9040,14 +10832,14 @@
       </p:sp>
       <p:sp>
         <p:nvSpPr>
-          <p:cNvPr id="55" name="Shape 8"/>
+          <p:cNvPr id="93" name="Shape 8"/>
           <p:cNvSpPr/>
           <p:nvPr/>
         </p:nvSpPr>
         <p:spPr>
           <a:xfrm>
             <a:off x="1371600" y="3291840"/>
-            <a:ext cx="2559600" cy="456480"/>
+            <a:ext cx="2559240" cy="456120"/>
           </a:xfrm>
           <a:prstGeom prst="rect">
             <a:avLst/>
@@ -9071,14 +10863,14 @@
       </p:sp>
       <p:sp>
         <p:nvSpPr>
-          <p:cNvPr id="56" name="Text 9"/>
+          <p:cNvPr id="94" name="Text 9"/>
           <p:cNvSpPr/>
           <p:nvPr/>
         </p:nvSpPr>
         <p:spPr>
           <a:xfrm>
             <a:off x="1371600" y="3337560"/>
-            <a:ext cx="2559600" cy="365040"/>
+            <a:ext cx="2559240" cy="364680"/>
           </a:xfrm>
           <a:prstGeom prst="rect">
             <a:avLst/>
@@ -9126,14 +10918,14 @@
       </p:sp>
       <p:sp>
         <p:nvSpPr>
-          <p:cNvPr id="57" name="Shape 10"/>
+          <p:cNvPr id="95" name="Shape 10"/>
           <p:cNvSpPr/>
           <p:nvPr/>
         </p:nvSpPr>
         <p:spPr>
           <a:xfrm>
             <a:off x="2560320" y="3767400"/>
-            <a:ext cx="273600" cy="319320"/>
+            <a:ext cx="273240" cy="318960"/>
           </a:xfrm>
           <a:prstGeom prst="downArrow">
             <a:avLst>
@@ -9157,14 +10949,14 @@
       </p:sp>
       <p:sp>
         <p:nvSpPr>
-          <p:cNvPr id="58" name="Shape 11"/>
+          <p:cNvPr id="96" name="Shape 11"/>
           <p:cNvSpPr/>
           <p:nvPr/>
         </p:nvSpPr>
         <p:spPr>
           <a:xfrm>
             <a:off x="1371600" y="4114800"/>
-            <a:ext cx="2559600" cy="456480"/>
+            <a:ext cx="2559240" cy="456120"/>
           </a:xfrm>
           <a:prstGeom prst="rect">
             <a:avLst/>
@@ -9188,14 +10980,14 @@
       </p:sp>
       <p:sp>
         <p:nvSpPr>
-          <p:cNvPr id="59" name="Text 12"/>
+          <p:cNvPr id="97" name="Text 12"/>
           <p:cNvSpPr/>
           <p:nvPr/>
         </p:nvSpPr>
         <p:spPr>
           <a:xfrm>
             <a:off x="1371600" y="4160520"/>
-            <a:ext cx="2559600" cy="365040"/>
+            <a:ext cx="2559240" cy="364680"/>
           </a:xfrm>
           <a:prstGeom prst="rect">
             <a:avLst/>
@@ -9243,14 +11035,14 @@
       </p:sp>
       <p:sp>
         <p:nvSpPr>
-          <p:cNvPr id="60" name="Shape 13"/>
+          <p:cNvPr id="98" name="Shape 13"/>
           <p:cNvSpPr/>
           <p:nvPr/>
         </p:nvSpPr>
         <p:spPr>
           <a:xfrm>
             <a:off x="4572000" y="1920240"/>
-            <a:ext cx="3839760" cy="456480"/>
+            <a:ext cx="3839400" cy="456120"/>
           </a:xfrm>
           <a:prstGeom prst="rect">
             <a:avLst/>
@@ -9271,14 +11063,14 @@
       </p:sp>
       <p:sp>
         <p:nvSpPr>
-          <p:cNvPr id="61" name="Text 14"/>
+          <p:cNvPr id="99" name="Text 14"/>
           <p:cNvSpPr/>
           <p:nvPr/>
         </p:nvSpPr>
         <p:spPr>
           <a:xfrm>
             <a:off x="4572000" y="1965960"/>
-            <a:ext cx="3839760" cy="365040"/>
+            <a:ext cx="3839400" cy="364680"/>
           </a:xfrm>
           <a:prstGeom prst="rect">
             <a:avLst/>
@@ -9326,14 +11118,14 @@
       </p:sp>
       <p:sp>
         <p:nvSpPr>
-          <p:cNvPr id="62" name="Shape 15"/>
+          <p:cNvPr id="100" name="Shape 15"/>
           <p:cNvSpPr/>
           <p:nvPr/>
         </p:nvSpPr>
         <p:spPr>
           <a:xfrm>
             <a:off x="5577840" y="2468880"/>
-            <a:ext cx="1828080" cy="456480"/>
+            <a:ext cx="1827720" cy="456120"/>
           </a:xfrm>
           <a:prstGeom prst="rect">
             <a:avLst/>
@@ -9357,14 +11149,14 @@
       </p:sp>
       <p:sp>
         <p:nvSpPr>
-          <p:cNvPr id="63" name="Text 16"/>
+          <p:cNvPr id="101" name="Text 16"/>
           <p:cNvSpPr/>
           <p:nvPr/>
         </p:nvSpPr>
         <p:spPr>
           <a:xfrm>
             <a:off x="5577840" y="2514600"/>
-            <a:ext cx="1828080" cy="365040"/>
+            <a:ext cx="1827720" cy="364680"/>
           </a:xfrm>
           <a:prstGeom prst="rect">
             <a:avLst/>
@@ -9412,14 +11204,14 @@
       </p:sp>
       <p:sp>
         <p:nvSpPr>
-          <p:cNvPr id="64" name="Shape 17"/>
+          <p:cNvPr id="102" name="Shape 17"/>
           <p:cNvSpPr/>
           <p:nvPr/>
         </p:nvSpPr>
         <p:spPr>
           <a:xfrm>
             <a:off x="6400800" y="2944440"/>
-            <a:ext cx="227880" cy="273600"/>
+            <a:ext cx="227520" cy="273240"/>
           </a:xfrm>
           <a:prstGeom prst="downArrow">
             <a:avLst>
@@ -9443,14 +11235,14 @@
       </p:sp>
       <p:sp>
         <p:nvSpPr>
-          <p:cNvPr id="65" name="Shape 18"/>
+          <p:cNvPr id="103" name="Shape 18"/>
           <p:cNvSpPr/>
           <p:nvPr/>
         </p:nvSpPr>
         <p:spPr>
           <a:xfrm>
             <a:off x="5806440" y="3246120"/>
-            <a:ext cx="1370880" cy="593640"/>
+            <a:ext cx="1370520" cy="593280"/>
           </a:xfrm>
           <a:prstGeom prst="diamond">
             <a:avLst/>
@@ -9474,14 +11266,14 @@
       </p:sp>
       <p:sp>
         <p:nvSpPr>
-          <p:cNvPr id="66" name="Text 19"/>
+          <p:cNvPr id="104" name="Text 19"/>
           <p:cNvSpPr/>
           <p:nvPr/>
         </p:nvSpPr>
         <p:spPr>
           <a:xfrm>
             <a:off x="5806440" y="3383280"/>
-            <a:ext cx="1370880" cy="319320"/>
+            <a:ext cx="1370520" cy="318960"/>
           </a:xfrm>
           <a:prstGeom prst="rect">
             <a:avLst/>
@@ -9529,14 +11321,14 @@
       </p:sp>
       <p:sp>
         <p:nvSpPr>
-          <p:cNvPr id="67" name="Shape 20"/>
+          <p:cNvPr id="105" name="Shape 20"/>
           <p:cNvSpPr/>
           <p:nvPr/>
         </p:nvSpPr>
         <p:spPr>
           <a:xfrm>
             <a:off x="4937760" y="3977640"/>
-            <a:ext cx="1096560" cy="365040"/>
+            <a:ext cx="1096200" cy="364680"/>
           </a:xfrm>
           <a:prstGeom prst="rect">
             <a:avLst/>
@@ -9557,14 +11349,14 @@
       </p:sp>
       <p:sp>
         <p:nvSpPr>
-          <p:cNvPr id="68" name="Text 21"/>
+          <p:cNvPr id="106" name="Text 21"/>
           <p:cNvSpPr/>
           <p:nvPr/>
         </p:nvSpPr>
         <p:spPr>
           <a:xfrm>
             <a:off x="4937760" y="4023360"/>
-            <a:ext cx="1096560" cy="273600"/>
+            <a:ext cx="1096200" cy="273240"/>
           </a:xfrm>
           <a:prstGeom prst="rect">
             <a:avLst/>
@@ -9612,14 +11404,14 @@
       </p:sp>
       <p:sp>
         <p:nvSpPr>
-          <p:cNvPr id="69" name="Shape 22"/>
+          <p:cNvPr id="107" name="Shape 22"/>
           <p:cNvSpPr/>
           <p:nvPr/>
         </p:nvSpPr>
         <p:spPr>
           <a:xfrm>
             <a:off x="6949440" y="3977640"/>
-            <a:ext cx="1096560" cy="365040"/>
+            <a:ext cx="1096200" cy="364680"/>
           </a:xfrm>
           <a:prstGeom prst="rect">
             <a:avLst/>
@@ -9640,14 +11432,14 @@
       </p:sp>
       <p:sp>
         <p:nvSpPr>
-          <p:cNvPr id="70" name="Text 23"/>
+          <p:cNvPr id="108" name="Text 23"/>
           <p:cNvSpPr/>
           <p:nvPr/>
         </p:nvSpPr>
         <p:spPr>
           <a:xfrm>
             <a:off x="6949440" y="4023360"/>
-            <a:ext cx="1096560" cy="273600"/>
+            <a:ext cx="1096200" cy="273240"/>
           </a:xfrm>
           <a:prstGeom prst="rect">
             <a:avLst/>
@@ -9695,7 +11487,7 @@
       </p:sp>
       <p:sp>
         <p:nvSpPr>
-          <p:cNvPr id="71" name="Shape 24"/>
+          <p:cNvPr id="109" name="Shape 24"/>
           <p:cNvSpPr/>
           <p:nvPr/>
         </p:nvSpPr>
@@ -9723,7 +11515,7 @@
       </p:sp>
       <p:sp>
         <p:nvSpPr>
-          <p:cNvPr id="72" name="Shape 25"/>
+          <p:cNvPr id="110" name="Shape 25"/>
           <p:cNvSpPr/>
           <p:nvPr/>
         </p:nvSpPr>
@@ -9751,14 +11543,14 @@
       </p:sp>
       <p:sp>
         <p:nvSpPr>
-          <p:cNvPr id="73" name="Text 26"/>
+          <p:cNvPr id="111" name="Text 26"/>
           <p:cNvSpPr/>
           <p:nvPr/>
         </p:nvSpPr>
         <p:spPr>
           <a:xfrm>
             <a:off x="5212080" y="3657600"/>
-            <a:ext cx="456480" cy="182160"/>
+            <a:ext cx="456120" cy="181800"/>
           </a:xfrm>
           <a:prstGeom prst="rect">
             <a:avLst/>
@@ -9806,14 +11598,14 @@
       </p:sp>
       <p:sp>
         <p:nvSpPr>
-          <p:cNvPr id="74" name="Text 27"/>
+          <p:cNvPr id="112" name="Text 27"/>
           <p:cNvSpPr/>
           <p:nvPr/>
         </p:nvSpPr>
         <p:spPr>
           <a:xfrm>
             <a:off x="7223760" y="3657600"/>
-            <a:ext cx="365040" cy="182160"/>
+            <a:ext cx="364680" cy="181800"/>
           </a:xfrm>
           <a:prstGeom prst="rect">
             <a:avLst/>
@@ -9898,14 +11690,14 @@
       </p:grpSpPr>
       <p:sp>
         <p:nvSpPr>
-          <p:cNvPr id="75" name="Text 0"/>
+          <p:cNvPr id="113" name="Text 0"/>
           <p:cNvSpPr/>
           <p:nvPr/>
         </p:nvSpPr>
         <p:spPr>
           <a:xfrm>
             <a:off x="457200" y="274320"/>
-            <a:ext cx="8228880" cy="456480"/>
+            <a:ext cx="8228520" cy="456120"/>
           </a:xfrm>
           <a:prstGeom prst="rect">
             <a:avLst/>
@@ -9953,14 +11745,14 @@
       </p:sp>
       <p:sp>
         <p:nvSpPr>
-          <p:cNvPr id="76" name="Shape 1"/>
+          <p:cNvPr id="114" name="Shape 1"/>
           <p:cNvSpPr/>
           <p:nvPr/>
         </p:nvSpPr>
         <p:spPr>
           <a:xfrm>
             <a:off x="640080" y="914400"/>
-            <a:ext cx="4114080" cy="456480"/>
+            <a:ext cx="4113720" cy="456120"/>
           </a:xfrm>
           <a:prstGeom prst="rect">
             <a:avLst/>
@@ -9981,14 +11773,14 @@
       </p:sp>
       <p:sp>
         <p:nvSpPr>
-          <p:cNvPr id="77" name="Text 2"/>
+          <p:cNvPr id="115" name="Text 2"/>
           <p:cNvSpPr/>
           <p:nvPr/>
         </p:nvSpPr>
         <p:spPr>
           <a:xfrm>
             <a:off x="640080" y="960120"/>
-            <a:ext cx="4114080" cy="365040"/>
+            <a:ext cx="4113720" cy="364680"/>
           </a:xfrm>
           <a:prstGeom prst="rect">
             <a:avLst/>
@@ -10036,14 +11828,14 @@
       </p:sp>
       <p:sp>
         <p:nvSpPr>
-          <p:cNvPr id="78" name="Shape 3"/>
+          <p:cNvPr id="116" name="Shape 3"/>
           <p:cNvSpPr/>
           <p:nvPr/>
         </p:nvSpPr>
         <p:spPr>
           <a:xfrm>
             <a:off x="640080" y="1463040"/>
-            <a:ext cx="4114080" cy="2742480"/>
+            <a:ext cx="4113720" cy="2742120"/>
           </a:xfrm>
           <a:prstGeom prst="rect">
             <a:avLst/>
@@ -10064,14 +11856,14 @@
       </p:sp>
       <p:sp>
         <p:nvSpPr>
-          <p:cNvPr id="79" name="Text 4"/>
+          <p:cNvPr id="117" name="Text 4"/>
           <p:cNvSpPr/>
           <p:nvPr/>
         </p:nvSpPr>
         <p:spPr>
           <a:xfrm>
             <a:off x="822960" y="1600200"/>
-            <a:ext cx="3748320" cy="2468160"/>
+            <a:ext cx="3747960" cy="2467800"/>
           </a:xfrm>
           <a:prstGeom prst="rect">
             <a:avLst/>
@@ -10417,14 +12209,14 @@
       </p:sp>
       <p:sp>
         <p:nvSpPr>
-          <p:cNvPr id="80" name="Shape 5"/>
+          <p:cNvPr id="118" name="Shape 5"/>
           <p:cNvSpPr/>
           <p:nvPr/>
         </p:nvSpPr>
         <p:spPr>
           <a:xfrm>
             <a:off x="5029200" y="914400"/>
-            <a:ext cx="3474000" cy="456480"/>
+            <a:ext cx="3473640" cy="456120"/>
           </a:xfrm>
           <a:prstGeom prst="rect">
             <a:avLst/>
@@ -10445,14 +12237,14 @@
       </p:sp>
       <p:sp>
         <p:nvSpPr>
-          <p:cNvPr id="81" name="Text 6"/>
+          <p:cNvPr id="119" name="Text 6"/>
           <p:cNvSpPr/>
           <p:nvPr/>
         </p:nvSpPr>
         <p:spPr>
           <a:xfrm>
             <a:off x="5029200" y="960120"/>
-            <a:ext cx="3474000" cy="365040"/>
+            <a:ext cx="3473640" cy="364680"/>
           </a:xfrm>
           <a:prstGeom prst="rect">
             <a:avLst/>
@@ -10500,14 +12292,14 @@
       </p:sp>
       <p:sp>
         <p:nvSpPr>
-          <p:cNvPr id="82" name="Shape 7"/>
+          <p:cNvPr id="120" name="Shape 7"/>
           <p:cNvSpPr/>
           <p:nvPr/>
         </p:nvSpPr>
         <p:spPr>
           <a:xfrm>
             <a:off x="5852160" y="1554480"/>
-            <a:ext cx="1828080" cy="410760"/>
+            <a:ext cx="1827720" cy="410400"/>
           </a:xfrm>
           <a:prstGeom prst="roundRect">
             <a:avLst>
@@ -10533,14 +12325,14 @@
       </p:sp>
       <p:sp>
         <p:nvSpPr>
-          <p:cNvPr id="83" name="Text 8"/>
+          <p:cNvPr id="121" name="Text 8"/>
           <p:cNvSpPr/>
           <p:nvPr/>
         </p:nvSpPr>
         <p:spPr>
           <a:xfrm>
             <a:off x="5852160" y="1627560"/>
-            <a:ext cx="1828080" cy="273600"/>
+            <a:ext cx="1827720" cy="273240"/>
           </a:xfrm>
           <a:prstGeom prst="rect">
             <a:avLst/>
@@ -10588,7 +12380,7 @@
       </p:sp>
       <p:sp>
         <p:nvSpPr>
-          <p:cNvPr id="84" name="Shape 9"/>
+          <p:cNvPr id="122" name="Shape 9"/>
           <p:cNvSpPr/>
           <p:nvPr/>
         </p:nvSpPr>
@@ -10616,14 +12408,14 @@
       </p:sp>
       <p:sp>
         <p:nvSpPr>
-          <p:cNvPr id="85" name="Shape 10"/>
+          <p:cNvPr id="123" name="Shape 10"/>
           <p:cNvSpPr/>
           <p:nvPr/>
         </p:nvSpPr>
         <p:spPr>
           <a:xfrm>
             <a:off x="6693480" y="2212920"/>
-            <a:ext cx="145440" cy="118080"/>
+            <a:ext cx="145080" cy="117720"/>
           </a:xfrm>
           <a:prstGeom prst="downArrow">
             <a:avLst>
@@ -10647,14 +12439,14 @@
       </p:sp>
       <p:sp>
         <p:nvSpPr>
-          <p:cNvPr id="86" name="Shape 11"/>
+          <p:cNvPr id="124" name="Shape 11"/>
           <p:cNvSpPr/>
           <p:nvPr/>
         </p:nvSpPr>
         <p:spPr>
           <a:xfrm>
             <a:off x="5669280" y="2377440"/>
-            <a:ext cx="2193840" cy="730800"/>
+            <a:ext cx="2193480" cy="730440"/>
           </a:xfrm>
           <a:prstGeom prst="diamond">
             <a:avLst/>
@@ -10678,14 +12470,14 @@
       </p:sp>
       <p:sp>
         <p:nvSpPr>
-          <p:cNvPr id="87" name="Text 12"/>
+          <p:cNvPr id="125" name="Text 12"/>
           <p:cNvSpPr/>
           <p:nvPr/>
         </p:nvSpPr>
         <p:spPr>
           <a:xfrm>
             <a:off x="5669280" y="2560320"/>
-            <a:ext cx="2193840" cy="365040"/>
+            <a:ext cx="2193480" cy="364680"/>
           </a:xfrm>
           <a:prstGeom prst="rect">
             <a:avLst/>
@@ -10733,7 +12525,7 @@
       </p:sp>
       <p:sp>
         <p:nvSpPr>
-          <p:cNvPr id="88" name="Shape 13"/>
+          <p:cNvPr id="126" name="Shape 13"/>
           <p:cNvSpPr/>
           <p:nvPr/>
         </p:nvSpPr>
@@ -10761,14 +12553,14 @@
       </p:sp>
       <p:sp>
         <p:nvSpPr>
-          <p:cNvPr id="89" name="Shape 14"/>
+          <p:cNvPr id="127" name="Shape 14"/>
           <p:cNvSpPr/>
           <p:nvPr/>
         </p:nvSpPr>
         <p:spPr>
           <a:xfrm>
             <a:off x="6693480" y="3310200"/>
-            <a:ext cx="145440" cy="118080"/>
+            <a:ext cx="145080" cy="117720"/>
           </a:xfrm>
           <a:prstGeom prst="downArrow">
             <a:avLst>
@@ -10792,14 +12584,14 @@
       </p:sp>
       <p:sp>
         <p:nvSpPr>
-          <p:cNvPr id="90" name="Text 15"/>
+          <p:cNvPr id="128" name="Text 15"/>
           <p:cNvSpPr/>
           <p:nvPr/>
         </p:nvSpPr>
         <p:spPr>
           <a:xfrm>
             <a:off x="6858000" y="3154680"/>
-            <a:ext cx="547920" cy="182160"/>
+            <a:ext cx="547560" cy="181800"/>
           </a:xfrm>
           <a:prstGeom prst="rect">
             <a:avLst/>
@@ -10847,14 +12639,14 @@
       </p:sp>
       <p:sp>
         <p:nvSpPr>
-          <p:cNvPr id="91" name="Shape 16"/>
+          <p:cNvPr id="129" name="Shape 16"/>
           <p:cNvSpPr/>
           <p:nvPr/>
         </p:nvSpPr>
         <p:spPr>
           <a:xfrm>
             <a:off x="5943600" y="3474720"/>
-            <a:ext cx="1645200" cy="502200"/>
+            <a:ext cx="1644840" cy="501840"/>
           </a:xfrm>
           <a:prstGeom prst="rect">
             <a:avLst/>
@@ -10878,14 +12670,14 @@
       </p:sp>
       <p:sp>
         <p:nvSpPr>
-          <p:cNvPr id="92" name="Text 17"/>
+          <p:cNvPr id="130" name="Text 17"/>
           <p:cNvSpPr/>
           <p:nvPr/>
         </p:nvSpPr>
         <p:spPr>
           <a:xfrm>
             <a:off x="5943600" y="3520440"/>
-            <a:ext cx="1645200" cy="410760"/>
+            <a:ext cx="1644840" cy="410400"/>
           </a:xfrm>
           <a:prstGeom prst="rect">
             <a:avLst/>
@@ -10957,7 +12749,7 @@
       </p:sp>
       <p:sp>
         <p:nvSpPr>
-          <p:cNvPr id="93" name="Shape 18"/>
+          <p:cNvPr id="131" name="Shape 18"/>
           <p:cNvSpPr/>
           <p:nvPr/>
         </p:nvSpPr>
@@ -10985,14 +12777,14 @@
       </p:sp>
       <p:sp>
         <p:nvSpPr>
-          <p:cNvPr id="94" name="Shape 19"/>
+          <p:cNvPr id="132" name="Shape 19"/>
           <p:cNvSpPr/>
           <p:nvPr/>
         </p:nvSpPr>
         <p:spPr>
           <a:xfrm>
             <a:off x="8293680" y="2688480"/>
-            <a:ext cx="118080" cy="118080"/>
+            <a:ext cx="117720" cy="117720"/>
           </a:xfrm>
           <a:prstGeom prst="rightArrow">
             <a:avLst>
@@ -11016,14 +12808,14 @@
       </p:sp>
       <p:sp>
         <p:nvSpPr>
-          <p:cNvPr id="95" name="Text 20"/>
+          <p:cNvPr id="133" name="Text 20"/>
           <p:cNvSpPr/>
           <p:nvPr/>
         </p:nvSpPr>
         <p:spPr>
           <a:xfrm>
             <a:off x="7909560" y="2560320"/>
-            <a:ext cx="456480" cy="182160"/>
+            <a:ext cx="456120" cy="181800"/>
           </a:xfrm>
           <a:prstGeom prst="rect">
             <a:avLst/>
@@ -11071,7 +12863,7 @@
       </p:sp>
       <p:sp>
         <p:nvSpPr>
-          <p:cNvPr id="96" name="Shape 21"/>
+          <p:cNvPr id="134" name="Shape 21"/>
           <p:cNvSpPr/>
           <p:nvPr/>
         </p:nvSpPr>
@@ -11099,7 +12891,7 @@
       </p:sp>
       <p:sp>
         <p:nvSpPr>
-          <p:cNvPr id="97" name="Shape 22"/>
+          <p:cNvPr id="135" name="Shape 22"/>
           <p:cNvSpPr/>
           <p:nvPr/>
         </p:nvSpPr>
@@ -11127,7 +12919,7 @@
       </p:sp>
       <p:sp>
         <p:nvSpPr>
-          <p:cNvPr id="98" name="Shape 23"/>
+          <p:cNvPr id="136" name="Shape 23"/>
           <p:cNvSpPr/>
           <p:nvPr/>
         </p:nvSpPr>
@@ -11155,14 +12947,14 @@
       </p:sp>
       <p:sp>
         <p:nvSpPr>
-          <p:cNvPr id="99" name="Shape 24"/>
+          <p:cNvPr id="137" name="Shape 24"/>
           <p:cNvSpPr/>
           <p:nvPr/>
         </p:nvSpPr>
         <p:spPr>
           <a:xfrm>
             <a:off x="6693480" y="4087440"/>
-            <a:ext cx="145440" cy="118080"/>
+            <a:ext cx="145080" cy="117720"/>
           </a:xfrm>
           <a:prstGeom prst="downArrow">
             <a:avLst>
@@ -11186,14 +12978,14 @@
       </p:sp>
       <p:sp>
         <p:nvSpPr>
-          <p:cNvPr id="100" name="Shape 25"/>
+          <p:cNvPr id="138" name="Shape 25"/>
           <p:cNvSpPr/>
           <p:nvPr/>
         </p:nvSpPr>
         <p:spPr>
           <a:xfrm>
             <a:off x="5852160" y="4251960"/>
-            <a:ext cx="1828080" cy="410760"/>
+            <a:ext cx="1827720" cy="410400"/>
           </a:xfrm>
           <a:prstGeom prst="roundRect">
             <a:avLst>
@@ -11219,14 +13011,14 @@
       </p:sp>
       <p:sp>
         <p:nvSpPr>
-          <p:cNvPr id="101" name="Text 26"/>
+          <p:cNvPr id="139" name="Text 26"/>
           <p:cNvSpPr/>
           <p:nvPr/>
         </p:nvSpPr>
         <p:spPr>
           <a:xfrm>
             <a:off x="5852160" y="4325040"/>
-            <a:ext cx="1828080" cy="273600"/>
+            <a:ext cx="1827720" cy="273240"/>
           </a:xfrm>
           <a:prstGeom prst="rect">
             <a:avLst/>
@@ -11311,14 +13103,14 @@
       </p:grpSpPr>
       <p:sp>
         <p:nvSpPr>
-          <p:cNvPr id="102" name="Text 0"/>
+          <p:cNvPr id="140" name="Text 0"/>
           <p:cNvSpPr/>
           <p:nvPr/>
         </p:nvSpPr>
         <p:spPr>
           <a:xfrm>
             <a:off x="457200" y="274320"/>
-            <a:ext cx="8228880" cy="456480"/>
+            <a:ext cx="8228520" cy="456120"/>
           </a:xfrm>
           <a:prstGeom prst="rect">
             <a:avLst/>
@@ -11366,14 +13158,14 @@
       </p:sp>
       <p:sp>
         <p:nvSpPr>
-          <p:cNvPr id="103" name="Text 1"/>
+          <p:cNvPr id="141" name="Text 1"/>
           <p:cNvSpPr/>
           <p:nvPr/>
         </p:nvSpPr>
         <p:spPr>
           <a:xfrm>
             <a:off x="914400" y="914400"/>
-            <a:ext cx="7314480" cy="273600"/>
+            <a:ext cx="7314120" cy="273240"/>
           </a:xfrm>
           <a:prstGeom prst="rect">
             <a:avLst/>
@@ -11421,14 +13213,14 @@
       </p:sp>
       <p:sp>
         <p:nvSpPr>
-          <p:cNvPr id="104" name="Shape 2"/>
+          <p:cNvPr id="142" name="Shape 2"/>
           <p:cNvSpPr/>
           <p:nvPr/>
         </p:nvSpPr>
         <p:spPr>
           <a:xfrm>
             <a:off x="914400" y="1371600"/>
-            <a:ext cx="7314480" cy="547920"/>
+            <a:ext cx="7314120" cy="547560"/>
           </a:xfrm>
           <a:prstGeom prst="rect">
             <a:avLst/>
@@ -11452,14 +13244,14 @@
       </p:sp>
       <p:sp>
         <p:nvSpPr>
-          <p:cNvPr id="105" name="Text 3"/>
+          <p:cNvPr id="143" name="Text 3"/>
           <p:cNvSpPr/>
           <p:nvPr/>
         </p:nvSpPr>
         <p:spPr>
           <a:xfrm>
             <a:off x="1097280" y="1463040"/>
-            <a:ext cx="6948720" cy="365040"/>
+            <a:ext cx="6948360" cy="364680"/>
           </a:xfrm>
           <a:prstGeom prst="rect">
             <a:avLst/>
@@ -11507,14 +13299,14 @@
       </p:sp>
       <p:sp>
         <p:nvSpPr>
-          <p:cNvPr id="106" name="Shape 4"/>
+          <p:cNvPr id="144" name="Shape 4"/>
           <p:cNvSpPr/>
           <p:nvPr/>
         </p:nvSpPr>
         <p:spPr>
           <a:xfrm>
             <a:off x="914400" y="2103120"/>
-            <a:ext cx="7314480" cy="547920"/>
+            <a:ext cx="7314120" cy="547560"/>
           </a:xfrm>
           <a:prstGeom prst="rect">
             <a:avLst/>
@@ -11538,14 +13330,14 @@
       </p:sp>
       <p:sp>
         <p:nvSpPr>
-          <p:cNvPr id="107" name="Text 5"/>
+          <p:cNvPr id="145" name="Text 5"/>
           <p:cNvSpPr/>
           <p:nvPr/>
         </p:nvSpPr>
         <p:spPr>
           <a:xfrm>
             <a:off x="1097280" y="2194560"/>
-            <a:ext cx="6948720" cy="365040"/>
+            <a:ext cx="6948360" cy="364680"/>
           </a:xfrm>
           <a:prstGeom prst="rect">
             <a:avLst/>
@@ -11593,14 +13385,14 @@
       </p:sp>
       <p:sp>
         <p:nvSpPr>
-          <p:cNvPr id="108" name="Text 6"/>
+          <p:cNvPr id="146" name="Text 6"/>
           <p:cNvSpPr/>
           <p:nvPr/>
         </p:nvSpPr>
         <p:spPr>
           <a:xfrm>
             <a:off x="1828800" y="2834640"/>
-            <a:ext cx="5485680" cy="273600"/>
+            <a:ext cx="5485320" cy="273240"/>
           </a:xfrm>
           <a:prstGeom prst="rect">
             <a:avLst/>
@@ -11648,14 +13440,14 @@
       </p:sp>
       <p:sp>
         <p:nvSpPr>
-          <p:cNvPr id="109" name="Shape 7"/>
+          <p:cNvPr id="147" name="Shape 7"/>
           <p:cNvSpPr/>
           <p:nvPr/>
         </p:nvSpPr>
         <p:spPr>
           <a:xfrm>
             <a:off x="1371600" y="3200400"/>
-            <a:ext cx="3199680" cy="410760"/>
+            <a:ext cx="3199320" cy="410400"/>
           </a:xfrm>
           <a:prstGeom prst="rect">
             <a:avLst/>
@@ -11676,14 +13468,14 @@
       </p:sp>
       <p:sp>
         <p:nvSpPr>
-          <p:cNvPr id="110" name="Text 8"/>
+          <p:cNvPr id="148" name="Text 8"/>
           <p:cNvSpPr/>
           <p:nvPr/>
         </p:nvSpPr>
         <p:spPr>
           <a:xfrm>
             <a:off x="1463040" y="3246120"/>
-            <a:ext cx="3016800" cy="319320"/>
+            <a:ext cx="3016440" cy="318960"/>
           </a:xfrm>
           <a:prstGeom prst="rect">
             <a:avLst/>
@@ -11731,14 +13523,14 @@
       </p:sp>
       <p:sp>
         <p:nvSpPr>
-          <p:cNvPr id="111" name="Shape 9"/>
+          <p:cNvPr id="149" name="Shape 9"/>
           <p:cNvSpPr/>
           <p:nvPr/>
         </p:nvSpPr>
         <p:spPr>
           <a:xfrm>
             <a:off x="4663440" y="3337560"/>
-            <a:ext cx="319320" cy="136440"/>
+            <a:ext cx="318960" cy="136080"/>
           </a:xfrm>
           <a:prstGeom prst="rightArrow">
             <a:avLst>
@@ -11762,14 +13554,14 @@
       </p:sp>
       <p:sp>
         <p:nvSpPr>
-          <p:cNvPr id="112" name="Shape 10"/>
+          <p:cNvPr id="150" name="Shape 10"/>
           <p:cNvSpPr/>
           <p:nvPr/>
         </p:nvSpPr>
         <p:spPr>
           <a:xfrm>
             <a:off x="5120640" y="3200400"/>
-            <a:ext cx="3199680" cy="410760"/>
+            <a:ext cx="3199320" cy="410400"/>
           </a:xfrm>
           <a:prstGeom prst="rect">
             <a:avLst/>
@@ -11790,14 +13582,14 @@
       </p:sp>
       <p:sp>
         <p:nvSpPr>
-          <p:cNvPr id="113" name="Text 11"/>
+          <p:cNvPr id="151" name="Text 11"/>
           <p:cNvSpPr/>
           <p:nvPr/>
         </p:nvSpPr>
         <p:spPr>
           <a:xfrm>
             <a:off x="5212080" y="3246120"/>
-            <a:ext cx="3016800" cy="319320"/>
+            <a:ext cx="3016440" cy="318960"/>
           </a:xfrm>
           <a:prstGeom prst="rect">
             <a:avLst/>
@@ -11845,14 +13637,14 @@
       </p:sp>
       <p:sp>
         <p:nvSpPr>
-          <p:cNvPr id="114" name="Shape 12"/>
+          <p:cNvPr id="152" name="Shape 12"/>
           <p:cNvSpPr/>
           <p:nvPr/>
         </p:nvSpPr>
         <p:spPr>
           <a:xfrm>
             <a:off x="1371600" y="3703320"/>
-            <a:ext cx="3199680" cy="410760"/>
+            <a:ext cx="3199320" cy="410400"/>
           </a:xfrm>
           <a:prstGeom prst="rect">
             <a:avLst/>
@@ -11873,14 +13665,14 @@
       </p:sp>
       <p:sp>
         <p:nvSpPr>
-          <p:cNvPr id="115" name="Text 13"/>
+          <p:cNvPr id="153" name="Text 13"/>
           <p:cNvSpPr/>
           <p:nvPr/>
         </p:nvSpPr>
         <p:spPr>
           <a:xfrm>
             <a:off x="1463040" y="3749040"/>
-            <a:ext cx="3016800" cy="319320"/>
+            <a:ext cx="3016440" cy="318960"/>
           </a:xfrm>
           <a:prstGeom prst="rect">
             <a:avLst/>
@@ -11928,14 +13720,14 @@
       </p:sp>
       <p:sp>
         <p:nvSpPr>
-          <p:cNvPr id="116" name="Shape 14"/>
+          <p:cNvPr id="154" name="Shape 14"/>
           <p:cNvSpPr/>
           <p:nvPr/>
         </p:nvSpPr>
         <p:spPr>
           <a:xfrm>
             <a:off x="4663440" y="3840480"/>
-            <a:ext cx="319320" cy="136440"/>
+            <a:ext cx="318960" cy="136080"/>
           </a:xfrm>
           <a:prstGeom prst="rightArrow">
             <a:avLst>
@@ -11959,14 +13751,14 @@
       </p:sp>
       <p:sp>
         <p:nvSpPr>
-          <p:cNvPr id="117" name="Shape 15"/>
+          <p:cNvPr id="155" name="Shape 15"/>
           <p:cNvSpPr/>
           <p:nvPr/>
         </p:nvSpPr>
         <p:spPr>
           <a:xfrm>
             <a:off x="5120640" y="3703320"/>
-            <a:ext cx="3199680" cy="410760"/>
+            <a:ext cx="3199320" cy="410400"/>
           </a:xfrm>
           <a:prstGeom prst="rect">
             <a:avLst/>
@@ -11987,14 +13779,14 @@
       </p:sp>
       <p:sp>
         <p:nvSpPr>
-          <p:cNvPr id="118" name="Text 16"/>
+          <p:cNvPr id="156" name="Text 16"/>
           <p:cNvSpPr/>
           <p:nvPr/>
         </p:nvSpPr>
         <p:spPr>
           <a:xfrm>
             <a:off x="5212080" y="3749040"/>
-            <a:ext cx="3016800" cy="319320"/>
+            <a:ext cx="3016440" cy="318960"/>
           </a:xfrm>
           <a:prstGeom prst="rect">
             <a:avLst/>
@@ -12042,14 +13834,14 @@
       </p:sp>
       <p:sp>
         <p:nvSpPr>
-          <p:cNvPr id="119" name="Shape 17"/>
+          <p:cNvPr id="157" name="Shape 17"/>
           <p:cNvSpPr/>
           <p:nvPr/>
         </p:nvSpPr>
         <p:spPr>
           <a:xfrm>
             <a:off x="1371600" y="4206240"/>
-            <a:ext cx="3199680" cy="410760"/>
+            <a:ext cx="3199320" cy="410400"/>
           </a:xfrm>
           <a:prstGeom prst="rect">
             <a:avLst/>
@@ -12070,14 +13862,14 @@
       </p:sp>
       <p:sp>
         <p:nvSpPr>
-          <p:cNvPr id="120" name="Text 18"/>
+          <p:cNvPr id="158" name="Text 18"/>
           <p:cNvSpPr/>
           <p:nvPr/>
         </p:nvSpPr>
         <p:spPr>
           <a:xfrm>
             <a:off x="1463040" y="4251960"/>
-            <a:ext cx="3016800" cy="319320"/>
+            <a:ext cx="3016440" cy="318960"/>
           </a:xfrm>
           <a:prstGeom prst="rect">
             <a:avLst/>
@@ -12125,14 +13917,14 @@
       </p:sp>
       <p:sp>
         <p:nvSpPr>
-          <p:cNvPr id="121" name="Shape 19"/>
+          <p:cNvPr id="159" name="Shape 19"/>
           <p:cNvSpPr/>
           <p:nvPr/>
         </p:nvSpPr>
         <p:spPr>
           <a:xfrm>
             <a:off x="4663440" y="4343400"/>
-            <a:ext cx="319320" cy="136440"/>
+            <a:ext cx="318960" cy="136080"/>
           </a:xfrm>
           <a:prstGeom prst="rightArrow">
             <a:avLst>
@@ -12156,14 +13948,14 @@
       </p:sp>
       <p:sp>
         <p:nvSpPr>
-          <p:cNvPr id="122" name="Shape 20"/>
+          <p:cNvPr id="160" name="Shape 20"/>
           <p:cNvSpPr/>
           <p:nvPr/>
         </p:nvSpPr>
         <p:spPr>
           <a:xfrm>
             <a:off x="5120640" y="4206240"/>
-            <a:ext cx="3199680" cy="410760"/>
+            <a:ext cx="3199320" cy="410400"/>
           </a:xfrm>
           <a:prstGeom prst="rect">
             <a:avLst/>
@@ -12184,14 +13976,14 @@
       </p:sp>
       <p:sp>
         <p:nvSpPr>
-          <p:cNvPr id="123" name="Text 21"/>
+          <p:cNvPr id="161" name="Text 21"/>
           <p:cNvSpPr/>
           <p:nvPr/>
         </p:nvSpPr>
         <p:spPr>
           <a:xfrm>
             <a:off x="5212080" y="4251960"/>
-            <a:ext cx="3016800" cy="319320"/>
+            <a:ext cx="3016440" cy="318960"/>
           </a:xfrm>
           <a:prstGeom prst="rect">
             <a:avLst/>
@@ -12276,14 +14068,14 @@
       </p:grpSpPr>
       <p:sp>
         <p:nvSpPr>
-          <p:cNvPr id="124" name="Text 0"/>
+          <p:cNvPr id="162" name="Text 0"/>
           <p:cNvSpPr/>
           <p:nvPr/>
         </p:nvSpPr>
         <p:spPr>
           <a:xfrm>
             <a:off x="457200" y="274320"/>
-            <a:ext cx="8228880" cy="456480"/>
+            <a:ext cx="8228520" cy="456120"/>
           </a:xfrm>
           <a:prstGeom prst="rect">
             <a:avLst/>
@@ -12331,14 +14123,14 @@
       </p:sp>
       <p:sp>
         <p:nvSpPr>
-          <p:cNvPr id="125" name="Shape 1"/>
+          <p:cNvPr id="163" name="Shape 1"/>
           <p:cNvSpPr/>
           <p:nvPr/>
         </p:nvSpPr>
         <p:spPr>
           <a:xfrm>
             <a:off x="640080" y="914400"/>
-            <a:ext cx="4114080" cy="456480"/>
+            <a:ext cx="4113720" cy="456120"/>
           </a:xfrm>
           <a:prstGeom prst="rect">
             <a:avLst/>
@@ -12359,14 +14151,14 @@
       </p:sp>
       <p:sp>
         <p:nvSpPr>
-          <p:cNvPr id="126" name="Text 2"/>
+          <p:cNvPr id="164" name="Text 2"/>
           <p:cNvSpPr/>
           <p:nvPr/>
         </p:nvSpPr>
         <p:spPr>
           <a:xfrm>
             <a:off x="640080" y="960120"/>
-            <a:ext cx="4114080" cy="365040"/>
+            <a:ext cx="4113720" cy="364680"/>
           </a:xfrm>
           <a:prstGeom prst="rect">
             <a:avLst/>
@@ -12414,14 +14206,14 @@
       </p:sp>
       <p:sp>
         <p:nvSpPr>
-          <p:cNvPr id="127" name="Shape 3"/>
+          <p:cNvPr id="165" name="Shape 3"/>
           <p:cNvSpPr/>
           <p:nvPr/>
         </p:nvSpPr>
         <p:spPr>
           <a:xfrm>
             <a:off x="640080" y="1463040"/>
-            <a:ext cx="4114080" cy="2925360"/>
+            <a:ext cx="4113720" cy="2925000"/>
           </a:xfrm>
           <a:prstGeom prst="rect">
             <a:avLst/>
@@ -12442,14 +14234,14 @@
       </p:sp>
       <p:sp>
         <p:nvSpPr>
-          <p:cNvPr id="128" name="Text 4"/>
+          <p:cNvPr id="166" name="Text 4"/>
           <p:cNvSpPr/>
           <p:nvPr/>
         </p:nvSpPr>
         <p:spPr>
           <a:xfrm>
             <a:off x="822960" y="1600200"/>
-            <a:ext cx="3748320" cy="2651040"/>
+            <a:ext cx="3747960" cy="2650680"/>
           </a:xfrm>
           <a:prstGeom prst="rect">
             <a:avLst/>
@@ -12843,14 +14635,14 @@
       </p:sp>
       <p:sp>
         <p:nvSpPr>
-          <p:cNvPr id="129" name="Shape 5"/>
+          <p:cNvPr id="167" name="Shape 5"/>
           <p:cNvSpPr/>
           <p:nvPr/>
         </p:nvSpPr>
         <p:spPr>
           <a:xfrm>
             <a:off x="5029200" y="914400"/>
-            <a:ext cx="3474000" cy="456480"/>
+            <a:ext cx="3473640" cy="456120"/>
           </a:xfrm>
           <a:prstGeom prst="rect">
             <a:avLst/>
@@ -12871,14 +14663,14 @@
       </p:sp>
       <p:sp>
         <p:nvSpPr>
-          <p:cNvPr id="130" name="Text 6"/>
+          <p:cNvPr id="168" name="Text 6"/>
           <p:cNvSpPr/>
           <p:nvPr/>
         </p:nvSpPr>
         <p:spPr>
           <a:xfrm>
             <a:off x="5029200" y="960120"/>
-            <a:ext cx="3474000" cy="365040"/>
+            <a:ext cx="3473640" cy="364680"/>
           </a:xfrm>
           <a:prstGeom prst="rect">
             <a:avLst/>
@@ -12926,14 +14718,14 @@
       </p:sp>
       <p:sp>
         <p:nvSpPr>
-          <p:cNvPr id="131" name="Shape 7"/>
+          <p:cNvPr id="169" name="Shape 7"/>
           <p:cNvSpPr/>
           <p:nvPr/>
         </p:nvSpPr>
         <p:spPr>
           <a:xfrm>
             <a:off x="5852160" y="1554480"/>
-            <a:ext cx="1828080" cy="365040"/>
+            <a:ext cx="1827720" cy="364680"/>
           </a:xfrm>
           <a:prstGeom prst="roundRect">
             <a:avLst>
@@ -12959,14 +14751,14 @@
       </p:sp>
       <p:sp>
         <p:nvSpPr>
-          <p:cNvPr id="132" name="Text 8"/>
+          <p:cNvPr id="170" name="Text 8"/>
           <p:cNvSpPr/>
           <p:nvPr/>
         </p:nvSpPr>
         <p:spPr>
           <a:xfrm>
             <a:off x="5852160" y="1618560"/>
-            <a:ext cx="1828080" cy="246240"/>
+            <a:ext cx="1827720" cy="245880"/>
           </a:xfrm>
           <a:prstGeom prst="rect">
             <a:avLst/>
@@ -13014,7 +14806,7 @@
       </p:sp>
       <p:sp>
         <p:nvSpPr>
-          <p:cNvPr id="133" name="Shape 9"/>
+          <p:cNvPr id="171" name="Shape 9"/>
           <p:cNvSpPr/>
           <p:nvPr/>
         </p:nvSpPr>
@@ -13042,14 +14834,14 @@
       </p:sp>
       <p:sp>
         <p:nvSpPr>
-          <p:cNvPr id="134" name="Shape 10"/>
+          <p:cNvPr id="172" name="Shape 10"/>
           <p:cNvSpPr/>
           <p:nvPr/>
         </p:nvSpPr>
         <p:spPr>
           <a:xfrm>
             <a:off x="6693480" y="2121480"/>
-            <a:ext cx="145440" cy="118080"/>
+            <a:ext cx="145080" cy="117720"/>
           </a:xfrm>
           <a:prstGeom prst="downArrow">
             <a:avLst>
@@ -13073,14 +14865,14 @@
       </p:sp>
       <p:sp>
         <p:nvSpPr>
-          <p:cNvPr id="135" name="Shape 11"/>
+          <p:cNvPr id="173" name="Shape 11"/>
           <p:cNvSpPr/>
           <p:nvPr/>
         </p:nvSpPr>
         <p:spPr>
           <a:xfrm>
             <a:off x="5669280" y="2286000"/>
-            <a:ext cx="2193840" cy="685080"/>
+            <a:ext cx="2193480" cy="684720"/>
           </a:xfrm>
           <a:prstGeom prst="diamond">
             <a:avLst/>
@@ -13104,14 +14896,14 @@
       </p:sp>
       <p:sp>
         <p:nvSpPr>
-          <p:cNvPr id="136" name="Text 12"/>
+          <p:cNvPr id="174" name="Text 12"/>
           <p:cNvSpPr/>
           <p:nvPr/>
         </p:nvSpPr>
         <p:spPr>
           <a:xfrm>
             <a:off x="5669280" y="2468880"/>
-            <a:ext cx="2193840" cy="319320"/>
+            <a:ext cx="2193480" cy="318960"/>
           </a:xfrm>
           <a:prstGeom prst="rect">
             <a:avLst/>
@@ -13159,7 +14951,7 @@
       </p:sp>
       <p:sp>
         <p:nvSpPr>
-          <p:cNvPr id="137" name="Shape 13"/>
+          <p:cNvPr id="175" name="Shape 13"/>
           <p:cNvSpPr/>
           <p:nvPr/>
         </p:nvSpPr>
@@ -13187,14 +14979,14 @@
       </p:sp>
       <p:sp>
         <p:nvSpPr>
-          <p:cNvPr id="138" name="Shape 14"/>
+          <p:cNvPr id="176" name="Shape 14"/>
           <p:cNvSpPr/>
           <p:nvPr/>
         </p:nvSpPr>
         <p:spPr>
           <a:xfrm>
             <a:off x="5093280" y="2578680"/>
-            <a:ext cx="118080" cy="118080"/>
+            <a:ext cx="117720" cy="117720"/>
           </a:xfrm>
           <a:prstGeom prst="leftArrow">
             <a:avLst>
@@ -13218,14 +15010,14 @@
       </p:sp>
       <p:sp>
         <p:nvSpPr>
-          <p:cNvPr id="139" name="Text 15"/>
+          <p:cNvPr id="177" name="Text 15"/>
           <p:cNvSpPr/>
           <p:nvPr/>
         </p:nvSpPr>
         <p:spPr>
           <a:xfrm>
             <a:off x="4937760" y="2423160"/>
-            <a:ext cx="456480" cy="182160"/>
+            <a:ext cx="456120" cy="181800"/>
           </a:xfrm>
           <a:prstGeom prst="rect">
             <a:avLst/>
@@ -13273,7 +15065,7 @@
       </p:sp>
       <p:sp>
         <p:nvSpPr>
-          <p:cNvPr id="140" name="Shape 16"/>
+          <p:cNvPr id="178" name="Shape 16"/>
           <p:cNvSpPr/>
           <p:nvPr/>
         </p:nvSpPr>
@@ -13301,14 +15093,14 @@
       </p:sp>
       <p:sp>
         <p:nvSpPr>
-          <p:cNvPr id="141" name="Shape 17"/>
+          <p:cNvPr id="179" name="Shape 17"/>
           <p:cNvSpPr/>
           <p:nvPr/>
         </p:nvSpPr>
         <p:spPr>
           <a:xfrm>
             <a:off x="4572000" y="3108960"/>
-            <a:ext cx="1279440" cy="456480"/>
+            <a:ext cx="1279080" cy="456120"/>
           </a:xfrm>
           <a:prstGeom prst="rect">
             <a:avLst/>
@@ -13332,14 +15124,14 @@
       </p:sp>
       <p:sp>
         <p:nvSpPr>
-          <p:cNvPr id="142" name="Text 18"/>
+          <p:cNvPr id="180" name="Text 18"/>
           <p:cNvSpPr/>
           <p:nvPr/>
         </p:nvSpPr>
         <p:spPr>
           <a:xfrm>
             <a:off x="4572000" y="3154680"/>
-            <a:ext cx="1279440" cy="365040"/>
+            <a:ext cx="1279080" cy="364680"/>
           </a:xfrm>
           <a:prstGeom prst="rect">
             <a:avLst/>
@@ -13411,7 +15203,7 @@
       </p:sp>
       <p:sp>
         <p:nvSpPr>
-          <p:cNvPr id="143" name="Shape 19"/>
+          <p:cNvPr id="181" name="Shape 19"/>
           <p:cNvSpPr/>
           <p:nvPr/>
         </p:nvSpPr>
@@ -13439,7 +15231,7 @@
       </p:sp>
       <p:sp>
         <p:nvSpPr>
-          <p:cNvPr id="144" name="Shape 20"/>
+          <p:cNvPr id="182" name="Shape 20"/>
           <p:cNvSpPr/>
           <p:nvPr/>
         </p:nvSpPr>
@@ -13467,14 +15259,14 @@
       </p:sp>
       <p:sp>
         <p:nvSpPr>
-          <p:cNvPr id="145" name="Shape 21"/>
+          <p:cNvPr id="183" name="Shape 21"/>
           <p:cNvSpPr/>
           <p:nvPr/>
         </p:nvSpPr>
         <p:spPr>
           <a:xfrm>
             <a:off x="8293680" y="2578680"/>
-            <a:ext cx="118080" cy="118080"/>
+            <a:ext cx="117720" cy="117720"/>
           </a:xfrm>
           <a:prstGeom prst="rightArrow">
             <a:avLst>
@@ -13498,14 +15290,14 @@
       </p:sp>
       <p:sp>
         <p:nvSpPr>
-          <p:cNvPr id="146" name="Text 22"/>
+          <p:cNvPr id="184" name="Text 22"/>
           <p:cNvSpPr/>
           <p:nvPr/>
         </p:nvSpPr>
         <p:spPr>
           <a:xfrm>
             <a:off x="7909560" y="2423160"/>
-            <a:ext cx="456480" cy="182160"/>
+            <a:ext cx="456120" cy="181800"/>
           </a:xfrm>
           <a:prstGeom prst="rect">
             <a:avLst/>
@@ -13553,7 +15345,7 @@
       </p:sp>
       <p:sp>
         <p:nvSpPr>
-          <p:cNvPr id="147" name="Shape 23"/>
+          <p:cNvPr id="185" name="Shape 23"/>
           <p:cNvSpPr/>
           <p:nvPr/>
         </p:nvSpPr>
@@ -13581,14 +15373,14 @@
       </p:sp>
       <p:sp>
         <p:nvSpPr>
-          <p:cNvPr id="148" name="Shape 24"/>
+          <p:cNvPr id="186" name="Shape 24"/>
           <p:cNvSpPr/>
           <p:nvPr/>
         </p:nvSpPr>
         <p:spPr>
           <a:xfrm>
             <a:off x="7680960" y="3108960"/>
-            <a:ext cx="1279440" cy="456480"/>
+            <a:ext cx="1279080" cy="456120"/>
           </a:xfrm>
           <a:prstGeom prst="rect">
             <a:avLst/>
@@ -13612,14 +15404,14 @@
       </p:sp>
       <p:sp>
         <p:nvSpPr>
-          <p:cNvPr id="149" name="Text 25"/>
+          <p:cNvPr id="187" name="Text 25"/>
           <p:cNvSpPr/>
           <p:nvPr/>
         </p:nvSpPr>
         <p:spPr>
           <a:xfrm>
             <a:off x="7680960" y="3154680"/>
-            <a:ext cx="1279440" cy="365040"/>
+            <a:ext cx="1279080" cy="364680"/>
           </a:xfrm>
           <a:prstGeom prst="rect">
             <a:avLst/>
@@ -13691,7 +15483,7 @@
       </p:sp>
       <p:sp>
         <p:nvSpPr>
-          <p:cNvPr id="150" name="Shape 26"/>
+          <p:cNvPr id="188" name="Shape 26"/>
           <p:cNvSpPr/>
           <p:nvPr/>
         </p:nvSpPr>
@@ -13719,7 +15511,7 @@
       </p:sp>
       <p:sp>
         <p:nvSpPr>
-          <p:cNvPr id="151" name="Shape 27"/>
+          <p:cNvPr id="189" name="Shape 27"/>
           <p:cNvSpPr/>
           <p:nvPr/>
         </p:nvSpPr>
@@ -13747,14 +15539,14 @@
       </p:sp>
       <p:sp>
         <p:nvSpPr>
-          <p:cNvPr id="152" name="Shape 28"/>
+          <p:cNvPr id="190" name="Shape 28"/>
           <p:cNvSpPr/>
           <p:nvPr/>
         </p:nvSpPr>
         <p:spPr>
           <a:xfrm>
             <a:off x="6693480" y="3996000"/>
-            <a:ext cx="145440" cy="118080"/>
+            <a:ext cx="145080" cy="117720"/>
           </a:xfrm>
           <a:prstGeom prst="downArrow">
             <a:avLst>
@@ -13778,14 +15570,14 @@
       </p:sp>
       <p:sp>
         <p:nvSpPr>
-          <p:cNvPr id="153" name="Shape 29"/>
+          <p:cNvPr id="191" name="Shape 29"/>
           <p:cNvSpPr/>
           <p:nvPr/>
         </p:nvSpPr>
         <p:spPr>
           <a:xfrm>
             <a:off x="5852160" y="4160520"/>
-            <a:ext cx="1828080" cy="365040"/>
+            <a:ext cx="1827720" cy="364680"/>
           </a:xfrm>
           <a:prstGeom prst="roundRect">
             <a:avLst>
@@ -13811,14 +15603,14 @@
       </p:sp>
       <p:sp>
         <p:nvSpPr>
-          <p:cNvPr id="154" name="Text 30"/>
+          <p:cNvPr id="192" name="Text 30"/>
           <p:cNvSpPr/>
           <p:nvPr/>
         </p:nvSpPr>
         <p:spPr>
           <a:xfrm>
             <a:off x="5852160" y="4224600"/>
-            <a:ext cx="1828080" cy="246240"/>
+            <a:ext cx="1827720" cy="245880"/>
           </a:xfrm>
           <a:prstGeom prst="rect">
             <a:avLst/>
@@ -13903,14 +15695,14 @@
       </p:grpSpPr>
       <p:sp>
         <p:nvSpPr>
-          <p:cNvPr id="155" name="Text 0"/>
+          <p:cNvPr id="193" name="Text 0"/>
           <p:cNvSpPr/>
           <p:nvPr/>
         </p:nvSpPr>
         <p:spPr>
           <a:xfrm>
             <a:off x="457200" y="274320"/>
-            <a:ext cx="8228880" cy="456480"/>
+            <a:ext cx="8228520" cy="456120"/>
           </a:xfrm>
           <a:prstGeom prst="rect">
             <a:avLst/>
@@ -13958,14 +15750,14 @@
       </p:sp>
       <p:sp>
         <p:nvSpPr>
-          <p:cNvPr id="156" name="Shape 1"/>
+          <p:cNvPr id="194" name="Shape 1"/>
           <p:cNvSpPr/>
           <p:nvPr/>
         </p:nvSpPr>
         <p:spPr>
           <a:xfrm>
             <a:off x="731520" y="914400"/>
-            <a:ext cx="3839760" cy="456480"/>
+            <a:ext cx="3839400" cy="456120"/>
           </a:xfrm>
           <a:prstGeom prst="rect">
             <a:avLst/>
@@ -13986,14 +15778,14 @@
       </p:sp>
       <p:sp>
         <p:nvSpPr>
-          <p:cNvPr id="157" name="Text 2"/>
+          <p:cNvPr id="195" name="Text 2"/>
           <p:cNvSpPr/>
           <p:nvPr/>
         </p:nvSpPr>
         <p:spPr>
           <a:xfrm>
             <a:off x="731520" y="960120"/>
-            <a:ext cx="3839760" cy="365040"/>
+            <a:ext cx="3839400" cy="364680"/>
           </a:xfrm>
           <a:prstGeom prst="rect">
             <a:avLst/>
@@ -14041,14 +15833,14 @@
       </p:sp>
       <p:sp>
         <p:nvSpPr>
-          <p:cNvPr id="158" name="Shape 3"/>
+          <p:cNvPr id="196" name="Shape 3"/>
           <p:cNvSpPr/>
           <p:nvPr/>
         </p:nvSpPr>
         <p:spPr>
           <a:xfrm>
             <a:off x="731520" y="1463040"/>
-            <a:ext cx="3839760" cy="730800"/>
+            <a:ext cx="3839400" cy="730440"/>
           </a:xfrm>
           <a:prstGeom prst="rect">
             <a:avLst/>
@@ -14069,14 +15861,14 @@
       </p:sp>
       <p:sp>
         <p:nvSpPr>
-          <p:cNvPr id="159" name="Text 4"/>
+          <p:cNvPr id="197" name="Text 4"/>
           <p:cNvSpPr/>
           <p:nvPr/>
         </p:nvSpPr>
         <p:spPr>
           <a:xfrm>
             <a:off x="914400" y="1554480"/>
-            <a:ext cx="3474000" cy="547920"/>
+            <a:ext cx="3473640" cy="547560"/>
           </a:xfrm>
           <a:prstGeom prst="rect">
             <a:avLst/>
@@ -14216,14 +16008,14 @@
       </p:sp>
       <p:sp>
         <p:nvSpPr>
-          <p:cNvPr id="160" name="Shape 5"/>
+          <p:cNvPr id="198" name="Shape 5"/>
           <p:cNvSpPr/>
           <p:nvPr/>
         </p:nvSpPr>
         <p:spPr>
           <a:xfrm>
             <a:off x="2560320" y="2240280"/>
-            <a:ext cx="273600" cy="182160"/>
+            <a:ext cx="273240" cy="181800"/>
           </a:xfrm>
           <a:prstGeom prst="downArrow">
             <a:avLst>
@@ -14247,14 +16039,14 @@
       </p:sp>
       <p:sp>
         <p:nvSpPr>
-          <p:cNvPr id="161" name="Shape 6"/>
+          <p:cNvPr id="199" name="Shape 6"/>
           <p:cNvSpPr/>
           <p:nvPr/>
         </p:nvSpPr>
         <p:spPr>
           <a:xfrm>
             <a:off x="1371600" y="2468880"/>
-            <a:ext cx="2742480" cy="410760"/>
+            <a:ext cx="2742120" cy="410400"/>
           </a:xfrm>
           <a:prstGeom prst="rect">
             <a:avLst/>
@@ -14278,14 +16070,14 @@
       </p:sp>
       <p:sp>
         <p:nvSpPr>
-          <p:cNvPr id="162" name="Text 7"/>
+          <p:cNvPr id="200" name="Text 7"/>
           <p:cNvSpPr/>
           <p:nvPr/>
         </p:nvSpPr>
         <p:spPr>
           <a:xfrm>
             <a:off x="1371600" y="2514600"/>
-            <a:ext cx="2742480" cy="319320"/>
+            <a:ext cx="2742120" cy="318960"/>
           </a:xfrm>
           <a:prstGeom prst="rect">
             <a:avLst/>
@@ -14333,14 +16125,14 @@
       </p:sp>
       <p:sp>
         <p:nvSpPr>
-          <p:cNvPr id="163" name="Shape 8"/>
+          <p:cNvPr id="201" name="Shape 8"/>
           <p:cNvSpPr/>
           <p:nvPr/>
         </p:nvSpPr>
         <p:spPr>
           <a:xfrm>
             <a:off x="2560320" y="2926080"/>
-            <a:ext cx="273600" cy="182160"/>
+            <a:ext cx="273240" cy="181800"/>
           </a:xfrm>
           <a:prstGeom prst="downArrow">
             <a:avLst>
@@ -14364,14 +16156,14 @@
       </p:sp>
       <p:sp>
         <p:nvSpPr>
-          <p:cNvPr id="164" name="Shape 9"/>
+          <p:cNvPr id="202" name="Shape 9"/>
           <p:cNvSpPr/>
           <p:nvPr/>
         </p:nvSpPr>
         <p:spPr>
           <a:xfrm>
             <a:off x="1097280" y="3154680"/>
-            <a:ext cx="3291120" cy="456480"/>
+            <a:ext cx="3290760" cy="456120"/>
           </a:xfrm>
           <a:prstGeom prst="rect">
             <a:avLst/>
@@ -14395,14 +16187,14 @@
       </p:sp>
       <p:sp>
         <p:nvSpPr>
-          <p:cNvPr id="165" name="Text 10"/>
+          <p:cNvPr id="203" name="Text 10"/>
           <p:cNvSpPr/>
           <p:nvPr/>
         </p:nvSpPr>
         <p:spPr>
           <a:xfrm>
             <a:off x="1097280" y="3200400"/>
-            <a:ext cx="3291120" cy="365040"/>
+            <a:ext cx="3290760" cy="364680"/>
           </a:xfrm>
           <a:prstGeom prst="rect">
             <a:avLst/>
@@ -14460,14 +16252,14 @@
       </p:sp>
       <p:sp>
         <p:nvSpPr>
-          <p:cNvPr id="166" name="Shape 11"/>
+          <p:cNvPr id="204" name="Shape 11"/>
           <p:cNvSpPr/>
           <p:nvPr/>
         </p:nvSpPr>
         <p:spPr>
           <a:xfrm>
             <a:off x="1371600" y="3749040"/>
-            <a:ext cx="2742480" cy="410760"/>
+            <a:ext cx="2742120" cy="410400"/>
           </a:xfrm>
           <a:prstGeom prst="rect">
             <a:avLst/>
@@ -14488,14 +16280,14 @@
       </p:sp>
       <p:sp>
         <p:nvSpPr>
-          <p:cNvPr id="167" name="Text 12"/>
+          <p:cNvPr id="205" name="Text 12"/>
           <p:cNvSpPr/>
           <p:nvPr/>
         </p:nvSpPr>
         <p:spPr>
           <a:xfrm>
             <a:off x="1371600" y="3794760"/>
-            <a:ext cx="2742480" cy="319320"/>
+            <a:ext cx="2742120" cy="318960"/>
           </a:xfrm>
           <a:prstGeom prst="rect">
             <a:avLst/>
@@ -14543,14 +16335,14 @@
       </p:sp>
       <p:sp>
         <p:nvSpPr>
-          <p:cNvPr id="168" name="Shape 13"/>
+          <p:cNvPr id="206" name="Shape 13"/>
           <p:cNvSpPr/>
           <p:nvPr/>
         </p:nvSpPr>
         <p:spPr>
           <a:xfrm>
             <a:off x="4572000" y="914400"/>
-            <a:ext cx="3839760" cy="456480"/>
+            <a:ext cx="3839400" cy="456120"/>
           </a:xfrm>
           <a:prstGeom prst="rect">
             <a:avLst/>
@@ -14571,14 +16363,14 @@
       </p:sp>
       <p:sp>
         <p:nvSpPr>
-          <p:cNvPr id="169" name="Text 14"/>
+          <p:cNvPr id="207" name="Text 14"/>
           <p:cNvSpPr/>
           <p:nvPr/>
         </p:nvSpPr>
         <p:spPr>
           <a:xfrm>
             <a:off x="4572000" y="960120"/>
-            <a:ext cx="3839760" cy="365040"/>
+            <a:ext cx="3839400" cy="364680"/>
           </a:xfrm>
           <a:prstGeom prst="rect">
             <a:avLst/>
@@ -14626,14 +16418,14 @@
       </p:sp>
       <p:sp>
         <p:nvSpPr>
-          <p:cNvPr id="170" name="Shape 15"/>
+          <p:cNvPr id="208" name="Shape 15"/>
           <p:cNvSpPr/>
           <p:nvPr/>
         </p:nvSpPr>
         <p:spPr>
           <a:xfrm>
             <a:off x="4572000" y="1463040"/>
-            <a:ext cx="3839760" cy="730800"/>
+            <a:ext cx="3839400" cy="730440"/>
           </a:xfrm>
           <a:prstGeom prst="rect">
             <a:avLst/>
@@ -14654,14 +16446,14 @@
       </p:sp>
       <p:sp>
         <p:nvSpPr>
-          <p:cNvPr id="171" name="Text 16"/>
+          <p:cNvPr id="209" name="Text 16"/>
           <p:cNvSpPr/>
           <p:nvPr/>
         </p:nvSpPr>
         <p:spPr>
           <a:xfrm>
             <a:off x="4754880" y="1554480"/>
-            <a:ext cx="3474000" cy="547920"/>
+            <a:ext cx="3473640" cy="547560"/>
           </a:xfrm>
           <a:prstGeom prst="rect">
             <a:avLst/>
@@ -14801,14 +16593,14 @@
       </p:sp>
       <p:sp>
         <p:nvSpPr>
-          <p:cNvPr id="172" name="Shape 17"/>
+          <p:cNvPr id="210" name="Shape 17"/>
           <p:cNvSpPr/>
           <p:nvPr/>
         </p:nvSpPr>
         <p:spPr>
           <a:xfrm>
             <a:off x="6400800" y="2240280"/>
-            <a:ext cx="273600" cy="182160"/>
+            <a:ext cx="273240" cy="181800"/>
           </a:xfrm>
           <a:prstGeom prst="downArrow">
             <a:avLst>
@@ -14832,14 +16624,14 @@
       </p:sp>
       <p:sp>
         <p:nvSpPr>
-          <p:cNvPr id="173" name="Shape 18"/>
+          <p:cNvPr id="211" name="Shape 18"/>
           <p:cNvSpPr/>
           <p:nvPr/>
         </p:nvSpPr>
         <p:spPr>
           <a:xfrm>
             <a:off x="5212080" y="2468880"/>
-            <a:ext cx="2742480" cy="410760"/>
+            <a:ext cx="2742120" cy="410400"/>
           </a:xfrm>
           <a:prstGeom prst="rect">
             <a:avLst/>
@@ -14863,14 +16655,14 @@
       </p:sp>
       <p:sp>
         <p:nvSpPr>
-          <p:cNvPr id="174" name="Text 19"/>
+          <p:cNvPr id="212" name="Text 19"/>
           <p:cNvSpPr/>
           <p:nvPr/>
         </p:nvSpPr>
         <p:spPr>
           <a:xfrm>
             <a:off x="5212080" y="2514600"/>
-            <a:ext cx="2742480" cy="319320"/>
+            <a:ext cx="2742120" cy="318960"/>
           </a:xfrm>
           <a:prstGeom prst="rect">
             <a:avLst/>
@@ -14918,14 +16710,14 @@
       </p:sp>
       <p:sp>
         <p:nvSpPr>
-          <p:cNvPr id="175" name="Shape 20"/>
+          <p:cNvPr id="213" name="Shape 20"/>
           <p:cNvSpPr/>
           <p:nvPr/>
         </p:nvSpPr>
         <p:spPr>
           <a:xfrm>
             <a:off x="6400800" y="2926080"/>
-            <a:ext cx="273600" cy="182160"/>
+            <a:ext cx="273240" cy="181800"/>
           </a:xfrm>
           <a:prstGeom prst="downArrow">
             <a:avLst>
@@ -14949,14 +16741,14 @@
       </p:sp>
       <p:sp>
         <p:nvSpPr>
-          <p:cNvPr id="176" name="Shape 21"/>
+          <p:cNvPr id="214" name="Shape 21"/>
           <p:cNvSpPr/>
           <p:nvPr/>
         </p:nvSpPr>
         <p:spPr>
           <a:xfrm>
             <a:off x="4937760" y="3154680"/>
-            <a:ext cx="3291120" cy="456480"/>
+            <a:ext cx="3290760" cy="456120"/>
           </a:xfrm>
           <a:prstGeom prst="rect">
             <a:avLst/>
@@ -14980,14 +16772,14 @@
       </p:sp>
       <p:sp>
         <p:nvSpPr>
-          <p:cNvPr id="177" name="Text 22"/>
+          <p:cNvPr id="215" name="Text 22"/>
           <p:cNvSpPr/>
           <p:nvPr/>
         </p:nvSpPr>
         <p:spPr>
           <a:xfrm>
             <a:off x="4937760" y="3200400"/>
-            <a:ext cx="3291120" cy="365040"/>
+            <a:ext cx="3290760" cy="364680"/>
           </a:xfrm>
           <a:prstGeom prst="rect">
             <a:avLst/>
@@ -15045,14 +16837,14 @@
       </p:sp>
       <p:sp>
         <p:nvSpPr>
-          <p:cNvPr id="178" name="Shape 23"/>
+          <p:cNvPr id="216" name="Shape 23"/>
           <p:cNvSpPr/>
           <p:nvPr/>
         </p:nvSpPr>
         <p:spPr>
           <a:xfrm>
             <a:off x="5212080" y="3749040"/>
-            <a:ext cx="2742480" cy="410760"/>
+            <a:ext cx="2742120" cy="410400"/>
           </a:xfrm>
           <a:prstGeom prst="rect">
             <a:avLst/>
@@ -15073,14 +16865,14 @@
       </p:sp>
       <p:sp>
         <p:nvSpPr>
-          <p:cNvPr id="179" name="Text 24"/>
+          <p:cNvPr id="217" name="Text 24"/>
           <p:cNvSpPr/>
           <p:nvPr/>
         </p:nvSpPr>
         <p:spPr>
           <a:xfrm>
             <a:off x="5212080" y="3794760"/>
-            <a:ext cx="2742480" cy="319320"/>
+            <a:ext cx="2742120" cy="318960"/>
           </a:xfrm>
           <a:prstGeom prst="rect">
             <a:avLst/>
@@ -15165,14 +16957,14 @@
       </p:grpSpPr>
       <p:sp>
         <p:nvSpPr>
-          <p:cNvPr id="180" name="Text 0"/>
+          <p:cNvPr id="218" name="Text 0"/>
           <p:cNvSpPr/>
           <p:nvPr/>
         </p:nvSpPr>
         <p:spPr>
           <a:xfrm>
             <a:off x="457200" y="274320"/>
-            <a:ext cx="8228880" cy="456480"/>
+            <a:ext cx="8228520" cy="456120"/>
           </a:xfrm>
           <a:prstGeom prst="rect">
             <a:avLst/>
@@ -15220,14 +17012,14 @@
       </p:sp>
       <p:sp>
         <p:nvSpPr>
-          <p:cNvPr id="181" name="Shape 1"/>
+          <p:cNvPr id="219" name="Shape 1"/>
           <p:cNvSpPr/>
           <p:nvPr/>
         </p:nvSpPr>
         <p:spPr>
           <a:xfrm>
             <a:off x="914400" y="868680"/>
-            <a:ext cx="7314480" cy="547920"/>
+            <a:ext cx="7314120" cy="547560"/>
           </a:xfrm>
           <a:prstGeom prst="rect">
             <a:avLst/>
@@ -15251,14 +17043,14 @@
       </p:sp>
       <p:sp>
         <p:nvSpPr>
-          <p:cNvPr id="182" name="Text 2"/>
+          <p:cNvPr id="220" name="Text 2"/>
           <p:cNvSpPr/>
           <p:nvPr/>
         </p:nvSpPr>
         <p:spPr>
           <a:xfrm>
             <a:off x="914400" y="960120"/>
-            <a:ext cx="7314480" cy="365040"/>
+            <a:ext cx="7314120" cy="364680"/>
           </a:xfrm>
           <a:prstGeom prst="rect">
             <a:avLst/>
@@ -15306,14 +17098,14 @@
       </p:sp>
       <p:sp>
         <p:nvSpPr>
-          <p:cNvPr id="183" name="Shape 3"/>
+          <p:cNvPr id="221" name="Shape 3"/>
           <p:cNvSpPr/>
           <p:nvPr/>
         </p:nvSpPr>
         <p:spPr>
           <a:xfrm>
             <a:off x="731520" y="1554480"/>
-            <a:ext cx="3839760" cy="456480"/>
+            <a:ext cx="3839400" cy="456120"/>
           </a:xfrm>
           <a:prstGeom prst="rect">
             <a:avLst/>
@@ -15334,14 +17126,14 @@
       </p:sp>
       <p:sp>
         <p:nvSpPr>
-          <p:cNvPr id="184" name="Text 4"/>
+          <p:cNvPr id="222" name="Text 4"/>
           <p:cNvSpPr/>
           <p:nvPr/>
         </p:nvSpPr>
         <p:spPr>
           <a:xfrm>
             <a:off x="731520" y="1600200"/>
-            <a:ext cx="3839760" cy="365040"/>
+            <a:ext cx="3839400" cy="364680"/>
           </a:xfrm>
           <a:prstGeom prst="rect">
             <a:avLst/>
@@ -15389,14 +17181,14 @@
       </p:sp>
       <p:sp>
         <p:nvSpPr>
-          <p:cNvPr id="185" name="Shape 5"/>
+          <p:cNvPr id="223" name="Shape 5"/>
           <p:cNvSpPr/>
           <p:nvPr/>
         </p:nvSpPr>
         <p:spPr>
           <a:xfrm>
             <a:off x="731520" y="2103120"/>
-            <a:ext cx="3839760" cy="2193840"/>
+            <a:ext cx="3839400" cy="2193480"/>
           </a:xfrm>
           <a:prstGeom prst="rect">
             <a:avLst/>
@@ -15417,14 +17209,14 @@
       </p:sp>
       <p:sp>
         <p:nvSpPr>
-          <p:cNvPr id="186" name="Text 6"/>
+          <p:cNvPr id="224" name="Text 6"/>
           <p:cNvSpPr/>
           <p:nvPr/>
         </p:nvSpPr>
         <p:spPr>
           <a:xfrm>
             <a:off x="914400" y="2240280"/>
-            <a:ext cx="3474000" cy="1919520"/>
+            <a:ext cx="3473640" cy="1919160"/>
           </a:xfrm>
           <a:prstGeom prst="rect">
             <a:avLst/>
@@ -15680,14 +17472,14 @@
       </p:sp>
       <p:sp>
         <p:nvSpPr>
-          <p:cNvPr id="187" name="Shape 7"/>
+          <p:cNvPr id="225" name="Shape 7"/>
           <p:cNvSpPr/>
           <p:nvPr/>
         </p:nvSpPr>
         <p:spPr>
           <a:xfrm>
             <a:off x="4754880" y="1554480"/>
-            <a:ext cx="3656880" cy="456480"/>
+            <a:ext cx="3656520" cy="456120"/>
           </a:xfrm>
           <a:prstGeom prst="rect">
             <a:avLst/>
@@ -15708,14 +17500,14 @@
       </p:sp>
       <p:sp>
         <p:nvSpPr>
-          <p:cNvPr id="188" name="Text 8"/>
+          <p:cNvPr id="226" name="Text 8"/>
           <p:cNvSpPr/>
           <p:nvPr/>
         </p:nvSpPr>
         <p:spPr>
           <a:xfrm>
             <a:off x="4754880" y="1600200"/>
-            <a:ext cx="3656880" cy="365040"/>
+            <a:ext cx="3656520" cy="364680"/>
           </a:xfrm>
           <a:prstGeom prst="rect">
             <a:avLst/>
@@ -15763,14 +17555,14 @@
       </p:sp>
       <p:sp>
         <p:nvSpPr>
-          <p:cNvPr id="189" name="Shape 9"/>
+          <p:cNvPr id="227" name="Shape 9"/>
           <p:cNvSpPr/>
           <p:nvPr/>
         </p:nvSpPr>
         <p:spPr>
           <a:xfrm>
             <a:off x="4937760" y="2176200"/>
-            <a:ext cx="319320" cy="319320"/>
+            <a:ext cx="318960" cy="318960"/>
           </a:xfrm>
           <a:prstGeom prst="ellipse">
             <a:avLst/>
@@ -15791,14 +17583,14 @@
       </p:sp>
       <p:sp>
         <p:nvSpPr>
-          <p:cNvPr id="190" name="Text 10"/>
+          <p:cNvPr id="228" name="Text 10"/>
           <p:cNvSpPr/>
           <p:nvPr/>
         </p:nvSpPr>
         <p:spPr>
           <a:xfrm>
             <a:off x="4937760" y="2176200"/>
-            <a:ext cx="319320" cy="319320"/>
+            <a:ext cx="318960" cy="318960"/>
           </a:xfrm>
           <a:prstGeom prst="rect">
             <a:avLst/>
@@ -15846,14 +17638,14 @@
       </p:sp>
       <p:sp>
         <p:nvSpPr>
-          <p:cNvPr id="191" name="Shape 11"/>
+          <p:cNvPr id="229" name="Shape 11"/>
           <p:cNvSpPr/>
           <p:nvPr/>
         </p:nvSpPr>
         <p:spPr>
           <a:xfrm>
             <a:off x="5349240" y="2194560"/>
-            <a:ext cx="3016800" cy="291960"/>
+            <a:ext cx="3016440" cy="291600"/>
           </a:xfrm>
           <a:prstGeom prst="rect">
             <a:avLst/>
@@ -15877,14 +17669,14 @@
       </p:sp>
       <p:sp>
         <p:nvSpPr>
-          <p:cNvPr id="192" name="Text 12"/>
+          <p:cNvPr id="230" name="Text 12"/>
           <p:cNvSpPr/>
           <p:nvPr/>
         </p:nvSpPr>
         <p:spPr>
           <a:xfrm>
             <a:off x="5394960" y="2203560"/>
-            <a:ext cx="2925360" cy="273600"/>
+            <a:ext cx="2925000" cy="273240"/>
           </a:xfrm>
           <a:prstGeom prst="rect">
             <a:avLst/>
@@ -15932,14 +17724,14 @@
       </p:sp>
       <p:sp>
         <p:nvSpPr>
-          <p:cNvPr id="193" name="Shape 13"/>
+          <p:cNvPr id="231" name="Shape 13"/>
           <p:cNvSpPr/>
           <p:nvPr/>
         </p:nvSpPr>
         <p:spPr>
           <a:xfrm>
             <a:off x="4937760" y="2523600"/>
-            <a:ext cx="319320" cy="319320"/>
+            <a:ext cx="318960" cy="318960"/>
           </a:xfrm>
           <a:prstGeom prst="ellipse">
             <a:avLst/>
@@ -15960,14 +17752,14 @@
       </p:sp>
       <p:sp>
         <p:nvSpPr>
-          <p:cNvPr id="194" name="Text 14"/>
+          <p:cNvPr id="232" name="Text 14"/>
           <p:cNvSpPr/>
           <p:nvPr/>
         </p:nvSpPr>
         <p:spPr>
           <a:xfrm>
             <a:off x="4937760" y="2523600"/>
-            <a:ext cx="319320" cy="319320"/>
+            <a:ext cx="318960" cy="318960"/>
           </a:xfrm>
           <a:prstGeom prst="rect">
             <a:avLst/>
@@ -16015,14 +17807,14 @@
       </p:sp>
       <p:sp>
         <p:nvSpPr>
-          <p:cNvPr id="195" name="Shape 15"/>
+          <p:cNvPr id="233" name="Shape 15"/>
           <p:cNvSpPr/>
           <p:nvPr/>
         </p:nvSpPr>
         <p:spPr>
           <a:xfrm>
             <a:off x="5349240" y="2541960"/>
-            <a:ext cx="3016800" cy="291960"/>
+            <a:ext cx="3016440" cy="291600"/>
           </a:xfrm>
           <a:prstGeom prst="rect">
             <a:avLst/>
@@ -16046,14 +17838,14 @@
       </p:sp>
       <p:sp>
         <p:nvSpPr>
-          <p:cNvPr id="196" name="Text 16"/>
+          <p:cNvPr id="234" name="Text 16"/>
           <p:cNvSpPr/>
           <p:nvPr/>
         </p:nvSpPr>
         <p:spPr>
           <a:xfrm>
             <a:off x="5394960" y="2551320"/>
-            <a:ext cx="2925360" cy="273600"/>
+            <a:ext cx="2925000" cy="273240"/>
           </a:xfrm>
           <a:prstGeom prst="rect">
             <a:avLst/>
@@ -16101,14 +17893,14 @@
       </p:sp>
       <p:sp>
         <p:nvSpPr>
-          <p:cNvPr id="197" name="Shape 17"/>
+          <p:cNvPr id="235" name="Shape 17"/>
           <p:cNvSpPr/>
           <p:nvPr/>
         </p:nvSpPr>
         <p:spPr>
           <a:xfrm>
             <a:off x="4937760" y="2871360"/>
-            <a:ext cx="319320" cy="319320"/>
+            <a:ext cx="318960" cy="318960"/>
           </a:xfrm>
           <a:prstGeom prst="ellipse">
             <a:avLst/>
@@ -16129,14 +17921,14 @@
       </p:sp>
       <p:sp>
         <p:nvSpPr>
-          <p:cNvPr id="198" name="Text 18"/>
+          <p:cNvPr id="236" name="Text 18"/>
           <p:cNvSpPr/>
           <p:nvPr/>
         </p:nvSpPr>
         <p:spPr>
           <a:xfrm>
             <a:off x="4937760" y="2871360"/>
-            <a:ext cx="319320" cy="319320"/>
+            <a:ext cx="318960" cy="318960"/>
           </a:xfrm>
           <a:prstGeom prst="rect">
             <a:avLst/>
@@ -16184,14 +17976,14 @@
       </p:sp>
       <p:sp>
         <p:nvSpPr>
-          <p:cNvPr id="199" name="Shape 19"/>
+          <p:cNvPr id="237" name="Shape 19"/>
           <p:cNvSpPr/>
           <p:nvPr/>
         </p:nvSpPr>
         <p:spPr>
           <a:xfrm>
             <a:off x="5349240" y="2889360"/>
-            <a:ext cx="3016800" cy="291960"/>
+            <a:ext cx="3016440" cy="291600"/>
           </a:xfrm>
           <a:prstGeom prst="rect">
             <a:avLst/>
@@ -16215,14 +18007,14 @@
       </p:sp>
       <p:sp>
         <p:nvSpPr>
-          <p:cNvPr id="200" name="Text 20"/>
+          <p:cNvPr id="238" name="Text 20"/>
           <p:cNvSpPr/>
           <p:nvPr/>
         </p:nvSpPr>
         <p:spPr>
           <a:xfrm>
             <a:off x="5394960" y="2898720"/>
-            <a:ext cx="2925360" cy="273600"/>
+            <a:ext cx="2925000" cy="273240"/>
           </a:xfrm>
           <a:prstGeom prst="rect">
             <a:avLst/>
@@ -16270,14 +18062,14 @@
       </p:sp>
       <p:sp>
         <p:nvSpPr>
-          <p:cNvPr id="201" name="Shape 21"/>
+          <p:cNvPr id="239" name="Shape 21"/>
           <p:cNvSpPr/>
           <p:nvPr/>
         </p:nvSpPr>
         <p:spPr>
           <a:xfrm>
             <a:off x="4937760" y="3218760"/>
-            <a:ext cx="319320" cy="319320"/>
+            <a:ext cx="318960" cy="318960"/>
           </a:xfrm>
           <a:prstGeom prst="ellipse">
             <a:avLst/>
@@ -16298,14 +18090,14 @@
       </p:sp>
       <p:sp>
         <p:nvSpPr>
-          <p:cNvPr id="202" name="Text 22"/>
+          <p:cNvPr id="240" name="Text 22"/>
           <p:cNvSpPr/>
           <p:nvPr/>
         </p:nvSpPr>
         <p:spPr>
           <a:xfrm>
             <a:off x="4937760" y="3218760"/>
-            <a:ext cx="319320" cy="319320"/>
+            <a:ext cx="318960" cy="318960"/>
           </a:xfrm>
           <a:prstGeom prst="rect">
             <a:avLst/>
@@ -16353,14 +18145,14 @@
       </p:sp>
       <p:sp>
         <p:nvSpPr>
-          <p:cNvPr id="203" name="Shape 23"/>
+          <p:cNvPr id="241" name="Shape 23"/>
           <p:cNvSpPr/>
           <p:nvPr/>
         </p:nvSpPr>
         <p:spPr>
           <a:xfrm>
             <a:off x="5349240" y="3237120"/>
-            <a:ext cx="3016800" cy="291960"/>
+            <a:ext cx="3016440" cy="291600"/>
           </a:xfrm>
           <a:prstGeom prst="rect">
             <a:avLst/>
@@ -16384,14 +18176,14 @@
       </p:sp>
       <p:sp>
         <p:nvSpPr>
-          <p:cNvPr id="204" name="Text 24"/>
+          <p:cNvPr id="242" name="Text 24"/>
           <p:cNvSpPr/>
           <p:nvPr/>
         </p:nvSpPr>
         <p:spPr>
           <a:xfrm>
             <a:off x="5394960" y="3246120"/>
-            <a:ext cx="2925360" cy="273600"/>
+            <a:ext cx="2925000" cy="273240"/>
           </a:xfrm>
           <a:prstGeom prst="rect">
             <a:avLst/>
@@ -16439,14 +18231,14 @@
       </p:sp>
       <p:sp>
         <p:nvSpPr>
-          <p:cNvPr id="205" name="Shape 25"/>
+          <p:cNvPr id="243" name="Shape 25"/>
           <p:cNvSpPr/>
           <p:nvPr/>
         </p:nvSpPr>
         <p:spPr>
           <a:xfrm>
             <a:off x="4937760" y="3566160"/>
-            <a:ext cx="319320" cy="319320"/>
+            <a:ext cx="318960" cy="318960"/>
           </a:xfrm>
           <a:prstGeom prst="ellipse">
             <a:avLst/>
@@ -16467,14 +18259,14 @@
       </p:sp>
       <p:sp>
         <p:nvSpPr>
-          <p:cNvPr id="206" name="Text 26"/>
+          <p:cNvPr id="244" name="Text 26"/>
           <p:cNvSpPr/>
           <p:nvPr/>
         </p:nvSpPr>
         <p:spPr>
           <a:xfrm>
             <a:off x="4937760" y="3566160"/>
-            <a:ext cx="319320" cy="319320"/>
+            <a:ext cx="318960" cy="318960"/>
           </a:xfrm>
           <a:prstGeom prst="rect">
             <a:avLst/>
@@ -16522,14 +18314,14 @@
       </p:sp>
       <p:sp>
         <p:nvSpPr>
-          <p:cNvPr id="207" name="Shape 27"/>
+          <p:cNvPr id="245" name="Shape 27"/>
           <p:cNvSpPr/>
           <p:nvPr/>
         </p:nvSpPr>
         <p:spPr>
           <a:xfrm>
             <a:off x="5349240" y="3584520"/>
-            <a:ext cx="3016800" cy="291960"/>
+            <a:ext cx="3016440" cy="291600"/>
           </a:xfrm>
           <a:prstGeom prst="rect">
             <a:avLst/>
@@ -16553,14 +18345,14 @@
       </p:sp>
       <p:sp>
         <p:nvSpPr>
-          <p:cNvPr id="208" name="Text 28"/>
+          <p:cNvPr id="246" name="Text 28"/>
           <p:cNvSpPr/>
           <p:nvPr/>
         </p:nvSpPr>
         <p:spPr>
           <a:xfrm>
             <a:off x="5394960" y="3593520"/>
-            <a:ext cx="2925360" cy="273600"/>
+            <a:ext cx="2925000" cy="273240"/>
           </a:xfrm>
           <a:prstGeom prst="rect">
             <a:avLst/>
@@ -16608,14 +18400,14 @@
       </p:sp>
       <p:sp>
         <p:nvSpPr>
-          <p:cNvPr id="209" name="Shape 29"/>
+          <p:cNvPr id="247" name="Shape 29"/>
           <p:cNvSpPr/>
           <p:nvPr/>
         </p:nvSpPr>
         <p:spPr>
           <a:xfrm>
             <a:off x="4937760" y="3913560"/>
-            <a:ext cx="319320" cy="319320"/>
+            <a:ext cx="318960" cy="318960"/>
           </a:xfrm>
           <a:prstGeom prst="ellipse">
             <a:avLst/>
@@ -16636,14 +18428,14 @@
       </p:sp>
       <p:sp>
         <p:nvSpPr>
-          <p:cNvPr id="210" name="Text 30"/>
+          <p:cNvPr id="248" name="Text 30"/>
           <p:cNvSpPr/>
           <p:nvPr/>
         </p:nvSpPr>
         <p:spPr>
           <a:xfrm>
             <a:off x="4937760" y="3913560"/>
-            <a:ext cx="319320" cy="319320"/>
+            <a:ext cx="318960" cy="318960"/>
           </a:xfrm>
           <a:prstGeom prst="rect">
             <a:avLst/>
@@ -16691,14 +18483,14 @@
       </p:sp>
       <p:sp>
         <p:nvSpPr>
-          <p:cNvPr id="211" name="Shape 31"/>
+          <p:cNvPr id="249" name="Shape 31"/>
           <p:cNvSpPr/>
           <p:nvPr/>
         </p:nvSpPr>
         <p:spPr>
           <a:xfrm>
             <a:off x="5349240" y="3931920"/>
-            <a:ext cx="3016800" cy="291960"/>
+            <a:ext cx="3016440" cy="291600"/>
           </a:xfrm>
           <a:prstGeom prst="rect">
             <a:avLst/>
@@ -16722,14 +18514,14 @@
       </p:sp>
       <p:sp>
         <p:nvSpPr>
-          <p:cNvPr id="212" name="Text 32"/>
+          <p:cNvPr id="250" name="Text 32"/>
           <p:cNvSpPr/>
           <p:nvPr/>
         </p:nvSpPr>
         <p:spPr>
           <a:xfrm>
             <a:off x="5394960" y="3940920"/>
-            <a:ext cx="2925360" cy="273600"/>
+            <a:ext cx="2925000" cy="273240"/>
           </a:xfrm>
           <a:prstGeom prst="rect">
             <a:avLst/>
@@ -16814,14 +18606,14 @@
       </p:grpSpPr>
       <p:sp>
         <p:nvSpPr>
-          <p:cNvPr id="213" name="Text 0"/>
+          <p:cNvPr id="251" name="Text 0"/>
           <p:cNvSpPr/>
           <p:nvPr/>
         </p:nvSpPr>
         <p:spPr>
           <a:xfrm>
             <a:off x="457200" y="274320"/>
-            <a:ext cx="8228880" cy="456480"/>
+            <a:ext cx="8228520" cy="456120"/>
           </a:xfrm>
           <a:prstGeom prst="rect">
             <a:avLst/>
@@ -16869,14 +18661,14 @@
       </p:sp>
       <p:sp>
         <p:nvSpPr>
-          <p:cNvPr id="214" name="Shape 1"/>
+          <p:cNvPr id="252" name="Shape 1"/>
           <p:cNvSpPr/>
           <p:nvPr/>
         </p:nvSpPr>
         <p:spPr>
           <a:xfrm>
             <a:off x="640080" y="914400"/>
-            <a:ext cx="3199680" cy="410760"/>
+            <a:ext cx="3199320" cy="410400"/>
           </a:xfrm>
           <a:prstGeom prst="rect">
             <a:avLst/>
@@ -16897,14 +18689,14 @@
       </p:sp>
       <p:sp>
         <p:nvSpPr>
-          <p:cNvPr id="215" name="Text 2"/>
+          <p:cNvPr id="253" name="Text 2"/>
           <p:cNvSpPr/>
           <p:nvPr/>
         </p:nvSpPr>
         <p:spPr>
           <a:xfrm>
             <a:off x="640080" y="960120"/>
-            <a:ext cx="3199680" cy="319320"/>
+            <a:ext cx="3199320" cy="318960"/>
           </a:xfrm>
           <a:prstGeom prst="rect">
             <a:avLst/>
@@ -16952,14 +18744,14 @@
       </p:sp>
       <p:sp>
         <p:nvSpPr>
-          <p:cNvPr id="216" name="Shape 3"/>
+          <p:cNvPr id="254" name="Shape 3"/>
           <p:cNvSpPr/>
           <p:nvPr/>
         </p:nvSpPr>
         <p:spPr>
           <a:xfrm>
             <a:off x="640080" y="1371600"/>
-            <a:ext cx="3199680" cy="3382560"/>
+            <a:ext cx="3199320" cy="3382200"/>
           </a:xfrm>
           <a:prstGeom prst="rect">
             <a:avLst/>
@@ -16980,14 +18772,14 @@
       </p:sp>
       <p:sp>
         <p:nvSpPr>
-          <p:cNvPr id="217" name="Text 4"/>
+          <p:cNvPr id="255" name="Text 4"/>
           <p:cNvSpPr/>
           <p:nvPr/>
         </p:nvSpPr>
         <p:spPr>
           <a:xfrm>
             <a:off x="822960" y="1508760"/>
-            <a:ext cx="2833920" cy="3108240"/>
+            <a:ext cx="2833560" cy="3107880"/>
           </a:xfrm>
           <a:prstGeom prst="rect">
             <a:avLst/>
@@ -17223,14 +19015,14 @@
       </p:sp>
       <p:sp>
         <p:nvSpPr>
-          <p:cNvPr id="218" name="Shape 5"/>
+          <p:cNvPr id="256" name="Shape 5"/>
           <p:cNvSpPr/>
           <p:nvPr/>
         </p:nvSpPr>
         <p:spPr>
           <a:xfrm>
             <a:off x="4114800" y="914400"/>
-            <a:ext cx="4388400" cy="410760"/>
+            <a:ext cx="4388040" cy="410400"/>
           </a:xfrm>
           <a:prstGeom prst="rect">
             <a:avLst/>
@@ -17251,14 +19043,14 @@
       </p:sp>
       <p:sp>
         <p:nvSpPr>
-          <p:cNvPr id="219" name="Text 6"/>
+          <p:cNvPr id="257" name="Text 6"/>
           <p:cNvSpPr/>
           <p:nvPr/>
         </p:nvSpPr>
         <p:spPr>
           <a:xfrm>
             <a:off x="4114800" y="960120"/>
-            <a:ext cx="4388400" cy="319320"/>
+            <a:ext cx="4388040" cy="318960"/>
           </a:xfrm>
           <a:prstGeom prst="rect">
             <a:avLst/>
@@ -17306,14 +19098,14 @@
       </p:sp>
       <p:sp>
         <p:nvSpPr>
-          <p:cNvPr id="220" name="Shape 7"/>
+          <p:cNvPr id="258" name="Shape 7"/>
           <p:cNvSpPr/>
           <p:nvPr/>
         </p:nvSpPr>
         <p:spPr>
           <a:xfrm>
             <a:off x="5394960" y="1463040"/>
-            <a:ext cx="1828080" cy="319320"/>
+            <a:ext cx="1827720" cy="318960"/>
           </a:xfrm>
           <a:prstGeom prst="roundRect">
             <a:avLst>
@@ -17339,14 +19131,14 @@
       </p:sp>
       <p:sp>
         <p:nvSpPr>
-          <p:cNvPr id="221" name="Text 8"/>
+          <p:cNvPr id="259" name="Text 8"/>
           <p:cNvSpPr/>
           <p:nvPr/>
         </p:nvSpPr>
         <p:spPr>
           <a:xfrm>
             <a:off x="5394960" y="1508760"/>
-            <a:ext cx="1828080" cy="227880"/>
+            <a:ext cx="1827720" cy="227520"/>
           </a:xfrm>
           <a:prstGeom prst="rect">
             <a:avLst/>
@@ -17394,14 +19186,14 @@
       </p:sp>
       <p:sp>
         <p:nvSpPr>
-          <p:cNvPr id="222" name="Shape 9"/>
+          <p:cNvPr id="260" name="Shape 9"/>
           <p:cNvSpPr/>
           <p:nvPr/>
         </p:nvSpPr>
         <p:spPr>
           <a:xfrm>
             <a:off x="6236280" y="1810440"/>
-            <a:ext cx="145440" cy="109080"/>
+            <a:ext cx="145080" cy="108720"/>
           </a:xfrm>
           <a:prstGeom prst="downArrow">
             <a:avLst>
@@ -17425,14 +19217,14 @@
       </p:sp>
       <p:sp>
         <p:nvSpPr>
-          <p:cNvPr id="223" name="Shape 10"/>
+          <p:cNvPr id="261" name="Shape 10"/>
           <p:cNvSpPr/>
           <p:nvPr/>
         </p:nvSpPr>
         <p:spPr>
           <a:xfrm>
             <a:off x="5303520" y="1965960"/>
-            <a:ext cx="2010960" cy="502200"/>
+            <a:ext cx="2010600" cy="501840"/>
           </a:xfrm>
           <a:prstGeom prst="diamond">
             <a:avLst/>
@@ -17456,14 +19248,14 @@
       </p:sp>
       <p:sp>
         <p:nvSpPr>
-          <p:cNvPr id="224" name="Text 11"/>
+          <p:cNvPr id="262" name="Text 11"/>
           <p:cNvSpPr/>
           <p:nvPr/>
         </p:nvSpPr>
         <p:spPr>
           <a:xfrm>
             <a:off x="5303520" y="2057400"/>
-            <a:ext cx="2010960" cy="319320"/>
+            <a:ext cx="2010600" cy="318960"/>
           </a:xfrm>
           <a:prstGeom prst="rect">
             <a:avLst/>
@@ -17535,14 +19327,14 @@
       </p:sp>
       <p:sp>
         <p:nvSpPr>
-          <p:cNvPr id="225" name="Text 12"/>
+          <p:cNvPr id="263" name="Text 12"/>
           <p:cNvSpPr/>
           <p:nvPr/>
         </p:nvSpPr>
         <p:spPr>
           <a:xfrm>
             <a:off x="5852160" y="2514600"/>
-            <a:ext cx="456480" cy="136440"/>
+            <a:ext cx="456120" cy="136080"/>
           </a:xfrm>
           <a:prstGeom prst="rect">
             <a:avLst/>
@@ -17590,14 +19382,14 @@
       </p:sp>
       <p:sp>
         <p:nvSpPr>
-          <p:cNvPr id="226" name="Shape 13"/>
+          <p:cNvPr id="264" name="Shape 13"/>
           <p:cNvSpPr/>
           <p:nvPr/>
         </p:nvSpPr>
         <p:spPr>
           <a:xfrm>
             <a:off x="6236280" y="2496240"/>
-            <a:ext cx="145440" cy="109080"/>
+            <a:ext cx="145080" cy="108720"/>
           </a:xfrm>
           <a:prstGeom prst="downArrow">
             <a:avLst>
@@ -17621,14 +19413,14 @@
       </p:sp>
       <p:sp>
         <p:nvSpPr>
-          <p:cNvPr id="227" name="Shape 14"/>
+          <p:cNvPr id="265" name="Shape 14"/>
           <p:cNvSpPr/>
           <p:nvPr/>
         </p:nvSpPr>
         <p:spPr>
           <a:xfrm>
             <a:off x="5303520" y="2651760"/>
-            <a:ext cx="2010960" cy="502200"/>
+            <a:ext cx="2010600" cy="501840"/>
           </a:xfrm>
           <a:prstGeom prst="diamond">
             <a:avLst/>
@@ -17652,14 +19444,14 @@
       </p:sp>
       <p:sp>
         <p:nvSpPr>
-          <p:cNvPr id="228" name="Text 15"/>
+          <p:cNvPr id="266" name="Text 15"/>
           <p:cNvSpPr/>
           <p:nvPr/>
         </p:nvSpPr>
         <p:spPr>
           <a:xfrm>
             <a:off x="5303520" y="2743200"/>
-            <a:ext cx="2010960" cy="319320"/>
+            <a:ext cx="2010600" cy="318960"/>
           </a:xfrm>
           <a:prstGeom prst="rect">
             <a:avLst/>
@@ -17731,7 +19523,7 @@
       </p:sp>
       <p:sp>
         <p:nvSpPr>
-          <p:cNvPr id="229" name="Shape 16"/>
+          <p:cNvPr id="267" name="Shape 16"/>
           <p:cNvSpPr/>
           <p:nvPr/>
         </p:nvSpPr>
@@ -17759,14 +19551,14 @@
       </p:sp>
       <p:sp>
         <p:nvSpPr>
-          <p:cNvPr id="230" name="Shape 17"/>
+          <p:cNvPr id="268" name="Shape 17"/>
           <p:cNvSpPr/>
           <p:nvPr/>
         </p:nvSpPr>
         <p:spPr>
           <a:xfrm>
             <a:off x="7745040" y="2853000"/>
-            <a:ext cx="118080" cy="90720"/>
+            <a:ext cx="117720" cy="90360"/>
           </a:xfrm>
           <a:prstGeom prst="rightArrow">
             <a:avLst>
@@ -17790,14 +19582,14 @@
       </p:sp>
       <p:sp>
         <p:nvSpPr>
-          <p:cNvPr id="231" name="Text 18"/>
+          <p:cNvPr id="269" name="Text 18"/>
           <p:cNvSpPr/>
           <p:nvPr/>
         </p:nvSpPr>
         <p:spPr>
           <a:xfrm>
             <a:off x="7360920" y="2743200"/>
-            <a:ext cx="456480" cy="136440"/>
+            <a:ext cx="456120" cy="136080"/>
           </a:xfrm>
           <a:prstGeom prst="rect">
             <a:avLst/>
@@ -17845,14 +19637,14 @@
       </p:sp>
       <p:sp>
         <p:nvSpPr>
-          <p:cNvPr id="232" name="Shape 19"/>
+          <p:cNvPr id="270" name="Shape 19"/>
           <p:cNvSpPr/>
           <p:nvPr/>
         </p:nvSpPr>
         <p:spPr>
           <a:xfrm>
             <a:off x="7909560" y="2697480"/>
-            <a:ext cx="822240" cy="410760"/>
+            <a:ext cx="821880" cy="410400"/>
           </a:xfrm>
           <a:prstGeom prst="rect">
             <a:avLst/>
@@ -17876,14 +19668,14 @@
       </p:sp>
       <p:sp>
         <p:nvSpPr>
-          <p:cNvPr id="233" name="Text 20"/>
+          <p:cNvPr id="271" name="Text 20"/>
           <p:cNvSpPr/>
           <p:nvPr/>
         </p:nvSpPr>
         <p:spPr>
           <a:xfrm>
             <a:off x="7909560" y="2743200"/>
-            <a:ext cx="822240" cy="319320"/>
+            <a:ext cx="821880" cy="318960"/>
           </a:xfrm>
           <a:prstGeom prst="rect">
             <a:avLst/>
@@ -17955,7 +19747,7 @@
       </p:sp>
       <p:sp>
         <p:nvSpPr>
-          <p:cNvPr id="234" name="Shape 21"/>
+          <p:cNvPr id="272" name="Shape 21"/>
           <p:cNvSpPr/>
           <p:nvPr/>
         </p:nvSpPr>
@@ -17983,14 +19775,14 @@
       </p:sp>
       <p:sp>
         <p:nvSpPr>
-          <p:cNvPr id="235" name="Text 22"/>
+          <p:cNvPr id="273" name="Text 22"/>
           <p:cNvSpPr/>
           <p:nvPr/>
         </p:nvSpPr>
         <p:spPr>
           <a:xfrm>
             <a:off x="5852160" y="3200400"/>
-            <a:ext cx="456480" cy="136440"/>
+            <a:ext cx="456120" cy="136080"/>
           </a:xfrm>
           <a:prstGeom prst="rect">
             <a:avLst/>
@@ -18038,14 +19830,14 @@
       </p:sp>
       <p:sp>
         <p:nvSpPr>
-          <p:cNvPr id="236" name="Shape 23"/>
+          <p:cNvPr id="274" name="Shape 23"/>
           <p:cNvSpPr/>
           <p:nvPr/>
         </p:nvSpPr>
         <p:spPr>
           <a:xfrm>
             <a:off x="6236280" y="3182040"/>
-            <a:ext cx="145440" cy="109080"/>
+            <a:ext cx="145080" cy="108720"/>
           </a:xfrm>
           <a:prstGeom prst="downArrow">
             <a:avLst>
@@ -18069,14 +19861,14 @@
       </p:sp>
       <p:sp>
         <p:nvSpPr>
-          <p:cNvPr id="237" name="Shape 24"/>
+          <p:cNvPr id="275" name="Shape 24"/>
           <p:cNvSpPr/>
           <p:nvPr/>
         </p:nvSpPr>
         <p:spPr>
           <a:xfrm>
             <a:off x="5669280" y="3337560"/>
-            <a:ext cx="1279440" cy="365040"/>
+            <a:ext cx="1279080" cy="364680"/>
           </a:xfrm>
           <a:prstGeom prst="rect">
             <a:avLst/>
@@ -18100,14 +19892,14 @@
       </p:sp>
       <p:sp>
         <p:nvSpPr>
-          <p:cNvPr id="238" name="Text 25"/>
+          <p:cNvPr id="276" name="Text 25"/>
           <p:cNvSpPr/>
           <p:nvPr/>
         </p:nvSpPr>
         <p:spPr>
           <a:xfrm>
             <a:off x="5669280" y="3383280"/>
-            <a:ext cx="1279440" cy="273600"/>
+            <a:ext cx="1279080" cy="273240"/>
           </a:xfrm>
           <a:prstGeom prst="rect">
             <a:avLst/>
@@ -18155,7 +19947,7 @@
       </p:sp>
       <p:sp>
         <p:nvSpPr>
-          <p:cNvPr id="239" name="Shape 26"/>
+          <p:cNvPr id="277" name="Shape 26"/>
           <p:cNvSpPr/>
           <p:nvPr/>
         </p:nvSpPr>
@@ -18183,7 +19975,7 @@
       </p:sp>
       <p:sp>
         <p:nvSpPr>
-          <p:cNvPr id="240" name="Shape 27"/>
+          <p:cNvPr id="278" name="Shape 27"/>
           <p:cNvSpPr/>
           <p:nvPr/>
         </p:nvSpPr>
@@ -18211,14 +20003,14 @@
       </p:sp>
       <p:sp>
         <p:nvSpPr>
-          <p:cNvPr id="241" name="Shape 28"/>
+          <p:cNvPr id="279" name="Shape 28"/>
           <p:cNvSpPr/>
           <p:nvPr/>
         </p:nvSpPr>
         <p:spPr>
           <a:xfrm>
             <a:off x="6236280" y="4133160"/>
-            <a:ext cx="145440" cy="118080"/>
+            <a:ext cx="145080" cy="117720"/>
           </a:xfrm>
           <a:prstGeom prst="downArrow">
             <a:avLst>
@@ -18242,14 +20034,14 @@
       </p:sp>
       <p:sp>
         <p:nvSpPr>
-          <p:cNvPr id="242" name="Shape 29"/>
+          <p:cNvPr id="280" name="Shape 29"/>
           <p:cNvSpPr/>
           <p:nvPr/>
         </p:nvSpPr>
         <p:spPr>
           <a:xfrm>
             <a:off x="5394960" y="4297680"/>
-            <a:ext cx="1828080" cy="319320"/>
+            <a:ext cx="1827720" cy="318960"/>
           </a:xfrm>
           <a:prstGeom prst="roundRect">
             <a:avLst>
@@ -18275,14 +20067,14 @@
       </p:sp>
       <p:sp>
         <p:nvSpPr>
-          <p:cNvPr id="243" name="Text 30"/>
+          <p:cNvPr id="281" name="Text 30"/>
           <p:cNvSpPr/>
           <p:nvPr/>
         </p:nvSpPr>
         <p:spPr>
           <a:xfrm>
             <a:off x="5394960" y="4343400"/>
-            <a:ext cx="1828080" cy="227880"/>
+            <a:ext cx="1827720" cy="227520"/>
           </a:xfrm>
           <a:prstGeom prst="rect">
             <a:avLst/>
@@ -18330,14 +20122,14 @@
       </p:sp>
       <p:sp>
         <p:nvSpPr>
-          <p:cNvPr id="244" name="Shape 31"/>
+          <p:cNvPr id="282" name="Shape 31"/>
           <p:cNvSpPr/>
           <p:nvPr/>
         </p:nvSpPr>
         <p:spPr>
           <a:xfrm>
             <a:off x="7680960" y="4297680"/>
-            <a:ext cx="1279440" cy="319320"/>
+            <a:ext cx="1279080" cy="318960"/>
           </a:xfrm>
           <a:prstGeom prst="rect">
             <a:avLst/>
@@ -18358,14 +20150,14 @@
       </p:sp>
       <p:sp>
         <p:nvSpPr>
-          <p:cNvPr id="245" name="Text 32"/>
+          <p:cNvPr id="283" name="Text 32"/>
           <p:cNvSpPr/>
           <p:nvPr/>
         </p:nvSpPr>
         <p:spPr>
           <a:xfrm>
             <a:off x="7680960" y="4343400"/>
-            <a:ext cx="1279440" cy="227880"/>
+            <a:ext cx="1279080" cy="227520"/>
           </a:xfrm>
           <a:prstGeom prst="rect">
             <a:avLst/>
@@ -18450,14 +20242,14 @@
       </p:grpSpPr>
       <p:sp>
         <p:nvSpPr>
-          <p:cNvPr id="246" name="Text 0"/>
+          <p:cNvPr id="284" name="Text 0"/>
           <p:cNvSpPr/>
           <p:nvPr/>
         </p:nvSpPr>
         <p:spPr>
           <a:xfrm>
             <a:off x="457200" y="274320"/>
-            <a:ext cx="8228880" cy="456480"/>
+            <a:ext cx="8228520" cy="456120"/>
           </a:xfrm>
           <a:prstGeom prst="rect">
             <a:avLst/>
@@ -18505,14 +20297,14 @@
       </p:sp>
       <p:sp>
         <p:nvSpPr>
-          <p:cNvPr id="247" name="Shape 1"/>
+          <p:cNvPr id="285" name="Shape 1"/>
           <p:cNvSpPr/>
           <p:nvPr/>
         </p:nvSpPr>
         <p:spPr>
           <a:xfrm>
             <a:off x="914400" y="868680"/>
-            <a:ext cx="7314480" cy="639360"/>
+            <a:ext cx="7314120" cy="639000"/>
           </a:xfrm>
           <a:prstGeom prst="rect">
             <a:avLst/>
@@ -18536,14 +20328,14 @@
       </p:sp>
       <p:sp>
         <p:nvSpPr>
-          <p:cNvPr id="248" name="Text 2"/>
+          <p:cNvPr id="286" name="Text 2"/>
           <p:cNvSpPr/>
           <p:nvPr/>
         </p:nvSpPr>
         <p:spPr>
           <a:xfrm>
             <a:off x="1097280" y="960120"/>
-            <a:ext cx="6948720" cy="456480"/>
+            <a:ext cx="6948360" cy="456120"/>
           </a:xfrm>
           <a:prstGeom prst="rect">
             <a:avLst/>
@@ -18615,14 +20407,14 @@
       </p:sp>
       <p:sp>
         <p:nvSpPr>
-          <p:cNvPr id="249" name="Text 3"/>
+          <p:cNvPr id="287" name="Text 3"/>
           <p:cNvSpPr/>
           <p:nvPr/>
         </p:nvSpPr>
         <p:spPr>
           <a:xfrm>
             <a:off x="914400" y="1691640"/>
-            <a:ext cx="3656880" cy="273600"/>
+            <a:ext cx="3656520" cy="273240"/>
           </a:xfrm>
           <a:prstGeom prst="rect">
             <a:avLst/>
@@ -18670,14 +20462,14 @@
       </p:sp>
       <p:sp>
         <p:nvSpPr>
-          <p:cNvPr id="250" name="Shape 4"/>
+          <p:cNvPr id="288" name="Shape 4"/>
           <p:cNvSpPr/>
           <p:nvPr/>
         </p:nvSpPr>
         <p:spPr>
           <a:xfrm>
             <a:off x="1097280" y="2011680"/>
-            <a:ext cx="1462320" cy="1005120"/>
+            <a:ext cx="1461960" cy="1004760"/>
           </a:xfrm>
           <a:prstGeom prst="ellipse">
             <a:avLst/>
@@ -18701,14 +20493,14 @@
       </p:sp>
       <p:sp>
         <p:nvSpPr>
-          <p:cNvPr id="251" name="Text 5"/>
+          <p:cNvPr id="289" name="Text 5"/>
           <p:cNvSpPr/>
           <p:nvPr/>
         </p:nvSpPr>
         <p:spPr>
           <a:xfrm>
             <a:off x="1280160" y="2286000"/>
-            <a:ext cx="1096560" cy="456480"/>
+            <a:ext cx="1096200" cy="456120"/>
           </a:xfrm>
           <a:prstGeom prst="rect">
             <a:avLst/>
@@ -18780,14 +20572,14 @@
       </p:sp>
       <p:sp>
         <p:nvSpPr>
-          <p:cNvPr id="252" name="Shape 6"/>
+          <p:cNvPr id="290" name="Shape 6"/>
           <p:cNvSpPr/>
           <p:nvPr/>
         </p:nvSpPr>
         <p:spPr>
           <a:xfrm>
             <a:off x="2194560" y="2011680"/>
-            <a:ext cx="1462320" cy="1005120"/>
+            <a:ext cx="1461960" cy="1004760"/>
           </a:xfrm>
           <a:prstGeom prst="ellipse">
             <a:avLst/>
@@ -18811,14 +20603,14 @@
       </p:sp>
       <p:sp>
         <p:nvSpPr>
-          <p:cNvPr id="253" name="Text 7"/>
+          <p:cNvPr id="291" name="Text 7"/>
           <p:cNvSpPr/>
           <p:nvPr/>
         </p:nvSpPr>
         <p:spPr>
           <a:xfrm>
             <a:off x="2377440" y="2286000"/>
-            <a:ext cx="1096560" cy="456480"/>
+            <a:ext cx="1096200" cy="456120"/>
           </a:xfrm>
           <a:prstGeom prst="rect">
             <a:avLst/>
@@ -18890,14 +20682,14 @@
       </p:sp>
       <p:sp>
         <p:nvSpPr>
-          <p:cNvPr id="254" name="Shape 8"/>
+          <p:cNvPr id="292" name="Shape 8"/>
           <p:cNvSpPr/>
           <p:nvPr/>
         </p:nvSpPr>
         <p:spPr>
           <a:xfrm>
             <a:off x="1920240" y="2240280"/>
-            <a:ext cx="913680" cy="547920"/>
+            <a:ext cx="913320" cy="547560"/>
           </a:xfrm>
           <a:prstGeom prst="ellipse">
             <a:avLst/>
@@ -18918,14 +20710,14 @@
       </p:sp>
       <p:sp>
         <p:nvSpPr>
-          <p:cNvPr id="255" name="Text 9"/>
+          <p:cNvPr id="293" name="Text 9"/>
           <p:cNvSpPr/>
           <p:nvPr/>
         </p:nvSpPr>
         <p:spPr>
           <a:xfrm>
             <a:off x="1920240" y="2377440"/>
-            <a:ext cx="913680" cy="273600"/>
+            <a:ext cx="913320" cy="273240"/>
           </a:xfrm>
           <a:prstGeom prst="rect">
             <a:avLst/>
@@ -18973,14 +20765,14 @@
       </p:sp>
       <p:sp>
         <p:nvSpPr>
-          <p:cNvPr id="256" name="Text 10"/>
+          <p:cNvPr id="294" name="Text 10"/>
           <p:cNvSpPr/>
           <p:nvPr/>
         </p:nvSpPr>
         <p:spPr>
           <a:xfrm>
             <a:off x="1097280" y="3108960"/>
-            <a:ext cx="2559600" cy="227880"/>
+            <a:ext cx="2559240" cy="227520"/>
           </a:xfrm>
           <a:prstGeom prst="rect">
             <a:avLst/>
@@ -19028,14 +20820,14 @@
       </p:sp>
       <p:sp>
         <p:nvSpPr>
-          <p:cNvPr id="257" name="Text 11"/>
+          <p:cNvPr id="295" name="Text 11"/>
           <p:cNvSpPr/>
           <p:nvPr/>
         </p:nvSpPr>
         <p:spPr>
           <a:xfrm>
             <a:off x="4572000" y="1691640"/>
-            <a:ext cx="3656880" cy="273600"/>
+            <a:ext cx="3656520" cy="273240"/>
           </a:xfrm>
           <a:prstGeom prst="rect">
             <a:avLst/>
@@ -19083,14 +20875,14 @@
       </p:sp>
       <p:sp>
         <p:nvSpPr>
-          <p:cNvPr id="258" name="Shape 12"/>
+          <p:cNvPr id="296" name="Shape 12"/>
           <p:cNvSpPr/>
           <p:nvPr/>
         </p:nvSpPr>
         <p:spPr>
           <a:xfrm>
             <a:off x="4754880" y="2057400"/>
-            <a:ext cx="1005120" cy="410760"/>
+            <a:ext cx="1004760" cy="410400"/>
           </a:xfrm>
           <a:prstGeom prst="rect">
             <a:avLst/>
@@ -19111,14 +20903,14 @@
       </p:sp>
       <p:sp>
         <p:nvSpPr>
-          <p:cNvPr id="259" name="Text 13"/>
+          <p:cNvPr id="297" name="Text 13"/>
           <p:cNvSpPr/>
           <p:nvPr/>
         </p:nvSpPr>
         <p:spPr>
           <a:xfrm>
             <a:off x="4754880" y="2103120"/>
-            <a:ext cx="1005120" cy="319320"/>
+            <a:ext cx="1004760" cy="318960"/>
           </a:xfrm>
           <a:prstGeom prst="rect">
             <a:avLst/>
@@ -19166,14 +20958,14 @@
       </p:sp>
       <p:sp>
         <p:nvSpPr>
-          <p:cNvPr id="260" name="Text 14"/>
+          <p:cNvPr id="298" name="Text 14"/>
           <p:cNvSpPr/>
           <p:nvPr/>
         </p:nvSpPr>
         <p:spPr>
           <a:xfrm>
             <a:off x="5852160" y="2103120"/>
-            <a:ext cx="547920" cy="319320"/>
+            <a:ext cx="547560" cy="318960"/>
           </a:xfrm>
           <a:prstGeom prst="rect">
             <a:avLst/>
@@ -19221,14 +21013,14 @@
       </p:sp>
       <p:sp>
         <p:nvSpPr>
-          <p:cNvPr id="261" name="Shape 15"/>
+          <p:cNvPr id="299" name="Shape 15"/>
           <p:cNvSpPr/>
           <p:nvPr/>
         </p:nvSpPr>
         <p:spPr>
           <a:xfrm>
             <a:off x="6492240" y="2057400"/>
-            <a:ext cx="1005120" cy="410760"/>
+            <a:ext cx="1004760" cy="410400"/>
           </a:xfrm>
           <a:prstGeom prst="rect">
             <a:avLst/>
@@ -19249,14 +21041,14 @@
       </p:sp>
       <p:sp>
         <p:nvSpPr>
-          <p:cNvPr id="262" name="Text 16"/>
+          <p:cNvPr id="300" name="Text 16"/>
           <p:cNvSpPr/>
           <p:nvPr/>
         </p:nvSpPr>
         <p:spPr>
           <a:xfrm>
             <a:off x="6492240" y="2103120"/>
-            <a:ext cx="1005120" cy="319320"/>
+            <a:ext cx="1004760" cy="318960"/>
           </a:xfrm>
           <a:prstGeom prst="rect">
             <a:avLst/>
@@ -19304,14 +21096,14 @@
       </p:sp>
       <p:sp>
         <p:nvSpPr>
-          <p:cNvPr id="263" name="Text 17"/>
+          <p:cNvPr id="301" name="Text 17"/>
           <p:cNvSpPr/>
           <p:nvPr/>
         </p:nvSpPr>
         <p:spPr>
           <a:xfrm>
             <a:off x="7589520" y="2103120"/>
-            <a:ext cx="273600" cy="319320"/>
+            <a:ext cx="273240" cy="318960"/>
           </a:xfrm>
           <a:prstGeom prst="rect">
             <a:avLst/>
@@ -19359,14 +21151,14 @@
       </p:sp>
       <p:sp>
         <p:nvSpPr>
-          <p:cNvPr id="264" name="Shape 18"/>
+          <p:cNvPr id="302" name="Shape 18"/>
           <p:cNvSpPr/>
           <p:nvPr/>
         </p:nvSpPr>
         <p:spPr>
           <a:xfrm>
             <a:off x="7955280" y="2057400"/>
-            <a:ext cx="1005120" cy="410760"/>
+            <a:ext cx="1004760" cy="410400"/>
           </a:xfrm>
           <a:prstGeom prst="rect">
             <a:avLst/>
@@ -19390,14 +21182,14 @@
       </p:sp>
       <p:sp>
         <p:nvSpPr>
-          <p:cNvPr id="265" name="Text 19"/>
+          <p:cNvPr id="303" name="Text 19"/>
           <p:cNvSpPr/>
           <p:nvPr/>
         </p:nvSpPr>
         <p:spPr>
           <a:xfrm>
             <a:off x="7955280" y="2103120"/>
-            <a:ext cx="1005120" cy="319320"/>
+            <a:ext cx="1004760" cy="318960"/>
           </a:xfrm>
           <a:prstGeom prst="rect">
             <a:avLst/>
@@ -19445,14 +21237,14 @@
       </p:sp>
       <p:sp>
         <p:nvSpPr>
-          <p:cNvPr id="266" name="Shape 20"/>
+          <p:cNvPr id="304" name="Shape 20"/>
           <p:cNvSpPr/>
           <p:nvPr/>
         </p:nvSpPr>
         <p:spPr>
           <a:xfrm>
             <a:off x="4754880" y="2560320"/>
-            <a:ext cx="1005120" cy="410760"/>
+            <a:ext cx="1004760" cy="410400"/>
           </a:xfrm>
           <a:prstGeom prst="rect">
             <a:avLst/>
@@ -19473,14 +21265,14 @@
       </p:sp>
       <p:sp>
         <p:nvSpPr>
-          <p:cNvPr id="267" name="Text 21"/>
+          <p:cNvPr id="305" name="Text 21"/>
           <p:cNvSpPr/>
           <p:nvPr/>
         </p:nvSpPr>
         <p:spPr>
           <a:xfrm>
             <a:off x="4754880" y="2606040"/>
-            <a:ext cx="1005120" cy="319320"/>
+            <a:ext cx="1004760" cy="318960"/>
           </a:xfrm>
           <a:prstGeom prst="rect">
             <a:avLst/>
@@ -19528,14 +21320,14 @@
       </p:sp>
       <p:sp>
         <p:nvSpPr>
-          <p:cNvPr id="268" name="Text 22"/>
+          <p:cNvPr id="306" name="Text 22"/>
           <p:cNvSpPr/>
           <p:nvPr/>
         </p:nvSpPr>
         <p:spPr>
           <a:xfrm>
             <a:off x="5852160" y="2606040"/>
-            <a:ext cx="547920" cy="319320"/>
+            <a:ext cx="547560" cy="318960"/>
           </a:xfrm>
           <a:prstGeom prst="rect">
             <a:avLst/>
@@ -19583,14 +21375,14 @@
       </p:sp>
       <p:sp>
         <p:nvSpPr>
-          <p:cNvPr id="269" name="Shape 23"/>
+          <p:cNvPr id="307" name="Shape 23"/>
           <p:cNvSpPr/>
           <p:nvPr/>
         </p:nvSpPr>
         <p:spPr>
           <a:xfrm>
             <a:off x="6492240" y="2560320"/>
-            <a:ext cx="1005120" cy="410760"/>
+            <a:ext cx="1004760" cy="410400"/>
           </a:xfrm>
           <a:prstGeom prst="rect">
             <a:avLst/>
@@ -19611,14 +21403,14 @@
       </p:sp>
       <p:sp>
         <p:nvSpPr>
-          <p:cNvPr id="270" name="Text 24"/>
+          <p:cNvPr id="308" name="Text 24"/>
           <p:cNvSpPr/>
           <p:nvPr/>
         </p:nvSpPr>
         <p:spPr>
           <a:xfrm>
             <a:off x="6492240" y="2606040"/>
-            <a:ext cx="1005120" cy="319320"/>
+            <a:ext cx="1004760" cy="318960"/>
           </a:xfrm>
           <a:prstGeom prst="rect">
             <a:avLst/>
@@ -19666,14 +21458,14 @@
       </p:sp>
       <p:sp>
         <p:nvSpPr>
-          <p:cNvPr id="271" name="Text 25"/>
+          <p:cNvPr id="309" name="Text 25"/>
           <p:cNvSpPr/>
           <p:nvPr/>
         </p:nvSpPr>
         <p:spPr>
           <a:xfrm>
             <a:off x="7589520" y="2606040"/>
-            <a:ext cx="273600" cy="319320"/>
+            <a:ext cx="273240" cy="318960"/>
           </a:xfrm>
           <a:prstGeom prst="rect">
             <a:avLst/>
@@ -19721,14 +21513,14 @@
       </p:sp>
       <p:sp>
         <p:nvSpPr>
-          <p:cNvPr id="272" name="Shape 26"/>
+          <p:cNvPr id="310" name="Shape 26"/>
           <p:cNvSpPr/>
           <p:nvPr/>
         </p:nvSpPr>
         <p:spPr>
           <a:xfrm>
             <a:off x="7955280" y="2560320"/>
-            <a:ext cx="1005120" cy="410760"/>
+            <a:ext cx="1004760" cy="410400"/>
           </a:xfrm>
           <a:prstGeom prst="rect">
             <a:avLst/>
@@ -19752,14 +21544,14 @@
       </p:sp>
       <p:sp>
         <p:nvSpPr>
-          <p:cNvPr id="273" name="Text 27"/>
+          <p:cNvPr id="311" name="Text 27"/>
           <p:cNvSpPr/>
           <p:nvPr/>
         </p:nvSpPr>
         <p:spPr>
           <a:xfrm>
             <a:off x="7955280" y="2606040"/>
-            <a:ext cx="1005120" cy="319320"/>
+            <a:ext cx="1004760" cy="318960"/>
           </a:xfrm>
           <a:prstGeom prst="rect">
             <a:avLst/>
@@ -19807,14 +21599,14 @@
       </p:sp>
       <p:sp>
         <p:nvSpPr>
-          <p:cNvPr id="274" name="Shape 28"/>
+          <p:cNvPr id="312" name="Shape 28"/>
           <p:cNvSpPr/>
           <p:nvPr/>
         </p:nvSpPr>
         <p:spPr>
           <a:xfrm>
             <a:off x="4754880" y="3063240"/>
-            <a:ext cx="1005120" cy="410760"/>
+            <a:ext cx="1004760" cy="410400"/>
           </a:xfrm>
           <a:prstGeom prst="rect">
             <a:avLst/>
@@ -19835,14 +21627,14 @@
       </p:sp>
       <p:sp>
         <p:nvSpPr>
-          <p:cNvPr id="275" name="Text 29"/>
+          <p:cNvPr id="313" name="Text 29"/>
           <p:cNvSpPr/>
           <p:nvPr/>
         </p:nvSpPr>
         <p:spPr>
           <a:xfrm>
             <a:off x="4754880" y="3108960"/>
-            <a:ext cx="1005120" cy="319320"/>
+            <a:ext cx="1004760" cy="318960"/>
           </a:xfrm>
           <a:prstGeom prst="rect">
             <a:avLst/>
@@ -19890,14 +21682,14 @@
       </p:sp>
       <p:sp>
         <p:nvSpPr>
-          <p:cNvPr id="276" name="Text 30"/>
+          <p:cNvPr id="314" name="Text 30"/>
           <p:cNvSpPr/>
           <p:nvPr/>
         </p:nvSpPr>
         <p:spPr>
           <a:xfrm>
             <a:off x="5852160" y="3108960"/>
-            <a:ext cx="547920" cy="319320"/>
+            <a:ext cx="547560" cy="318960"/>
           </a:xfrm>
           <a:prstGeom prst="rect">
             <a:avLst/>
@@ -19945,14 +21737,14 @@
       </p:sp>
       <p:sp>
         <p:nvSpPr>
-          <p:cNvPr id="277" name="Shape 31"/>
+          <p:cNvPr id="315" name="Shape 31"/>
           <p:cNvSpPr/>
           <p:nvPr/>
         </p:nvSpPr>
         <p:spPr>
           <a:xfrm>
             <a:off x="6492240" y="3063240"/>
-            <a:ext cx="1005120" cy="410760"/>
+            <a:ext cx="1004760" cy="410400"/>
           </a:xfrm>
           <a:prstGeom prst="rect">
             <a:avLst/>
@@ -19973,14 +21765,14 @@
       </p:sp>
       <p:sp>
         <p:nvSpPr>
-          <p:cNvPr id="278" name="Text 32"/>
+          <p:cNvPr id="316" name="Text 32"/>
           <p:cNvSpPr/>
           <p:nvPr/>
         </p:nvSpPr>
         <p:spPr>
           <a:xfrm>
             <a:off x="6492240" y="3108960"/>
-            <a:ext cx="1005120" cy="319320"/>
+            <a:ext cx="1004760" cy="318960"/>
           </a:xfrm>
           <a:prstGeom prst="rect">
             <a:avLst/>
@@ -20028,14 +21820,14 @@
       </p:sp>
       <p:sp>
         <p:nvSpPr>
-          <p:cNvPr id="279" name="Text 33"/>
+          <p:cNvPr id="317" name="Text 33"/>
           <p:cNvSpPr/>
           <p:nvPr/>
         </p:nvSpPr>
         <p:spPr>
           <a:xfrm>
             <a:off x="7589520" y="3108960"/>
-            <a:ext cx="273600" cy="319320"/>
+            <a:ext cx="273240" cy="318960"/>
           </a:xfrm>
           <a:prstGeom prst="rect">
             <a:avLst/>
@@ -20083,14 +21875,14 @@
       </p:sp>
       <p:sp>
         <p:nvSpPr>
-          <p:cNvPr id="280" name="Shape 34"/>
+          <p:cNvPr id="318" name="Shape 34"/>
           <p:cNvSpPr/>
           <p:nvPr/>
         </p:nvSpPr>
         <p:spPr>
           <a:xfrm>
             <a:off x="7955280" y="3063240"/>
-            <a:ext cx="1005120" cy="410760"/>
+            <a:ext cx="1004760" cy="410400"/>
           </a:xfrm>
           <a:prstGeom prst="rect">
             <a:avLst/>
@@ -20114,14 +21906,14 @@
       </p:sp>
       <p:sp>
         <p:nvSpPr>
-          <p:cNvPr id="281" name="Text 35"/>
+          <p:cNvPr id="319" name="Text 35"/>
           <p:cNvSpPr/>
           <p:nvPr/>
         </p:nvSpPr>
         <p:spPr>
           <a:xfrm>
             <a:off x="7955280" y="3108960"/>
-            <a:ext cx="1005120" cy="319320"/>
+            <a:ext cx="1004760" cy="318960"/>
           </a:xfrm>
           <a:prstGeom prst="rect">
             <a:avLst/>
@@ -20169,14 +21961,14 @@
       </p:sp>
       <p:sp>
         <p:nvSpPr>
-          <p:cNvPr id="282" name="Shape 36"/>
+          <p:cNvPr id="320" name="Shape 36"/>
           <p:cNvSpPr/>
           <p:nvPr/>
         </p:nvSpPr>
         <p:spPr>
           <a:xfrm>
             <a:off x="4754880" y="3566160"/>
-            <a:ext cx="1005120" cy="410760"/>
+            <a:ext cx="1004760" cy="410400"/>
           </a:xfrm>
           <a:prstGeom prst="rect">
             <a:avLst/>
@@ -20197,14 +21989,14 @@
       </p:sp>
       <p:sp>
         <p:nvSpPr>
-          <p:cNvPr id="283" name="Text 37"/>
+          <p:cNvPr id="321" name="Text 37"/>
           <p:cNvSpPr/>
           <p:nvPr/>
         </p:nvSpPr>
         <p:spPr>
           <a:xfrm>
             <a:off x="4754880" y="3611880"/>
-            <a:ext cx="1005120" cy="319320"/>
+            <a:ext cx="1004760" cy="318960"/>
           </a:xfrm>
           <a:prstGeom prst="rect">
             <a:avLst/>
@@ -20252,14 +22044,14 @@
       </p:sp>
       <p:sp>
         <p:nvSpPr>
-          <p:cNvPr id="284" name="Text 38"/>
+          <p:cNvPr id="322" name="Text 38"/>
           <p:cNvSpPr/>
           <p:nvPr/>
         </p:nvSpPr>
         <p:spPr>
           <a:xfrm>
             <a:off x="5852160" y="3611880"/>
-            <a:ext cx="547920" cy="319320"/>
+            <a:ext cx="547560" cy="318960"/>
           </a:xfrm>
           <a:prstGeom prst="rect">
             <a:avLst/>
@@ -20307,14 +22099,14 @@
       </p:sp>
       <p:sp>
         <p:nvSpPr>
-          <p:cNvPr id="285" name="Shape 39"/>
+          <p:cNvPr id="323" name="Shape 39"/>
           <p:cNvSpPr/>
           <p:nvPr/>
         </p:nvSpPr>
         <p:spPr>
           <a:xfrm>
             <a:off x="6492240" y="3566160"/>
-            <a:ext cx="1005120" cy="410760"/>
+            <a:ext cx="1004760" cy="410400"/>
           </a:xfrm>
           <a:prstGeom prst="rect">
             <a:avLst/>
@@ -20335,14 +22127,14 @@
       </p:sp>
       <p:sp>
         <p:nvSpPr>
-          <p:cNvPr id="286" name="Text 40"/>
+          <p:cNvPr id="324" name="Text 40"/>
           <p:cNvSpPr/>
           <p:nvPr/>
         </p:nvSpPr>
         <p:spPr>
           <a:xfrm>
             <a:off x="6492240" y="3611880"/>
-            <a:ext cx="1005120" cy="319320"/>
+            <a:ext cx="1004760" cy="318960"/>
           </a:xfrm>
           <a:prstGeom prst="rect">
             <a:avLst/>
@@ -20390,14 +22182,14 @@
       </p:sp>
       <p:sp>
         <p:nvSpPr>
-          <p:cNvPr id="287" name="Text 41"/>
+          <p:cNvPr id="325" name="Text 41"/>
           <p:cNvSpPr/>
           <p:nvPr/>
         </p:nvSpPr>
         <p:spPr>
           <a:xfrm>
             <a:off x="7589520" y="3611880"/>
-            <a:ext cx="273600" cy="319320"/>
+            <a:ext cx="273240" cy="318960"/>
           </a:xfrm>
           <a:prstGeom prst="rect">
             <a:avLst/>
@@ -20445,14 +22237,14 @@
       </p:sp>
       <p:sp>
         <p:nvSpPr>
-          <p:cNvPr id="288" name="Shape 42"/>
+          <p:cNvPr id="326" name="Shape 42"/>
           <p:cNvSpPr/>
           <p:nvPr/>
         </p:nvSpPr>
         <p:spPr>
           <a:xfrm>
             <a:off x="7955280" y="3566160"/>
-            <a:ext cx="1005120" cy="410760"/>
+            <a:ext cx="1004760" cy="410400"/>
           </a:xfrm>
           <a:prstGeom prst="rect">
             <a:avLst/>
@@ -20476,14 +22268,14 @@
       </p:sp>
       <p:sp>
         <p:nvSpPr>
-          <p:cNvPr id="289" name="Text 43"/>
+          <p:cNvPr id="327" name="Text 43"/>
           <p:cNvSpPr/>
           <p:nvPr/>
         </p:nvSpPr>
         <p:spPr>
           <a:xfrm>
             <a:off x="7955280" y="3611880"/>
-            <a:ext cx="1005120" cy="319320"/>
+            <a:ext cx="1004760" cy="318960"/>
           </a:xfrm>
           <a:prstGeom prst="rect">
             <a:avLst/>
@@ -20531,14 +22323,14 @@
       </p:sp>
       <p:sp>
         <p:nvSpPr>
-          <p:cNvPr id="290" name="Shape 44"/>
+          <p:cNvPr id="328" name="Shape 44"/>
           <p:cNvSpPr/>
           <p:nvPr/>
         </p:nvSpPr>
         <p:spPr>
           <a:xfrm>
             <a:off x="979920" y="4251240"/>
-            <a:ext cx="6400080" cy="516960"/>
+            <a:ext cx="6399720" cy="516600"/>
           </a:xfrm>
           <a:prstGeom prst="rect">
             <a:avLst/>
@@ -20562,14 +22354,14 @@
       </p:sp>
       <p:sp>
         <p:nvSpPr>
-          <p:cNvPr id="291" name="Text 45"/>
+          <p:cNvPr id="329" name="Text 45"/>
           <p:cNvSpPr/>
           <p:nvPr/>
         </p:nvSpPr>
         <p:spPr>
           <a:xfrm>
             <a:off x="1371600" y="3794760"/>
-            <a:ext cx="6400080" cy="182160"/>
+            <a:ext cx="6399720" cy="181800"/>
           </a:xfrm>
           <a:prstGeom prst="rect">
             <a:avLst/>
@@ -20617,14 +22409,14 @@
       </p:sp>
       <p:sp>
         <p:nvSpPr>
-          <p:cNvPr id="292" name="Text 46"/>
+          <p:cNvPr id="330" name="Text 46"/>
           <p:cNvSpPr/>
           <p:nvPr/>
         </p:nvSpPr>
         <p:spPr>
           <a:xfrm>
             <a:off x="1371600" y="4069080"/>
-            <a:ext cx="6400080" cy="182160"/>
+            <a:ext cx="6399720" cy="181800"/>
           </a:xfrm>
           <a:prstGeom prst="rect">
             <a:avLst/>
@@ -20672,28 +22464,40 @@
       </p:sp>
       <p:sp>
         <p:nvSpPr>
-          <p:cNvPr id="293" name=""/>
-          <p:cNvSpPr txBox="1"/>
+          <p:cNvPr id="331" name=""/>
+          <p:cNvSpPr/>
           <p:nvPr/>
         </p:nvSpPr>
         <p:spPr>
           <a:xfrm>
             <a:off x="2700000" y="4251240"/>
-            <a:ext cx="2235240" cy="275040"/>
-          </a:xfrm>
-          <a:prstGeom prst="rect">
-            <a:avLst/>
-          </a:prstGeom>
-          <a:noFill/>
-          <a:ln w="0">
-            <a:noFill/>
-          </a:ln>
-        </p:spPr>
+            <a:ext cx="2234880" cy="274680"/>
+          </a:xfrm>
+          <a:prstGeom prst="rect">
+            <a:avLst/>
+          </a:prstGeom>
+          <a:noFill/>
+          <a:ln w="0">
+            <a:noFill/>
+          </a:ln>
+        </p:spPr>
+        <p:style>
+          <a:lnRef idx="0"/>
+          <a:fillRef idx="0"/>
+          <a:effectRef idx="0"/>
+          <a:fontRef idx="minor"/>
+        </p:style>
         <p:txBody>
           <a:bodyPr lIns="90000" rIns="90000" tIns="45000" bIns="45000" anchor="t">
             <a:noAutofit/>
           </a:bodyPr>
           <a:p>
+            <a:pPr>
+              <a:lnSpc>
+                <a:spcPct val="100000"/>
+              </a:lnSpc>
+              <a:buNone/>
+            </a:pPr>
             <a:r>
               <a:rPr b="1" lang="en-US" sz="1300" spc="-1" strike="noStrike">
                 <a:solidFill>
@@ -20712,28 +22516,40 @@
       </p:sp>
       <p:sp>
         <p:nvSpPr>
-          <p:cNvPr id="294" name=""/>
-          <p:cNvSpPr txBox="1"/>
+          <p:cNvPr id="332" name=""/>
+          <p:cNvSpPr/>
           <p:nvPr/>
         </p:nvSpPr>
         <p:spPr>
           <a:xfrm>
             <a:off x="1980000" y="4500000"/>
-            <a:ext cx="3929760" cy="262800"/>
-          </a:xfrm>
-          <a:prstGeom prst="rect">
-            <a:avLst/>
-          </a:prstGeom>
-          <a:noFill/>
-          <a:ln w="0">
-            <a:noFill/>
-          </a:ln>
-        </p:spPr>
+            <a:ext cx="3929400" cy="262440"/>
+          </a:xfrm>
+          <a:prstGeom prst="rect">
+            <a:avLst/>
+          </a:prstGeom>
+          <a:noFill/>
+          <a:ln w="0">
+            <a:noFill/>
+          </a:ln>
+        </p:spPr>
+        <p:style>
+          <a:lnRef idx="0"/>
+          <a:fillRef idx="0"/>
+          <a:effectRef idx="0"/>
+          <a:fontRef idx="minor"/>
+        </p:style>
         <p:txBody>
           <a:bodyPr lIns="90000" rIns="90000" tIns="45000" bIns="45000" anchor="t">
             <a:noAutofit/>
           </a:bodyPr>
           <a:p>
+            <a:pPr>
+              <a:lnSpc>
+                <a:spcPct val="100000"/>
+              </a:lnSpc>
+              <a:buNone/>
+            </a:pPr>
             <a:r>
               <a:rPr b="0" lang="en-US" sz="1200" spc="-1" strike="noStrike">
                 <a:solidFill>
@@ -21213,4 +23029,230 @@
     </a:fmtScheme>
   </a:themeElements>
 </a:theme>
+</file>
+
+<file path=ppt/theme/theme3.xml><?xml version="1.0" encoding="utf-8"?>
+<a:theme xmlns:a="http://schemas.openxmlformats.org/drawingml/2006/main" name="Office Theme">
+  <a:themeElements>
+    <a:clrScheme name="Office">
+      <a:dk1>
+        <a:sysClr val="windowText" lastClr="000000"/>
+      </a:dk1>
+      <a:lt1>
+        <a:sysClr val="window" lastClr="FFFFFF"/>
+      </a:lt1>
+      <a:dk2>
+        <a:srgbClr val="1f497d"/>
+      </a:dk2>
+      <a:lt2>
+        <a:srgbClr val="eeece1"/>
+      </a:lt2>
+      <a:accent1>
+        <a:srgbClr val="4f81bd"/>
+      </a:accent1>
+      <a:accent2>
+        <a:srgbClr val="c0504d"/>
+      </a:accent2>
+      <a:accent3>
+        <a:srgbClr val="9bbb59"/>
+      </a:accent3>
+      <a:accent4>
+        <a:srgbClr val="8064a2"/>
+      </a:accent4>
+      <a:accent5>
+        <a:srgbClr val="4bacc6"/>
+      </a:accent5>
+      <a:accent6>
+        <a:srgbClr val="f79646"/>
+      </a:accent6>
+      <a:hlink>
+        <a:srgbClr val="0000ff"/>
+      </a:hlink>
+      <a:folHlink>
+        <a:srgbClr val="800080"/>
+      </a:folHlink>
+    </a:clrScheme>
+    <a:fontScheme name="Office">
+      <a:majorFont>
+        <a:latin typeface="Arial"/>
+        <a:ea typeface="DejaVu Sans"/>
+        <a:cs typeface="DejaVu Sans"/>
+      </a:majorFont>
+      <a:minorFont>
+        <a:latin typeface="Arial"/>
+        <a:ea typeface="DejaVu Sans"/>
+        <a:cs typeface="DejaVu Sans"/>
+      </a:minorFont>
+    </a:fontScheme>
+    <a:fmtScheme name="Office">
+      <a:fillStyleLst>
+        <a:solidFill>
+          <a:schemeClr val="phClr"/>
+        </a:solidFill>
+        <a:gradFill rotWithShape="1">
+          <a:gsLst>
+            <a:gs pos="0">
+              <a:schemeClr val="phClr">
+                <a:tint val="50000"/>
+                <a:satMod val="300000"/>
+              </a:schemeClr>
+            </a:gs>
+            <a:gs pos="35000">
+              <a:schemeClr val="phClr">
+                <a:tint val="37000"/>
+                <a:satMod val="300000"/>
+              </a:schemeClr>
+            </a:gs>
+            <a:gs pos="100000">
+              <a:schemeClr val="phClr">
+                <a:tint val="15000"/>
+                <a:satMod val="350000"/>
+              </a:schemeClr>
+            </a:gs>
+          </a:gsLst>
+          <a:lin ang="16200000" scaled="1"/>
+        </a:gradFill>
+        <a:gradFill rotWithShape="1">
+          <a:gsLst>
+            <a:gs pos="0">
+              <a:schemeClr val="phClr">
+                <a:shade val="51000"/>
+                <a:satMod val="130000"/>
+              </a:schemeClr>
+            </a:gs>
+            <a:gs pos="80000">
+              <a:schemeClr val="phClr">
+                <a:shade val="93000"/>
+                <a:satMod val="130000"/>
+              </a:schemeClr>
+            </a:gs>
+            <a:gs pos="100000">
+              <a:schemeClr val="phClr">
+                <a:shade val="94000"/>
+                <a:satMod val="135000"/>
+              </a:schemeClr>
+            </a:gs>
+          </a:gsLst>
+          <a:lin ang="16200000" scaled="0"/>
+        </a:gradFill>
+      </a:fillStyleLst>
+      <a:lnStyleLst>
+        <a:ln w="9525" cap="flat" cmpd="sng" algn="ctr">
+          <a:solidFill>
+            <a:schemeClr val="phClr">
+              <a:shade val="95000"/>
+              <a:satMod val="105000"/>
+            </a:schemeClr>
+          </a:solidFill>
+          <a:prstDash val="solid"/>
+          <a:miter/>
+        </a:ln>
+        <a:ln w="25400" cap="flat" cmpd="sng" algn="ctr">
+          <a:solidFill>
+            <a:schemeClr val="phClr"/>
+          </a:solidFill>
+          <a:prstDash val="solid"/>
+          <a:miter/>
+        </a:ln>
+        <a:ln w="38100" cap="flat" cmpd="sng" algn="ctr">
+          <a:solidFill>
+            <a:schemeClr val="phClr"/>
+          </a:solidFill>
+          <a:prstDash val="solid"/>
+          <a:miter/>
+        </a:ln>
+      </a:lnStyleLst>
+      <a:effectStyleLst>
+        <a:effectStyle>
+          <a:effectLst>
+            <a:outerShdw blurRad="40000" dist="20000" dir="5400000" rotWithShape="0">
+              <a:srgbClr val="000000">
+                <a:alpha val="38000"/>
+              </a:srgbClr>
+            </a:outerShdw>
+          </a:effectLst>
+        </a:effectStyle>
+        <a:effectStyle>
+          <a:effectLst>
+            <a:outerShdw blurRad="40000" dist="23000" dir="5400000" rotWithShape="0">
+              <a:srgbClr val="000000">
+                <a:alpha val="35000"/>
+              </a:srgbClr>
+            </a:outerShdw>
+          </a:effectLst>
+        </a:effectStyle>
+        <a:effectStyle>
+          <a:effectLst>
+            <a:outerShdw blurRad="40000" dist="23000" dir="5400000" rotWithShape="0">
+              <a:srgbClr val="000000">
+                <a:alpha val="35000"/>
+              </a:srgbClr>
+            </a:outerShdw>
+          </a:effectLst>
+          <a:scene3d>
+            <a:camera prst="orthographicFront">
+              <a:rot lat="0" lon="0" rev="0"/>
+            </a:camera>
+            <a:lightRig rig="threePt" dir="t">
+              <a:rot lat="0" lon="0" rev="1200000"/>
+            </a:lightRig>
+          </a:scene3d>
+          <a:sp3d>
+            <a:bevelT w="63500" h="25400"/>
+          </a:sp3d>
+        </a:effectStyle>
+      </a:effectStyleLst>
+      <a:bgFillStyleLst>
+        <a:solidFill>
+          <a:schemeClr val="phClr"/>
+        </a:solidFill>
+        <a:gradFill rotWithShape="1">
+          <a:gsLst>
+            <a:gs pos="0">
+              <a:schemeClr val="phClr">
+                <a:tint val="40000"/>
+                <a:satMod val="350000"/>
+              </a:schemeClr>
+            </a:gs>
+            <a:gs pos="40000">
+              <a:schemeClr val="phClr">
+                <a:tint val="45000"/>
+                <a:shade val="99000"/>
+                <a:satMod val="350000"/>
+              </a:schemeClr>
+            </a:gs>
+            <a:gs pos="100000">
+              <a:schemeClr val="phClr">
+                <a:shade val="20000"/>
+                <a:satMod val="255000"/>
+              </a:schemeClr>
+            </a:gs>
+          </a:gsLst>
+          <a:path path="circle">
+            <a:fillToRect l="50000" t="-80000" r="50000" b="180000"/>
+          </a:path>
+        </a:gradFill>
+        <a:gradFill rotWithShape="1">
+          <a:gsLst>
+            <a:gs pos="0">
+              <a:schemeClr val="phClr">
+                <a:tint val="80000"/>
+                <a:satMod val="300000"/>
+              </a:schemeClr>
+            </a:gs>
+            <a:gs pos="100000">
+              <a:schemeClr val="phClr">
+                <a:shade val="30000"/>
+                <a:satMod val="200000"/>
+              </a:schemeClr>
+            </a:gs>
+          </a:gsLst>
+          <a:path path="circle">
+            <a:fillToRect l="50000" t="50000" r="50000" b="50000"/>
+          </a:path>
+        </a:gradFill>
+      </a:bgFillStyleLst>
+    </a:fmtScheme>
+  </a:themeElements>
+</a:theme>
 </file>